--- a/Slides/2020-Even-DAA-L11-Divide-Conquer-MergeSort.pptx
+++ b/Slides/2020-Even-DAA-L11-Divide-Conquer-MergeSort.pptx
@@ -20,6 +20,8 @@
     <p:sldId id="265" r:id="rId17"/>
     <p:sldId id="266" r:id="rId18"/>
     <p:sldId id="267" r:id="rId19"/>
+    <p:sldId id="268" r:id="rId20"/>
+    <p:sldId id="269" r:id="rId21"/>
   </p:sldIdLst>
   <p:sldSz cx="10160000" cy="7620000"/>
   <p:notesSz cx="6858000" cy="9144000"/>
@@ -2471,10 +2473,30 @@
               <a:spcBef>
                 <a:spcPts val="300"/>
               </a:spcBef>
-              <a:defRPr sz="3200"/>
             </a:pPr>
             <a:r>
-              <a:t>Merging of two n/2 array into one array of size n</a:t>
+              <a:t>Merging of two </a:t>
+            </a:r>
+            <a:r>
+              <a:rPr>
+                <a:latin typeface="Courier New"/>
+                <a:ea typeface="Courier New"/>
+                <a:cs typeface="Courier New"/>
+                <a:sym typeface="Courier New"/>
+              </a:rPr>
+              <a:t>n/2</a:t>
+            </a:r>
+            <a:r>
+              <a:t> array into one array of size </a:t>
+            </a:r>
+            <a:r>
+              <a:rPr>
+                <a:latin typeface="Courier New"/>
+                <a:ea typeface="Courier New"/>
+                <a:cs typeface="Courier New"/>
+                <a:sym typeface="Courier New"/>
+              </a:rPr>
+              <a:t>n</a:t>
             </a:r>
           </a:p>
           <a:p>
@@ -2485,7 +2507,16 @@
               <a:defRPr sz="3200"/>
             </a:pPr>
             <a:r>
-              <a:t>Time complexity: n</a:t>
+              <a:t>Time complexity: </a:t>
+            </a:r>
+            <a:r>
+              <a:rPr>
+                <a:latin typeface="Courier New"/>
+                <a:ea typeface="Courier New"/>
+                <a:cs typeface="Courier New"/>
+                <a:sym typeface="Courier New"/>
+              </a:rPr>
+              <a:t>n</a:t>
             </a:r>
           </a:p>
           <a:p>
@@ -3740,7 +3771,7 @@
       </p:grpSpPr>
       <p:sp>
         <p:nvSpPr>
-          <p:cNvPr id="216" name="Summary"/>
+          <p:cNvPr id="216" name="MergeSort (Inplace)"/>
           <p:cNvSpPr txBox="1"/>
           <p:nvPr>
             <p:ph type="title"/>
@@ -3757,20 +3788,24 @@
           <a:p>
             <a:pPr/>
             <a:r>
-              <a:t>Summary</a:t>
+              <a:t>MergeSort (Inplace)</a:t>
             </a:r>
           </a:p>
         </p:txBody>
       </p:sp>
       <p:sp>
         <p:nvSpPr>
-          <p:cNvPr id="217" name="Mergesort…"/>
+          <p:cNvPr id="217" name="If we need to merge in place, what is time  and space complexity…"/>
           <p:cNvSpPr txBox="1"/>
           <p:nvPr>
-            <p:ph type="body" idx="1"/>
+            <p:ph type="body" sz="half" idx="1"/>
           </p:nvPr>
         </p:nvSpPr>
         <p:spPr>
+          <a:xfrm>
+            <a:off x="887784" y="938113"/>
+            <a:ext cx="8798390" cy="2042832"/>
+          </a:xfrm>
           <a:prstGeom prst="rect">
             <a:avLst/>
           </a:prstGeom>
@@ -3781,19 +3816,61 @@
           <a:p>
             <a:pPr/>
             <a:r>
-              <a:t>Mergesort</a:t>
+              <a:t>If we need to merge in place, what is time  and space complexity</a:t>
             </a:r>
           </a:p>
           <a:p>
             <a:pPr lvl="1"/>
             <a:r>
-              <a:t>Not in place sort</a:t>
-            </a:r>
+              <a:t>Space: </a:t>
+            </a:r>
+            <a:r>
+              <a:rPr>
+                <a:latin typeface="Courier New"/>
+                <a:ea typeface="Courier New"/>
+                <a:cs typeface="Courier New"/>
+                <a:sym typeface="Courier New"/>
+              </a:rPr>
+              <a:t>O(1)</a:t>
+            </a:r>
+            <a:endParaRPr>
+              <a:latin typeface="Courier New"/>
+              <a:ea typeface="Courier New"/>
+              <a:cs typeface="Courier New"/>
+              <a:sym typeface="Courier New"/>
+            </a:endParaRPr>
           </a:p>
           <a:p>
             <a:pPr lvl="1"/>
             <a:r>
-              <a:t>Stable sort</a:t>
+              <a:t>Time: </a:t>
+            </a:r>
+            <a:r>
+              <a:rPr>
+                <a:latin typeface="Courier New"/>
+                <a:ea typeface="Courier New"/>
+                <a:cs typeface="Courier New"/>
+                <a:sym typeface="Courier New"/>
+              </a:rPr>
+              <a:t>O(n</a:t>
+            </a:r>
+            <a:r>
+              <a:rPr baseline="31999">
+                <a:latin typeface="Courier New"/>
+                <a:ea typeface="Courier New"/>
+                <a:cs typeface="Courier New"/>
+                <a:sym typeface="Courier New"/>
+              </a:rPr>
+              <a:t>2</a:t>
+            </a:r>
+            <a:r>
+              <a:rPr>
+                <a:latin typeface="Courier New"/>
+                <a:ea typeface="Courier New"/>
+                <a:cs typeface="Courier New"/>
+                <a:sym typeface="Courier New"/>
+              </a:rPr>
+              <a:t>)</a:t>
             </a:r>
           </a:p>
         </p:txBody>
@@ -3868,6 +3945,4697 @@
       <p:sp>
         <p:nvSpPr>
           <p:cNvPr id="220" name="RPR/"/>
+          <p:cNvSpPr txBox="1"/>
+          <p:nvPr/>
+        </p:nvSpPr>
+        <p:spPr>
+          <a:xfrm>
+            <a:off x="7535212" y="6988206"/>
+            <a:ext cx="705605" cy="382910"/>
+          </a:xfrm>
+          <a:prstGeom prst="rect">
+            <a:avLst/>
+          </a:prstGeom>
+          <a:ln w="12700">
+            <a:miter lim="400000"/>
+          </a:ln>
+          <a:extLst>
+            <a:ext uri="{C572A759-6A51-4108-AA02-DFA0A04FC94B}">
+              <ma14:wrappingTextBoxFlag xmlns:ma14="http://schemas.microsoft.com/office/mac/drawingml/2011/main" val="1"/>
+            </a:ext>
+          </a:extLst>
+        </p:spPr>
+        <p:txBody>
+          <a:bodyPr wrap="none" lIns="50800" tIns="50800" rIns="50800" bIns="50800" anchor="ctr">
+            <a:spAutoFit/>
+          </a:bodyPr>
+          <a:lstStyle>
+            <a:lvl1pPr>
+              <a:defRPr sz="2000"/>
+            </a:lvl1pPr>
+          </a:lstStyle>
+          <a:p>
+            <a:pPr/>
+            <a:r>
+              <a:t>RPR/</a:t>
+            </a:r>
+          </a:p>
+        </p:txBody>
+      </p:sp>
+      <p:sp>
+        <p:nvSpPr>
+          <p:cNvPr id="221" name="3"/>
+          <p:cNvSpPr/>
+          <p:nvPr/>
+        </p:nvSpPr>
+        <p:spPr>
+          <a:xfrm>
+            <a:off x="1378573" y="3936788"/>
+            <a:ext cx="696080" cy="661893"/>
+          </a:xfrm>
+          <a:prstGeom prst="ellipse">
+            <a:avLst/>
+          </a:prstGeom>
+          <a:ln w="25400">
+            <a:solidFill>
+              <a:srgbClr val="000000"/>
+            </a:solidFill>
+          </a:ln>
+          <a:extLst>
+            <a:ext uri="{C572A759-6A51-4108-AA02-DFA0A04FC94B}">
+              <ma14:wrappingTextBoxFlag xmlns:ma14="http://schemas.microsoft.com/office/mac/drawingml/2011/main" val="1"/>
+            </a:ext>
+          </a:extLst>
+        </p:spPr>
+        <p:txBody>
+          <a:bodyPr lIns="50800" tIns="50800" rIns="50800" bIns="50800" anchor="ctr"/>
+          <a:lstStyle>
+            <a:lvl1pPr>
+              <a:defRPr sz="2800"/>
+            </a:lvl1pPr>
+          </a:lstStyle>
+          <a:p>
+            <a:pPr/>
+            <a:r>
+              <a:t>3</a:t>
+            </a:r>
+          </a:p>
+        </p:txBody>
+      </p:sp>
+      <p:sp>
+        <p:nvSpPr>
+          <p:cNvPr id="222" name="4"/>
+          <p:cNvSpPr/>
+          <p:nvPr/>
+        </p:nvSpPr>
+        <p:spPr>
+          <a:xfrm>
+            <a:off x="5487559" y="3966561"/>
+            <a:ext cx="696080" cy="661893"/>
+          </a:xfrm>
+          <a:prstGeom prst="ellipse">
+            <a:avLst/>
+          </a:prstGeom>
+          <a:ln w="25400">
+            <a:solidFill>
+              <a:srgbClr val="000000"/>
+            </a:solidFill>
+          </a:ln>
+          <a:extLst>
+            <a:ext uri="{C572A759-6A51-4108-AA02-DFA0A04FC94B}">
+              <ma14:wrappingTextBoxFlag xmlns:ma14="http://schemas.microsoft.com/office/mac/drawingml/2011/main" val="1"/>
+            </a:ext>
+          </a:extLst>
+        </p:spPr>
+        <p:txBody>
+          <a:bodyPr lIns="50800" tIns="50800" rIns="50800" bIns="50800" anchor="ctr"/>
+          <a:lstStyle>
+            <a:lvl1pPr>
+              <a:defRPr sz="2800"/>
+            </a:lvl1pPr>
+          </a:lstStyle>
+          <a:p>
+            <a:pPr/>
+            <a:r>
+              <a:t>4</a:t>
+            </a:r>
+          </a:p>
+        </p:txBody>
+      </p:sp>
+      <p:sp>
+        <p:nvSpPr>
+          <p:cNvPr id="223" name="5"/>
+          <p:cNvSpPr/>
+          <p:nvPr/>
+        </p:nvSpPr>
+        <p:spPr>
+          <a:xfrm>
+            <a:off x="6267589" y="3966561"/>
+            <a:ext cx="696080" cy="661893"/>
+          </a:xfrm>
+          <a:prstGeom prst="ellipse">
+            <a:avLst/>
+          </a:prstGeom>
+          <a:ln w="25400">
+            <a:solidFill>
+              <a:srgbClr val="000000"/>
+            </a:solidFill>
+          </a:ln>
+          <a:extLst>
+            <a:ext uri="{C572A759-6A51-4108-AA02-DFA0A04FC94B}">
+              <ma14:wrappingTextBoxFlag xmlns:ma14="http://schemas.microsoft.com/office/mac/drawingml/2011/main" val="1"/>
+            </a:ext>
+          </a:extLst>
+        </p:spPr>
+        <p:txBody>
+          <a:bodyPr lIns="50800" tIns="50800" rIns="50800" bIns="50800" anchor="ctr"/>
+          <a:lstStyle>
+            <a:lvl1pPr>
+              <a:defRPr sz="2800"/>
+            </a:lvl1pPr>
+          </a:lstStyle>
+          <a:p>
+            <a:pPr/>
+            <a:r>
+              <a:t>5</a:t>
+            </a:r>
+          </a:p>
+        </p:txBody>
+      </p:sp>
+      <p:sp>
+        <p:nvSpPr>
+          <p:cNvPr id="224" name="19"/>
+          <p:cNvSpPr/>
+          <p:nvPr/>
+        </p:nvSpPr>
+        <p:spPr>
+          <a:xfrm>
+            <a:off x="7827649" y="3966561"/>
+            <a:ext cx="696080" cy="661893"/>
+          </a:xfrm>
+          <a:prstGeom prst="ellipse">
+            <a:avLst/>
+          </a:prstGeom>
+          <a:ln w="25400">
+            <a:solidFill>
+              <a:srgbClr val="000000"/>
+            </a:solidFill>
+          </a:ln>
+          <a:extLst>
+            <a:ext uri="{C572A759-6A51-4108-AA02-DFA0A04FC94B}">
+              <ma14:wrappingTextBoxFlag xmlns:ma14="http://schemas.microsoft.com/office/mac/drawingml/2011/main" val="1"/>
+            </a:ext>
+          </a:extLst>
+        </p:spPr>
+        <p:txBody>
+          <a:bodyPr lIns="50800" tIns="50800" rIns="50800" bIns="50800" anchor="ctr"/>
+          <a:lstStyle>
+            <a:lvl1pPr>
+              <a:defRPr sz="2800"/>
+            </a:lvl1pPr>
+          </a:lstStyle>
+          <a:p>
+            <a:pPr/>
+            <a:r>
+              <a:t>19</a:t>
+            </a:r>
+          </a:p>
+        </p:txBody>
+      </p:sp>
+      <p:sp>
+        <p:nvSpPr>
+          <p:cNvPr id="225" name="6"/>
+          <p:cNvSpPr/>
+          <p:nvPr/>
+        </p:nvSpPr>
+        <p:spPr>
+          <a:xfrm>
+            <a:off x="7047619" y="3966561"/>
+            <a:ext cx="696080" cy="661893"/>
+          </a:xfrm>
+          <a:prstGeom prst="ellipse">
+            <a:avLst/>
+          </a:prstGeom>
+          <a:ln w="25400">
+            <a:solidFill>
+              <a:srgbClr val="000000"/>
+            </a:solidFill>
+          </a:ln>
+          <a:extLst>
+            <a:ext uri="{C572A759-6A51-4108-AA02-DFA0A04FC94B}">
+              <ma14:wrappingTextBoxFlag xmlns:ma14="http://schemas.microsoft.com/office/mac/drawingml/2011/main" val="1"/>
+            </a:ext>
+          </a:extLst>
+        </p:spPr>
+        <p:txBody>
+          <a:bodyPr lIns="50800" tIns="50800" rIns="50800" bIns="50800" anchor="ctr"/>
+          <a:lstStyle>
+            <a:lvl1pPr>
+              <a:defRPr sz="2800"/>
+            </a:lvl1pPr>
+          </a:lstStyle>
+          <a:p>
+            <a:pPr/>
+            <a:r>
+              <a:t>6</a:t>
+            </a:r>
+          </a:p>
+        </p:txBody>
+      </p:sp>
+      <p:grpSp>
+        <p:nvGrpSpPr>
+          <p:cNvPr id="229" name="Group"/>
+          <p:cNvGrpSpPr/>
+          <p:nvPr/>
+        </p:nvGrpSpPr>
+        <p:grpSpPr>
+          <a:xfrm>
+            <a:off x="2141595" y="3936789"/>
+            <a:ext cx="2222125" cy="691665"/>
+            <a:chOff x="0" y="0"/>
+            <a:chExt cx="2222123" cy="691663"/>
+          </a:xfrm>
+        </p:grpSpPr>
+        <p:sp>
+          <p:nvSpPr>
+            <p:cNvPr id="226" name="20"/>
+            <p:cNvSpPr/>
+            <p:nvPr/>
+          </p:nvSpPr>
+          <p:spPr>
+            <a:xfrm>
+              <a:off x="1526044" y="0"/>
+              <a:ext cx="696080" cy="661892"/>
+            </a:xfrm>
+            <a:prstGeom prst="ellipse">
+              <a:avLst/>
+            </a:prstGeom>
+            <a:noFill/>
+            <a:ln w="25400" cap="flat">
+              <a:solidFill>
+                <a:srgbClr val="000000"/>
+              </a:solidFill>
+              <a:prstDash val="solid"/>
+              <a:round/>
+            </a:ln>
+            <a:effectLst/>
+            <a:extLst>
+              <a:ext uri="{C572A759-6A51-4108-AA02-DFA0A04FC94B}">
+                <ma14:wrappingTextBoxFlag xmlns:ma14="http://schemas.microsoft.com/office/mac/drawingml/2011/main" val="1"/>
+              </a:ext>
+            </a:extLst>
+          </p:spPr>
+          <p:txBody>
+            <a:bodyPr wrap="square" lIns="50800" tIns="50800" rIns="50800" bIns="50800" numCol="1" anchor="ctr">
+              <a:noAutofit/>
+            </a:bodyPr>
+            <a:lstStyle>
+              <a:lvl1pPr>
+                <a:defRPr sz="2800"/>
+              </a:lvl1pPr>
+            </a:lstStyle>
+            <a:p>
+              <a:pPr/>
+              <a:r>
+                <a:t>20</a:t>
+              </a:r>
+            </a:p>
+          </p:txBody>
+        </p:sp>
+        <p:sp>
+          <p:nvSpPr>
+            <p:cNvPr id="227" name="10"/>
+            <p:cNvSpPr/>
+            <p:nvPr/>
+          </p:nvSpPr>
+          <p:spPr>
+            <a:xfrm>
+              <a:off x="0" y="29772"/>
+              <a:ext cx="696080" cy="661892"/>
+            </a:xfrm>
+            <a:prstGeom prst="ellipse">
+              <a:avLst/>
+            </a:prstGeom>
+            <a:noFill/>
+            <a:ln w="25400" cap="flat">
+              <a:solidFill>
+                <a:srgbClr val="000000"/>
+              </a:solidFill>
+              <a:prstDash val="solid"/>
+              <a:round/>
+            </a:ln>
+            <a:effectLst/>
+            <a:extLst>
+              <a:ext uri="{C572A759-6A51-4108-AA02-DFA0A04FC94B}">
+                <ma14:wrappingTextBoxFlag xmlns:ma14="http://schemas.microsoft.com/office/mac/drawingml/2011/main" val="1"/>
+              </a:ext>
+            </a:extLst>
+          </p:spPr>
+          <p:txBody>
+            <a:bodyPr wrap="square" lIns="50800" tIns="50800" rIns="50800" bIns="50800" numCol="1" anchor="ctr">
+              <a:noAutofit/>
+            </a:bodyPr>
+            <a:lstStyle>
+              <a:lvl1pPr>
+                <a:defRPr sz="2800"/>
+              </a:lvl1pPr>
+            </a:lstStyle>
+            <a:p>
+              <a:pPr/>
+              <a:r>
+                <a:t>10</a:t>
+              </a:r>
+            </a:p>
+          </p:txBody>
+        </p:sp>
+        <p:sp>
+          <p:nvSpPr>
+            <p:cNvPr id="228" name="15"/>
+            <p:cNvSpPr/>
+            <p:nvPr/>
+          </p:nvSpPr>
+          <p:spPr>
+            <a:xfrm>
+              <a:off x="763022" y="29772"/>
+              <a:ext cx="696080" cy="661892"/>
+            </a:xfrm>
+            <a:prstGeom prst="ellipse">
+              <a:avLst/>
+            </a:prstGeom>
+            <a:noFill/>
+            <a:ln w="25400" cap="flat">
+              <a:solidFill>
+                <a:srgbClr val="000000"/>
+              </a:solidFill>
+              <a:prstDash val="solid"/>
+              <a:round/>
+            </a:ln>
+            <a:effectLst/>
+            <a:extLst>
+              <a:ext uri="{C572A759-6A51-4108-AA02-DFA0A04FC94B}">
+                <ma14:wrappingTextBoxFlag xmlns:ma14="http://schemas.microsoft.com/office/mac/drawingml/2011/main" val="1"/>
+              </a:ext>
+            </a:extLst>
+          </p:spPr>
+          <p:txBody>
+            <a:bodyPr wrap="square" lIns="50800" tIns="50800" rIns="50800" bIns="50800" numCol="1" anchor="ctr">
+              <a:noAutofit/>
+            </a:bodyPr>
+            <a:lstStyle>
+              <a:lvl1pPr>
+                <a:defRPr sz="2800"/>
+              </a:lvl1pPr>
+            </a:lstStyle>
+            <a:p>
+              <a:pPr/>
+              <a:r>
+                <a:t>15</a:t>
+              </a:r>
+            </a:p>
+          </p:txBody>
+        </p:sp>
+      </p:grpSp>
+      <p:sp>
+        <p:nvSpPr>
+          <p:cNvPr id="230" name="S1"/>
+          <p:cNvSpPr txBox="1"/>
+          <p:nvPr/>
+        </p:nvSpPr>
+        <p:spPr>
+          <a:xfrm>
+            <a:off x="672635" y="4021287"/>
+            <a:ext cx="530509" cy="492895"/>
+          </a:xfrm>
+          <a:prstGeom prst="rect">
+            <a:avLst/>
+          </a:prstGeom>
+          <a:ln w="12700">
+            <a:miter lim="400000"/>
+          </a:ln>
+          <a:extLst>
+            <a:ext uri="{C572A759-6A51-4108-AA02-DFA0A04FC94B}">
+              <ma14:wrappingTextBoxFlag xmlns:ma14="http://schemas.microsoft.com/office/mac/drawingml/2011/main" val="1"/>
+            </a:ext>
+          </a:extLst>
+        </p:spPr>
+        <p:txBody>
+          <a:bodyPr wrap="none" lIns="50800" tIns="50800" rIns="50800" bIns="50800" anchor="ctr">
+            <a:spAutoFit/>
+          </a:bodyPr>
+          <a:lstStyle>
+            <a:lvl1pPr>
+              <a:defRPr sz="2800"/>
+            </a:lvl1pPr>
+          </a:lstStyle>
+          <a:p>
+            <a:pPr/>
+            <a:r>
+              <a:t>S1</a:t>
+            </a:r>
+          </a:p>
+        </p:txBody>
+      </p:sp>
+      <p:grpSp>
+        <p:nvGrpSpPr>
+          <p:cNvPr id="234" name="Group"/>
+          <p:cNvGrpSpPr/>
+          <p:nvPr/>
+        </p:nvGrpSpPr>
+        <p:grpSpPr>
+          <a:xfrm>
+            <a:off x="672635" y="4638743"/>
+            <a:ext cx="2175641" cy="691665"/>
+            <a:chOff x="0" y="0"/>
+            <a:chExt cx="2175639" cy="691663"/>
+          </a:xfrm>
+        </p:grpSpPr>
+        <p:sp>
+          <p:nvSpPr>
+            <p:cNvPr id="231" name="S2"/>
+            <p:cNvSpPr txBox="1"/>
+            <p:nvPr/>
+          </p:nvSpPr>
+          <p:spPr>
+            <a:xfrm>
+              <a:off x="0" y="99385"/>
+              <a:ext cx="530508" cy="492894"/>
+            </a:xfrm>
+            <a:prstGeom prst="rect">
+              <a:avLst/>
+            </a:prstGeom>
+            <a:noFill/>
+            <a:ln w="12700" cap="flat">
+              <a:noFill/>
+              <a:miter lim="400000"/>
+            </a:ln>
+            <a:effectLst/>
+            <a:extLst>
+              <a:ext uri="{C572A759-6A51-4108-AA02-DFA0A04FC94B}">
+                <ma14:wrappingTextBoxFlag xmlns:ma14="http://schemas.microsoft.com/office/mac/drawingml/2011/main" val="1"/>
+              </a:ext>
+            </a:extLst>
+          </p:spPr>
+          <p:txBody>
+            <a:bodyPr wrap="none" lIns="50800" tIns="50800" rIns="50800" bIns="50800" numCol="1" anchor="ctr">
+              <a:spAutoFit/>
+            </a:bodyPr>
+            <a:lstStyle>
+              <a:lvl1pPr>
+                <a:defRPr sz="2800"/>
+              </a:lvl1pPr>
+            </a:lstStyle>
+            <a:p>
+              <a:pPr/>
+              <a:r>
+                <a:t>S2</a:t>
+              </a:r>
+            </a:p>
+          </p:txBody>
+        </p:sp>
+        <p:sp>
+          <p:nvSpPr>
+            <p:cNvPr id="232" name="3"/>
+            <p:cNvSpPr/>
+            <p:nvPr/>
+          </p:nvSpPr>
+          <p:spPr>
+            <a:xfrm>
+              <a:off x="716538" y="0"/>
+              <a:ext cx="696080" cy="661892"/>
+            </a:xfrm>
+            <a:prstGeom prst="ellipse">
+              <a:avLst/>
+            </a:prstGeom>
+            <a:noFill/>
+            <a:ln w="25400" cap="flat">
+              <a:solidFill>
+                <a:srgbClr val="000000"/>
+              </a:solidFill>
+              <a:prstDash val="solid"/>
+              <a:round/>
+            </a:ln>
+            <a:effectLst/>
+            <a:extLst>
+              <a:ext uri="{C572A759-6A51-4108-AA02-DFA0A04FC94B}">
+                <ma14:wrappingTextBoxFlag xmlns:ma14="http://schemas.microsoft.com/office/mac/drawingml/2011/main" val="1"/>
+              </a:ext>
+            </a:extLst>
+          </p:spPr>
+          <p:txBody>
+            <a:bodyPr wrap="square" lIns="50800" tIns="50800" rIns="50800" bIns="50800" numCol="1" anchor="ctr">
+              <a:noAutofit/>
+            </a:bodyPr>
+            <a:lstStyle>
+              <a:lvl1pPr>
+                <a:defRPr sz="2800"/>
+              </a:lvl1pPr>
+            </a:lstStyle>
+            <a:p>
+              <a:pPr/>
+              <a:r>
+                <a:t>3</a:t>
+              </a:r>
+            </a:p>
+          </p:txBody>
+        </p:sp>
+        <p:sp>
+          <p:nvSpPr>
+            <p:cNvPr id="233" name="4"/>
+            <p:cNvSpPr/>
+            <p:nvPr/>
+          </p:nvSpPr>
+          <p:spPr>
+            <a:xfrm>
+              <a:off x="1479560" y="29772"/>
+              <a:ext cx="696080" cy="661892"/>
+            </a:xfrm>
+            <a:prstGeom prst="ellipse">
+              <a:avLst/>
+            </a:prstGeom>
+            <a:noFill/>
+            <a:ln w="25400" cap="flat">
+              <a:solidFill>
+                <a:srgbClr val="000000"/>
+              </a:solidFill>
+              <a:prstDash val="solid"/>
+              <a:round/>
+            </a:ln>
+            <a:effectLst/>
+            <a:extLst>
+              <a:ext uri="{C572A759-6A51-4108-AA02-DFA0A04FC94B}">
+                <ma14:wrappingTextBoxFlag xmlns:ma14="http://schemas.microsoft.com/office/mac/drawingml/2011/main" val="1"/>
+              </a:ext>
+            </a:extLst>
+          </p:spPr>
+          <p:txBody>
+            <a:bodyPr wrap="square" lIns="50800" tIns="50800" rIns="50800" bIns="50800" numCol="1" anchor="ctr">
+              <a:noAutofit/>
+            </a:bodyPr>
+            <a:lstStyle>
+              <a:lvl1pPr>
+                <a:defRPr sz="2800"/>
+              </a:lvl1pPr>
+            </a:lstStyle>
+            <a:p>
+              <a:pPr/>
+              <a:r>
+                <a:t>4</a:t>
+              </a:r>
+            </a:p>
+          </p:txBody>
+        </p:sp>
+      </p:grpSp>
+      <p:sp>
+        <p:nvSpPr>
+          <p:cNvPr id="235" name="5"/>
+          <p:cNvSpPr/>
+          <p:nvPr/>
+        </p:nvSpPr>
+        <p:spPr>
+          <a:xfrm>
+            <a:off x="5498159" y="4668515"/>
+            <a:ext cx="696080" cy="661893"/>
+          </a:xfrm>
+          <a:prstGeom prst="ellipse">
+            <a:avLst/>
+          </a:prstGeom>
+          <a:ln w="25400">
+            <a:solidFill>
+              <a:srgbClr val="000000"/>
+            </a:solidFill>
+          </a:ln>
+          <a:extLst>
+            <a:ext uri="{C572A759-6A51-4108-AA02-DFA0A04FC94B}">
+              <ma14:wrappingTextBoxFlag xmlns:ma14="http://schemas.microsoft.com/office/mac/drawingml/2011/main" val="1"/>
+            </a:ext>
+          </a:extLst>
+        </p:spPr>
+        <p:txBody>
+          <a:bodyPr lIns="50800" tIns="50800" rIns="50800" bIns="50800" anchor="ctr"/>
+          <a:lstStyle>
+            <a:lvl1pPr>
+              <a:defRPr sz="2800"/>
+            </a:lvl1pPr>
+          </a:lstStyle>
+          <a:p>
+            <a:pPr/>
+            <a:r>
+              <a:t>5</a:t>
+            </a:r>
+          </a:p>
+        </p:txBody>
+      </p:sp>
+      <p:sp>
+        <p:nvSpPr>
+          <p:cNvPr id="236" name="6"/>
+          <p:cNvSpPr/>
+          <p:nvPr/>
+        </p:nvSpPr>
+        <p:spPr>
+          <a:xfrm>
+            <a:off x="6278190" y="4668515"/>
+            <a:ext cx="696080" cy="661893"/>
+          </a:xfrm>
+          <a:prstGeom prst="ellipse">
+            <a:avLst/>
+          </a:prstGeom>
+          <a:ln w="25400">
+            <a:solidFill>
+              <a:srgbClr val="000000"/>
+            </a:solidFill>
+          </a:ln>
+          <a:extLst>
+            <a:ext uri="{C572A759-6A51-4108-AA02-DFA0A04FC94B}">
+              <ma14:wrappingTextBoxFlag xmlns:ma14="http://schemas.microsoft.com/office/mac/drawingml/2011/main" val="1"/>
+            </a:ext>
+          </a:extLst>
+        </p:spPr>
+        <p:txBody>
+          <a:bodyPr lIns="50800" tIns="50800" rIns="50800" bIns="50800" anchor="ctr"/>
+          <a:lstStyle>
+            <a:lvl1pPr>
+              <a:defRPr sz="2800"/>
+            </a:lvl1pPr>
+          </a:lstStyle>
+          <a:p>
+            <a:pPr/>
+            <a:r>
+              <a:t>6</a:t>
+            </a:r>
+          </a:p>
+        </p:txBody>
+      </p:sp>
+      <p:sp>
+        <p:nvSpPr>
+          <p:cNvPr id="237" name="10"/>
+          <p:cNvSpPr/>
+          <p:nvPr/>
+        </p:nvSpPr>
+        <p:spPr>
+          <a:xfrm>
+            <a:off x="7058220" y="4668515"/>
+            <a:ext cx="696080" cy="661893"/>
+          </a:xfrm>
+          <a:prstGeom prst="ellipse">
+            <a:avLst/>
+          </a:prstGeom>
+          <a:ln w="25400">
+            <a:solidFill>
+              <a:srgbClr val="000000"/>
+            </a:solidFill>
+          </a:ln>
+          <a:extLst>
+            <a:ext uri="{C572A759-6A51-4108-AA02-DFA0A04FC94B}">
+              <ma14:wrappingTextBoxFlag xmlns:ma14="http://schemas.microsoft.com/office/mac/drawingml/2011/main" val="1"/>
+            </a:ext>
+          </a:extLst>
+        </p:spPr>
+        <p:txBody>
+          <a:bodyPr lIns="50800" tIns="50800" rIns="50800" bIns="50800" anchor="ctr"/>
+          <a:lstStyle>
+            <a:lvl1pPr>
+              <a:defRPr sz="2800"/>
+            </a:lvl1pPr>
+          </a:lstStyle>
+          <a:p>
+            <a:pPr/>
+            <a:r>
+              <a:t>10</a:t>
+            </a:r>
+          </a:p>
+        </p:txBody>
+      </p:sp>
+      <p:sp>
+        <p:nvSpPr>
+          <p:cNvPr id="238" name="19"/>
+          <p:cNvSpPr/>
+          <p:nvPr/>
+        </p:nvSpPr>
+        <p:spPr>
+          <a:xfrm>
+            <a:off x="7838249" y="4668515"/>
+            <a:ext cx="696081" cy="661893"/>
+          </a:xfrm>
+          <a:prstGeom prst="ellipse">
+            <a:avLst/>
+          </a:prstGeom>
+          <a:ln w="25400">
+            <a:solidFill>
+              <a:srgbClr val="000000"/>
+            </a:solidFill>
+          </a:ln>
+          <a:extLst>
+            <a:ext uri="{C572A759-6A51-4108-AA02-DFA0A04FC94B}">
+              <ma14:wrappingTextBoxFlag xmlns:ma14="http://schemas.microsoft.com/office/mac/drawingml/2011/main" val="1"/>
+            </a:ext>
+          </a:extLst>
+        </p:spPr>
+        <p:txBody>
+          <a:bodyPr lIns="50800" tIns="50800" rIns="50800" bIns="50800" anchor="ctr"/>
+          <a:lstStyle>
+            <a:lvl1pPr>
+              <a:defRPr sz="2800"/>
+            </a:lvl1pPr>
+          </a:lstStyle>
+          <a:p>
+            <a:pPr/>
+            <a:r>
+              <a:t>19</a:t>
+            </a:r>
+          </a:p>
+        </p:txBody>
+      </p:sp>
+      <p:grpSp>
+        <p:nvGrpSpPr>
+          <p:cNvPr id="241" name="Group"/>
+          <p:cNvGrpSpPr/>
+          <p:nvPr/>
+        </p:nvGrpSpPr>
+        <p:grpSpPr>
+          <a:xfrm>
+            <a:off x="2915218" y="4638743"/>
+            <a:ext cx="1459102" cy="691665"/>
+            <a:chOff x="0" y="0"/>
+            <a:chExt cx="1459100" cy="691663"/>
+          </a:xfrm>
+        </p:grpSpPr>
+        <p:sp>
+          <p:nvSpPr>
+            <p:cNvPr id="239" name="20"/>
+            <p:cNvSpPr/>
+            <p:nvPr/>
+          </p:nvSpPr>
+          <p:spPr>
+            <a:xfrm>
+              <a:off x="763021" y="0"/>
+              <a:ext cx="696080" cy="661892"/>
+            </a:xfrm>
+            <a:prstGeom prst="ellipse">
+              <a:avLst/>
+            </a:prstGeom>
+            <a:noFill/>
+            <a:ln w="25400" cap="flat">
+              <a:solidFill>
+                <a:srgbClr val="000000"/>
+              </a:solidFill>
+              <a:prstDash val="solid"/>
+              <a:round/>
+            </a:ln>
+            <a:effectLst/>
+            <a:extLst>
+              <a:ext uri="{C572A759-6A51-4108-AA02-DFA0A04FC94B}">
+                <ma14:wrappingTextBoxFlag xmlns:ma14="http://schemas.microsoft.com/office/mac/drawingml/2011/main" val="1"/>
+              </a:ext>
+            </a:extLst>
+          </p:spPr>
+          <p:txBody>
+            <a:bodyPr wrap="square" lIns="50800" tIns="50800" rIns="50800" bIns="50800" numCol="1" anchor="ctr">
+              <a:noAutofit/>
+            </a:bodyPr>
+            <a:lstStyle>
+              <a:lvl1pPr>
+                <a:defRPr sz="2800"/>
+              </a:lvl1pPr>
+            </a:lstStyle>
+            <a:p>
+              <a:pPr/>
+              <a:r>
+                <a:t>20</a:t>
+              </a:r>
+            </a:p>
+          </p:txBody>
+        </p:sp>
+        <p:sp>
+          <p:nvSpPr>
+            <p:cNvPr id="240" name="15"/>
+            <p:cNvSpPr/>
+            <p:nvPr/>
+          </p:nvSpPr>
+          <p:spPr>
+            <a:xfrm>
+              <a:off x="0" y="29772"/>
+              <a:ext cx="696080" cy="661892"/>
+            </a:xfrm>
+            <a:prstGeom prst="ellipse">
+              <a:avLst/>
+            </a:prstGeom>
+            <a:noFill/>
+            <a:ln w="25400" cap="flat">
+              <a:solidFill>
+                <a:srgbClr val="000000"/>
+              </a:solidFill>
+              <a:prstDash val="solid"/>
+              <a:round/>
+            </a:ln>
+            <a:effectLst/>
+            <a:extLst>
+              <a:ext uri="{C572A759-6A51-4108-AA02-DFA0A04FC94B}">
+                <ma14:wrappingTextBoxFlag xmlns:ma14="http://schemas.microsoft.com/office/mac/drawingml/2011/main" val="1"/>
+              </a:ext>
+            </a:extLst>
+          </p:spPr>
+          <p:txBody>
+            <a:bodyPr wrap="square" lIns="50800" tIns="50800" rIns="50800" bIns="50800" numCol="1" anchor="ctr">
+              <a:noAutofit/>
+            </a:bodyPr>
+            <a:lstStyle>
+              <a:lvl1pPr>
+                <a:defRPr sz="2800"/>
+              </a:lvl1pPr>
+            </a:lstStyle>
+            <a:p>
+              <a:pPr/>
+              <a:r>
+                <a:t>15</a:t>
+              </a:r>
+            </a:p>
+          </p:txBody>
+        </p:sp>
+      </p:grpSp>
+      <p:sp>
+        <p:nvSpPr>
+          <p:cNvPr id="242" name="20"/>
+          <p:cNvSpPr/>
+          <p:nvPr/>
+        </p:nvSpPr>
+        <p:spPr>
+          <a:xfrm>
+            <a:off x="3672212" y="5393201"/>
+            <a:ext cx="696080" cy="661892"/>
+          </a:xfrm>
+          <a:prstGeom prst="ellipse">
+            <a:avLst/>
+          </a:prstGeom>
+          <a:ln w="25400">
+            <a:solidFill>
+              <a:srgbClr val="000000"/>
+            </a:solidFill>
+          </a:ln>
+          <a:extLst>
+            <a:ext uri="{C572A759-6A51-4108-AA02-DFA0A04FC94B}">
+              <ma14:wrappingTextBoxFlag xmlns:ma14="http://schemas.microsoft.com/office/mac/drawingml/2011/main" val="1"/>
+            </a:ext>
+          </a:extLst>
+        </p:spPr>
+        <p:txBody>
+          <a:bodyPr lIns="50800" tIns="50800" rIns="50800" bIns="50800" anchor="ctr"/>
+          <a:lstStyle>
+            <a:lvl1pPr>
+              <a:defRPr sz="2800"/>
+            </a:lvl1pPr>
+          </a:lstStyle>
+          <a:p>
+            <a:pPr/>
+            <a:r>
+              <a:t>20</a:t>
+            </a:r>
+          </a:p>
+        </p:txBody>
+      </p:sp>
+      <p:sp>
+        <p:nvSpPr>
+          <p:cNvPr id="243" name="6"/>
+          <p:cNvSpPr/>
+          <p:nvPr/>
+        </p:nvSpPr>
+        <p:spPr>
+          <a:xfrm>
+            <a:off x="5492131" y="5422973"/>
+            <a:ext cx="696080" cy="661893"/>
+          </a:xfrm>
+          <a:prstGeom prst="ellipse">
+            <a:avLst/>
+          </a:prstGeom>
+          <a:ln w="25400">
+            <a:solidFill>
+              <a:srgbClr val="000000"/>
+            </a:solidFill>
+          </a:ln>
+          <a:extLst>
+            <a:ext uri="{C572A759-6A51-4108-AA02-DFA0A04FC94B}">
+              <ma14:wrappingTextBoxFlag xmlns:ma14="http://schemas.microsoft.com/office/mac/drawingml/2011/main" val="1"/>
+            </a:ext>
+          </a:extLst>
+        </p:spPr>
+        <p:txBody>
+          <a:bodyPr lIns="50800" tIns="50800" rIns="50800" bIns="50800" anchor="ctr"/>
+          <a:lstStyle>
+            <a:lvl1pPr>
+              <a:defRPr sz="2800"/>
+            </a:lvl1pPr>
+          </a:lstStyle>
+          <a:p>
+            <a:pPr/>
+            <a:r>
+              <a:t>6</a:t>
+            </a:r>
+          </a:p>
+        </p:txBody>
+      </p:sp>
+      <p:sp>
+        <p:nvSpPr>
+          <p:cNvPr id="244" name="10"/>
+          <p:cNvSpPr/>
+          <p:nvPr/>
+        </p:nvSpPr>
+        <p:spPr>
+          <a:xfrm>
+            <a:off x="6272162" y="5422973"/>
+            <a:ext cx="696080" cy="661893"/>
+          </a:xfrm>
+          <a:prstGeom prst="ellipse">
+            <a:avLst/>
+          </a:prstGeom>
+          <a:ln w="25400">
+            <a:solidFill>
+              <a:srgbClr val="000000"/>
+            </a:solidFill>
+          </a:ln>
+          <a:extLst>
+            <a:ext uri="{C572A759-6A51-4108-AA02-DFA0A04FC94B}">
+              <ma14:wrappingTextBoxFlag xmlns:ma14="http://schemas.microsoft.com/office/mac/drawingml/2011/main" val="1"/>
+            </a:ext>
+          </a:extLst>
+        </p:spPr>
+        <p:txBody>
+          <a:bodyPr lIns="50800" tIns="50800" rIns="50800" bIns="50800" anchor="ctr"/>
+          <a:lstStyle>
+            <a:lvl1pPr>
+              <a:defRPr sz="2800"/>
+            </a:lvl1pPr>
+          </a:lstStyle>
+          <a:p>
+            <a:pPr/>
+            <a:r>
+              <a:t>10</a:t>
+            </a:r>
+          </a:p>
+        </p:txBody>
+      </p:sp>
+      <p:sp>
+        <p:nvSpPr>
+          <p:cNvPr id="245" name="19"/>
+          <p:cNvSpPr/>
+          <p:nvPr/>
+        </p:nvSpPr>
+        <p:spPr>
+          <a:xfrm>
+            <a:off x="7832222" y="5422973"/>
+            <a:ext cx="696080" cy="661893"/>
+          </a:xfrm>
+          <a:prstGeom prst="ellipse">
+            <a:avLst/>
+          </a:prstGeom>
+          <a:ln w="25400">
+            <a:solidFill>
+              <a:srgbClr val="000000"/>
+            </a:solidFill>
+          </a:ln>
+          <a:extLst>
+            <a:ext uri="{C572A759-6A51-4108-AA02-DFA0A04FC94B}">
+              <ma14:wrappingTextBoxFlag xmlns:ma14="http://schemas.microsoft.com/office/mac/drawingml/2011/main" val="1"/>
+            </a:ext>
+          </a:extLst>
+        </p:spPr>
+        <p:txBody>
+          <a:bodyPr lIns="50800" tIns="50800" rIns="50800" bIns="50800" anchor="ctr"/>
+          <a:lstStyle>
+            <a:lvl1pPr>
+              <a:defRPr sz="2800"/>
+            </a:lvl1pPr>
+          </a:lstStyle>
+          <a:p>
+            <a:pPr/>
+            <a:r>
+              <a:t>19</a:t>
+            </a:r>
+          </a:p>
+        </p:txBody>
+      </p:sp>
+      <p:grpSp>
+        <p:nvGrpSpPr>
+          <p:cNvPr id="250" name="Group"/>
+          <p:cNvGrpSpPr/>
+          <p:nvPr/>
+        </p:nvGrpSpPr>
+        <p:grpSpPr>
+          <a:xfrm>
+            <a:off x="666608" y="5393201"/>
+            <a:ext cx="2938663" cy="691665"/>
+            <a:chOff x="0" y="0"/>
+            <a:chExt cx="2938661" cy="691663"/>
+          </a:xfrm>
+        </p:grpSpPr>
+        <p:sp>
+          <p:nvSpPr>
+            <p:cNvPr id="246" name="S3"/>
+            <p:cNvSpPr txBox="1"/>
+            <p:nvPr/>
+          </p:nvSpPr>
+          <p:spPr>
+            <a:xfrm>
+              <a:off x="0" y="99385"/>
+              <a:ext cx="530508" cy="492894"/>
+            </a:xfrm>
+            <a:prstGeom prst="rect">
+              <a:avLst/>
+            </a:prstGeom>
+            <a:noFill/>
+            <a:ln w="12700" cap="flat">
+              <a:noFill/>
+              <a:miter lim="400000"/>
+            </a:ln>
+            <a:effectLst/>
+            <a:extLst>
+              <a:ext uri="{C572A759-6A51-4108-AA02-DFA0A04FC94B}">
+                <ma14:wrappingTextBoxFlag xmlns:ma14="http://schemas.microsoft.com/office/mac/drawingml/2011/main" val="1"/>
+              </a:ext>
+            </a:extLst>
+          </p:spPr>
+          <p:txBody>
+            <a:bodyPr wrap="none" lIns="50800" tIns="50800" rIns="50800" bIns="50800" numCol="1" anchor="ctr">
+              <a:spAutoFit/>
+            </a:bodyPr>
+            <a:lstStyle>
+              <a:lvl1pPr>
+                <a:defRPr sz="2800"/>
+              </a:lvl1pPr>
+            </a:lstStyle>
+            <a:p>
+              <a:pPr/>
+              <a:r>
+                <a:t>S3</a:t>
+              </a:r>
+            </a:p>
+          </p:txBody>
+        </p:sp>
+        <p:sp>
+          <p:nvSpPr>
+            <p:cNvPr id="247" name="3"/>
+            <p:cNvSpPr/>
+            <p:nvPr/>
+          </p:nvSpPr>
+          <p:spPr>
+            <a:xfrm>
+              <a:off x="716538" y="0"/>
+              <a:ext cx="696080" cy="661892"/>
+            </a:xfrm>
+            <a:prstGeom prst="ellipse">
+              <a:avLst/>
+            </a:prstGeom>
+            <a:noFill/>
+            <a:ln w="25400" cap="flat">
+              <a:solidFill>
+                <a:srgbClr val="000000"/>
+              </a:solidFill>
+              <a:prstDash val="solid"/>
+              <a:round/>
+            </a:ln>
+            <a:effectLst/>
+            <a:extLst>
+              <a:ext uri="{C572A759-6A51-4108-AA02-DFA0A04FC94B}">
+                <ma14:wrappingTextBoxFlag xmlns:ma14="http://schemas.microsoft.com/office/mac/drawingml/2011/main" val="1"/>
+              </a:ext>
+            </a:extLst>
+          </p:spPr>
+          <p:txBody>
+            <a:bodyPr wrap="square" lIns="50800" tIns="50800" rIns="50800" bIns="50800" numCol="1" anchor="ctr">
+              <a:noAutofit/>
+            </a:bodyPr>
+            <a:lstStyle>
+              <a:lvl1pPr>
+                <a:defRPr sz="2800"/>
+              </a:lvl1pPr>
+            </a:lstStyle>
+            <a:p>
+              <a:pPr/>
+              <a:r>
+                <a:t>3</a:t>
+              </a:r>
+            </a:p>
+          </p:txBody>
+        </p:sp>
+        <p:sp>
+          <p:nvSpPr>
+            <p:cNvPr id="248" name="4"/>
+            <p:cNvSpPr/>
+            <p:nvPr/>
+          </p:nvSpPr>
+          <p:spPr>
+            <a:xfrm>
+              <a:off x="1479560" y="29772"/>
+              <a:ext cx="696080" cy="661892"/>
+            </a:xfrm>
+            <a:prstGeom prst="ellipse">
+              <a:avLst/>
+            </a:prstGeom>
+            <a:noFill/>
+            <a:ln w="25400" cap="flat">
+              <a:solidFill>
+                <a:srgbClr val="000000"/>
+              </a:solidFill>
+              <a:prstDash val="solid"/>
+              <a:round/>
+            </a:ln>
+            <a:effectLst/>
+            <a:extLst>
+              <a:ext uri="{C572A759-6A51-4108-AA02-DFA0A04FC94B}">
+                <ma14:wrappingTextBoxFlag xmlns:ma14="http://schemas.microsoft.com/office/mac/drawingml/2011/main" val="1"/>
+              </a:ext>
+            </a:extLst>
+          </p:spPr>
+          <p:txBody>
+            <a:bodyPr wrap="square" lIns="50800" tIns="50800" rIns="50800" bIns="50800" numCol="1" anchor="ctr">
+              <a:noAutofit/>
+            </a:bodyPr>
+            <a:lstStyle>
+              <a:lvl1pPr>
+                <a:defRPr sz="2800"/>
+              </a:lvl1pPr>
+            </a:lstStyle>
+            <a:p>
+              <a:pPr/>
+              <a:r>
+                <a:t>4</a:t>
+              </a:r>
+            </a:p>
+          </p:txBody>
+        </p:sp>
+        <p:sp>
+          <p:nvSpPr>
+            <p:cNvPr id="249" name="5"/>
+            <p:cNvSpPr/>
+            <p:nvPr/>
+          </p:nvSpPr>
+          <p:spPr>
+            <a:xfrm>
+              <a:off x="2242582" y="29772"/>
+              <a:ext cx="696080" cy="661892"/>
+            </a:xfrm>
+            <a:prstGeom prst="ellipse">
+              <a:avLst/>
+            </a:prstGeom>
+            <a:noFill/>
+            <a:ln w="25400" cap="flat">
+              <a:solidFill>
+                <a:srgbClr val="000000"/>
+              </a:solidFill>
+              <a:prstDash val="solid"/>
+              <a:round/>
+            </a:ln>
+            <a:effectLst/>
+            <a:extLst>
+              <a:ext uri="{C572A759-6A51-4108-AA02-DFA0A04FC94B}">
+                <ma14:wrappingTextBoxFlag xmlns:ma14="http://schemas.microsoft.com/office/mac/drawingml/2011/main" val="1"/>
+              </a:ext>
+            </a:extLst>
+          </p:spPr>
+          <p:txBody>
+            <a:bodyPr wrap="square" lIns="50800" tIns="50800" rIns="50800" bIns="50800" numCol="1" anchor="ctr">
+              <a:noAutofit/>
+            </a:bodyPr>
+            <a:lstStyle>
+              <a:lvl1pPr>
+                <a:defRPr sz="2800"/>
+              </a:lvl1pPr>
+            </a:lstStyle>
+            <a:p>
+              <a:pPr/>
+              <a:r>
+                <a:t>5</a:t>
+              </a:r>
+            </a:p>
+          </p:txBody>
+        </p:sp>
+      </p:grpSp>
+      <p:sp>
+        <p:nvSpPr>
+          <p:cNvPr id="251" name="15"/>
+          <p:cNvSpPr/>
+          <p:nvPr/>
+        </p:nvSpPr>
+        <p:spPr>
+          <a:xfrm>
+            <a:off x="7064248" y="5422973"/>
+            <a:ext cx="696080" cy="661893"/>
+          </a:xfrm>
+          <a:prstGeom prst="ellipse">
+            <a:avLst/>
+          </a:prstGeom>
+          <a:ln w="25400">
+            <a:solidFill>
+              <a:srgbClr val="000000"/>
+            </a:solidFill>
+          </a:ln>
+          <a:extLst>
+            <a:ext uri="{C572A759-6A51-4108-AA02-DFA0A04FC94B}">
+              <ma14:wrappingTextBoxFlag xmlns:ma14="http://schemas.microsoft.com/office/mac/drawingml/2011/main" val="1"/>
+            </a:ext>
+          </a:extLst>
+        </p:spPr>
+        <p:txBody>
+          <a:bodyPr lIns="50800" tIns="50800" rIns="50800" bIns="50800" anchor="ctr"/>
+          <a:lstStyle>
+            <a:lvl1pPr>
+              <a:defRPr sz="2800"/>
+            </a:lvl1pPr>
+          </a:lstStyle>
+          <a:p>
+            <a:pPr/>
+            <a:r>
+              <a:t>15</a:t>
+            </a:r>
+          </a:p>
+        </p:txBody>
+      </p:sp>
+      <p:sp>
+        <p:nvSpPr>
+          <p:cNvPr id="252" name="20"/>
+          <p:cNvSpPr/>
+          <p:nvPr/>
+        </p:nvSpPr>
+        <p:spPr>
+          <a:xfrm>
+            <a:off x="7844278" y="6135844"/>
+            <a:ext cx="696080" cy="661893"/>
+          </a:xfrm>
+          <a:prstGeom prst="ellipse">
+            <a:avLst/>
+          </a:prstGeom>
+          <a:ln w="25400">
+            <a:solidFill>
+              <a:srgbClr val="000000"/>
+            </a:solidFill>
+          </a:ln>
+          <a:extLst>
+            <a:ext uri="{C572A759-6A51-4108-AA02-DFA0A04FC94B}">
+              <ma14:wrappingTextBoxFlag xmlns:ma14="http://schemas.microsoft.com/office/mac/drawingml/2011/main" val="1"/>
+            </a:ext>
+          </a:extLst>
+        </p:spPr>
+        <p:txBody>
+          <a:bodyPr lIns="50800" tIns="50800" rIns="50800" bIns="50800" anchor="ctr"/>
+          <a:lstStyle>
+            <a:lvl1pPr>
+              <a:defRPr sz="2800"/>
+            </a:lvl1pPr>
+          </a:lstStyle>
+          <a:p>
+            <a:pPr/>
+            <a:r>
+              <a:t>20</a:t>
+            </a:r>
+          </a:p>
+        </p:txBody>
+      </p:sp>
+      <p:sp>
+        <p:nvSpPr>
+          <p:cNvPr id="253" name="10"/>
+          <p:cNvSpPr/>
+          <p:nvPr/>
+        </p:nvSpPr>
+        <p:spPr>
+          <a:xfrm>
+            <a:off x="5487559" y="6135844"/>
+            <a:ext cx="696080" cy="661893"/>
+          </a:xfrm>
+          <a:prstGeom prst="ellipse">
+            <a:avLst/>
+          </a:prstGeom>
+          <a:ln w="25400">
+            <a:solidFill>
+              <a:srgbClr val="000000"/>
+            </a:solidFill>
+          </a:ln>
+          <a:extLst>
+            <a:ext uri="{C572A759-6A51-4108-AA02-DFA0A04FC94B}">
+              <ma14:wrappingTextBoxFlag xmlns:ma14="http://schemas.microsoft.com/office/mac/drawingml/2011/main" val="1"/>
+            </a:ext>
+          </a:extLst>
+        </p:spPr>
+        <p:txBody>
+          <a:bodyPr lIns="50800" tIns="50800" rIns="50800" bIns="50800" anchor="ctr"/>
+          <a:lstStyle>
+            <a:lvl1pPr>
+              <a:defRPr sz="2800"/>
+            </a:lvl1pPr>
+          </a:lstStyle>
+          <a:p>
+            <a:pPr/>
+            <a:r>
+              <a:t>10</a:t>
+            </a:r>
+          </a:p>
+        </p:txBody>
+      </p:sp>
+      <p:sp>
+        <p:nvSpPr>
+          <p:cNvPr id="254" name="19"/>
+          <p:cNvSpPr/>
+          <p:nvPr/>
+        </p:nvSpPr>
+        <p:spPr>
+          <a:xfrm>
+            <a:off x="7047619" y="6135844"/>
+            <a:ext cx="696080" cy="661893"/>
+          </a:xfrm>
+          <a:prstGeom prst="ellipse">
+            <a:avLst/>
+          </a:prstGeom>
+          <a:ln w="25400">
+            <a:solidFill>
+              <a:srgbClr val="000000"/>
+            </a:solidFill>
+          </a:ln>
+          <a:extLst>
+            <a:ext uri="{C572A759-6A51-4108-AA02-DFA0A04FC94B}">
+              <ma14:wrappingTextBoxFlag xmlns:ma14="http://schemas.microsoft.com/office/mac/drawingml/2011/main" val="1"/>
+            </a:ext>
+          </a:extLst>
+        </p:spPr>
+        <p:txBody>
+          <a:bodyPr lIns="50800" tIns="50800" rIns="50800" bIns="50800" anchor="ctr"/>
+          <a:lstStyle>
+            <a:lvl1pPr>
+              <a:defRPr sz="2800"/>
+            </a:lvl1pPr>
+          </a:lstStyle>
+          <a:p>
+            <a:pPr/>
+            <a:r>
+              <a:t>19</a:t>
+            </a:r>
+          </a:p>
+        </p:txBody>
+      </p:sp>
+      <p:grpSp>
+        <p:nvGrpSpPr>
+          <p:cNvPr id="260" name="Group"/>
+          <p:cNvGrpSpPr/>
+          <p:nvPr/>
+        </p:nvGrpSpPr>
+        <p:grpSpPr>
+          <a:xfrm>
+            <a:off x="610694" y="6151309"/>
+            <a:ext cx="3701685" cy="691665"/>
+            <a:chOff x="0" y="0"/>
+            <a:chExt cx="3701683" cy="691663"/>
+          </a:xfrm>
+        </p:grpSpPr>
+        <p:sp>
+          <p:nvSpPr>
+            <p:cNvPr id="255" name="S4"/>
+            <p:cNvSpPr txBox="1"/>
+            <p:nvPr/>
+          </p:nvSpPr>
+          <p:spPr>
+            <a:xfrm>
+              <a:off x="0" y="99385"/>
+              <a:ext cx="530508" cy="492894"/>
+            </a:xfrm>
+            <a:prstGeom prst="rect">
+              <a:avLst/>
+            </a:prstGeom>
+            <a:noFill/>
+            <a:ln w="12700" cap="flat">
+              <a:noFill/>
+              <a:miter lim="400000"/>
+            </a:ln>
+            <a:effectLst/>
+            <a:extLst>
+              <a:ext uri="{C572A759-6A51-4108-AA02-DFA0A04FC94B}">
+                <ma14:wrappingTextBoxFlag xmlns:ma14="http://schemas.microsoft.com/office/mac/drawingml/2011/main" val="1"/>
+              </a:ext>
+            </a:extLst>
+          </p:spPr>
+          <p:txBody>
+            <a:bodyPr wrap="none" lIns="50800" tIns="50800" rIns="50800" bIns="50800" numCol="1" anchor="ctr">
+              <a:spAutoFit/>
+            </a:bodyPr>
+            <a:lstStyle>
+              <a:lvl1pPr>
+                <a:defRPr sz="2800"/>
+              </a:lvl1pPr>
+            </a:lstStyle>
+            <a:p>
+              <a:pPr/>
+              <a:r>
+                <a:t>S4</a:t>
+              </a:r>
+            </a:p>
+          </p:txBody>
+        </p:sp>
+        <p:sp>
+          <p:nvSpPr>
+            <p:cNvPr id="256" name="3"/>
+            <p:cNvSpPr/>
+            <p:nvPr/>
+          </p:nvSpPr>
+          <p:spPr>
+            <a:xfrm>
+              <a:off x="716538" y="0"/>
+              <a:ext cx="696080" cy="661892"/>
+            </a:xfrm>
+            <a:prstGeom prst="ellipse">
+              <a:avLst/>
+            </a:prstGeom>
+            <a:noFill/>
+            <a:ln w="25400" cap="flat">
+              <a:solidFill>
+                <a:srgbClr val="000000"/>
+              </a:solidFill>
+              <a:prstDash val="solid"/>
+              <a:round/>
+            </a:ln>
+            <a:effectLst/>
+            <a:extLst>
+              <a:ext uri="{C572A759-6A51-4108-AA02-DFA0A04FC94B}">
+                <ma14:wrappingTextBoxFlag xmlns:ma14="http://schemas.microsoft.com/office/mac/drawingml/2011/main" val="1"/>
+              </a:ext>
+            </a:extLst>
+          </p:spPr>
+          <p:txBody>
+            <a:bodyPr wrap="square" lIns="50800" tIns="50800" rIns="50800" bIns="50800" numCol="1" anchor="ctr">
+              <a:noAutofit/>
+            </a:bodyPr>
+            <a:lstStyle>
+              <a:lvl1pPr>
+                <a:defRPr sz="2800"/>
+              </a:lvl1pPr>
+            </a:lstStyle>
+            <a:p>
+              <a:pPr/>
+              <a:r>
+                <a:t>3</a:t>
+              </a:r>
+            </a:p>
+          </p:txBody>
+        </p:sp>
+        <p:sp>
+          <p:nvSpPr>
+            <p:cNvPr id="257" name="6"/>
+            <p:cNvSpPr/>
+            <p:nvPr/>
+          </p:nvSpPr>
+          <p:spPr>
+            <a:xfrm>
+              <a:off x="3005604" y="0"/>
+              <a:ext cx="696080" cy="661892"/>
+            </a:xfrm>
+            <a:prstGeom prst="ellipse">
+              <a:avLst/>
+            </a:prstGeom>
+            <a:noFill/>
+            <a:ln w="25400" cap="flat">
+              <a:solidFill>
+                <a:srgbClr val="000000"/>
+              </a:solidFill>
+              <a:prstDash val="solid"/>
+              <a:round/>
+            </a:ln>
+            <a:effectLst/>
+            <a:extLst>
+              <a:ext uri="{C572A759-6A51-4108-AA02-DFA0A04FC94B}">
+                <ma14:wrappingTextBoxFlag xmlns:ma14="http://schemas.microsoft.com/office/mac/drawingml/2011/main" val="1"/>
+              </a:ext>
+            </a:extLst>
+          </p:spPr>
+          <p:txBody>
+            <a:bodyPr wrap="square" lIns="50800" tIns="50800" rIns="50800" bIns="50800" numCol="1" anchor="ctr">
+              <a:noAutofit/>
+            </a:bodyPr>
+            <a:lstStyle>
+              <a:lvl1pPr>
+                <a:defRPr sz="2800"/>
+              </a:lvl1pPr>
+            </a:lstStyle>
+            <a:p>
+              <a:pPr/>
+              <a:r>
+                <a:t>6</a:t>
+              </a:r>
+            </a:p>
+          </p:txBody>
+        </p:sp>
+        <p:sp>
+          <p:nvSpPr>
+            <p:cNvPr id="258" name="4"/>
+            <p:cNvSpPr/>
+            <p:nvPr/>
+          </p:nvSpPr>
+          <p:spPr>
+            <a:xfrm>
+              <a:off x="1479560" y="29772"/>
+              <a:ext cx="696080" cy="661892"/>
+            </a:xfrm>
+            <a:prstGeom prst="ellipse">
+              <a:avLst/>
+            </a:prstGeom>
+            <a:noFill/>
+            <a:ln w="25400" cap="flat">
+              <a:solidFill>
+                <a:srgbClr val="000000"/>
+              </a:solidFill>
+              <a:prstDash val="solid"/>
+              <a:round/>
+            </a:ln>
+            <a:effectLst/>
+            <a:extLst>
+              <a:ext uri="{C572A759-6A51-4108-AA02-DFA0A04FC94B}">
+                <ma14:wrappingTextBoxFlag xmlns:ma14="http://schemas.microsoft.com/office/mac/drawingml/2011/main" val="1"/>
+              </a:ext>
+            </a:extLst>
+          </p:spPr>
+          <p:txBody>
+            <a:bodyPr wrap="square" lIns="50800" tIns="50800" rIns="50800" bIns="50800" numCol="1" anchor="ctr">
+              <a:noAutofit/>
+            </a:bodyPr>
+            <a:lstStyle>
+              <a:lvl1pPr>
+                <a:defRPr sz="2800"/>
+              </a:lvl1pPr>
+            </a:lstStyle>
+            <a:p>
+              <a:pPr/>
+              <a:r>
+                <a:t>4</a:t>
+              </a:r>
+            </a:p>
+          </p:txBody>
+        </p:sp>
+        <p:sp>
+          <p:nvSpPr>
+            <p:cNvPr id="259" name="5"/>
+            <p:cNvSpPr/>
+            <p:nvPr/>
+          </p:nvSpPr>
+          <p:spPr>
+            <a:xfrm>
+              <a:off x="2242582" y="29772"/>
+              <a:ext cx="696080" cy="661892"/>
+            </a:xfrm>
+            <a:prstGeom prst="ellipse">
+              <a:avLst/>
+            </a:prstGeom>
+            <a:noFill/>
+            <a:ln w="25400" cap="flat">
+              <a:solidFill>
+                <a:srgbClr val="000000"/>
+              </a:solidFill>
+              <a:prstDash val="solid"/>
+              <a:round/>
+            </a:ln>
+            <a:effectLst/>
+            <a:extLst>
+              <a:ext uri="{C572A759-6A51-4108-AA02-DFA0A04FC94B}">
+                <ma14:wrappingTextBoxFlag xmlns:ma14="http://schemas.microsoft.com/office/mac/drawingml/2011/main" val="1"/>
+              </a:ext>
+            </a:extLst>
+          </p:spPr>
+          <p:txBody>
+            <a:bodyPr wrap="square" lIns="50800" tIns="50800" rIns="50800" bIns="50800" numCol="1" anchor="ctr">
+              <a:noAutofit/>
+            </a:bodyPr>
+            <a:lstStyle>
+              <a:lvl1pPr>
+                <a:defRPr sz="2800"/>
+              </a:lvl1pPr>
+            </a:lstStyle>
+            <a:p>
+              <a:pPr/>
+              <a:r>
+                <a:t>5</a:t>
+              </a:r>
+            </a:p>
+          </p:txBody>
+        </p:sp>
+      </p:grpSp>
+      <p:sp>
+        <p:nvSpPr>
+          <p:cNvPr id="261" name="15"/>
+          <p:cNvSpPr/>
+          <p:nvPr/>
+        </p:nvSpPr>
+        <p:spPr>
+          <a:xfrm>
+            <a:off x="6279644" y="6135844"/>
+            <a:ext cx="696080" cy="661893"/>
+          </a:xfrm>
+          <a:prstGeom prst="ellipse">
+            <a:avLst/>
+          </a:prstGeom>
+          <a:ln w="25400">
+            <a:solidFill>
+              <a:srgbClr val="000000"/>
+            </a:solidFill>
+          </a:ln>
+          <a:extLst>
+            <a:ext uri="{C572A759-6A51-4108-AA02-DFA0A04FC94B}">
+              <ma14:wrappingTextBoxFlag xmlns:ma14="http://schemas.microsoft.com/office/mac/drawingml/2011/main" val="1"/>
+            </a:ext>
+          </a:extLst>
+        </p:spPr>
+        <p:txBody>
+          <a:bodyPr lIns="50800" tIns="50800" rIns="50800" bIns="50800" anchor="ctr"/>
+          <a:lstStyle>
+            <a:lvl1pPr>
+              <a:defRPr sz="2800"/>
+            </a:lvl1pPr>
+          </a:lstStyle>
+          <a:p>
+            <a:pPr/>
+            <a:r>
+              <a:t>15</a:t>
+            </a:r>
+          </a:p>
+        </p:txBody>
+      </p:sp>
+      <p:grpSp>
+        <p:nvGrpSpPr>
+          <p:cNvPr id="271" name="Group"/>
+          <p:cNvGrpSpPr/>
+          <p:nvPr/>
+        </p:nvGrpSpPr>
+        <p:grpSpPr>
+          <a:xfrm>
+            <a:off x="1395202" y="3018294"/>
+            <a:ext cx="8565193" cy="691665"/>
+            <a:chOff x="0" y="0"/>
+            <a:chExt cx="8565192" cy="691664"/>
+          </a:xfrm>
+        </p:grpSpPr>
+        <p:sp>
+          <p:nvSpPr>
+            <p:cNvPr id="262" name="6"/>
+            <p:cNvSpPr/>
+            <p:nvPr/>
+          </p:nvSpPr>
+          <p:spPr>
+            <a:xfrm>
+              <a:off x="0" y="0"/>
+              <a:ext cx="696080" cy="661892"/>
+            </a:xfrm>
+            <a:prstGeom prst="ellipse">
+              <a:avLst/>
+            </a:prstGeom>
+            <a:noFill/>
+            <a:ln w="25400" cap="flat">
+              <a:solidFill>
+                <a:srgbClr val="000000"/>
+              </a:solidFill>
+              <a:prstDash val="solid"/>
+              <a:round/>
+            </a:ln>
+            <a:effectLst/>
+            <a:extLst>
+              <a:ext uri="{C572A759-6A51-4108-AA02-DFA0A04FC94B}">
+                <ma14:wrappingTextBoxFlag xmlns:ma14="http://schemas.microsoft.com/office/mac/drawingml/2011/main" val="1"/>
+              </a:ext>
+            </a:extLst>
+          </p:spPr>
+          <p:txBody>
+            <a:bodyPr wrap="square" lIns="50800" tIns="50800" rIns="50800" bIns="50800" numCol="1" anchor="ctr">
+              <a:noAutofit/>
+            </a:bodyPr>
+            <a:lstStyle>
+              <a:lvl1pPr>
+                <a:defRPr sz="2800"/>
+              </a:lvl1pPr>
+            </a:lstStyle>
+            <a:p>
+              <a:pPr/>
+              <a:r>
+                <a:t>6</a:t>
+              </a:r>
+            </a:p>
+          </p:txBody>
+        </p:sp>
+        <p:sp>
+          <p:nvSpPr>
+            <p:cNvPr id="263" name="20"/>
+            <p:cNvSpPr/>
+            <p:nvPr/>
+          </p:nvSpPr>
+          <p:spPr>
+            <a:xfrm>
+              <a:off x="2289066" y="0"/>
+              <a:ext cx="696080" cy="661892"/>
+            </a:xfrm>
+            <a:prstGeom prst="ellipse">
+              <a:avLst/>
+            </a:prstGeom>
+            <a:noFill/>
+            <a:ln w="25400" cap="flat">
+              <a:solidFill>
+                <a:srgbClr val="000000"/>
+              </a:solidFill>
+              <a:prstDash val="solid"/>
+              <a:round/>
+            </a:ln>
+            <a:effectLst/>
+            <a:extLst>
+              <a:ext uri="{C572A759-6A51-4108-AA02-DFA0A04FC94B}">
+                <ma14:wrappingTextBoxFlag xmlns:ma14="http://schemas.microsoft.com/office/mac/drawingml/2011/main" val="1"/>
+              </a:ext>
+            </a:extLst>
+          </p:spPr>
+          <p:txBody>
+            <a:bodyPr wrap="square" lIns="50800" tIns="50800" rIns="50800" bIns="50800" numCol="1" anchor="ctr">
+              <a:noAutofit/>
+            </a:bodyPr>
+            <a:lstStyle>
+              <a:lvl1pPr>
+                <a:defRPr sz="2800"/>
+              </a:lvl1pPr>
+            </a:lstStyle>
+            <a:p>
+              <a:pPr/>
+              <a:r>
+                <a:t>20</a:t>
+              </a:r>
+            </a:p>
+          </p:txBody>
+        </p:sp>
+        <p:sp>
+          <p:nvSpPr>
+            <p:cNvPr id="264" name="10"/>
+            <p:cNvSpPr/>
+            <p:nvPr/>
+          </p:nvSpPr>
+          <p:spPr>
+            <a:xfrm>
+              <a:off x="763022" y="29772"/>
+              <a:ext cx="696080" cy="661893"/>
+            </a:xfrm>
+            <a:prstGeom prst="ellipse">
+              <a:avLst/>
+            </a:prstGeom>
+            <a:noFill/>
+            <a:ln w="25400" cap="flat">
+              <a:solidFill>
+                <a:srgbClr val="000000"/>
+              </a:solidFill>
+              <a:prstDash val="solid"/>
+              <a:round/>
+            </a:ln>
+            <a:effectLst/>
+            <a:extLst>
+              <a:ext uri="{C572A759-6A51-4108-AA02-DFA0A04FC94B}">
+                <ma14:wrappingTextBoxFlag xmlns:ma14="http://schemas.microsoft.com/office/mac/drawingml/2011/main" val="1"/>
+              </a:ext>
+            </a:extLst>
+          </p:spPr>
+          <p:txBody>
+            <a:bodyPr wrap="square" lIns="50800" tIns="50800" rIns="50800" bIns="50800" numCol="1" anchor="ctr">
+              <a:noAutofit/>
+            </a:bodyPr>
+            <a:lstStyle>
+              <a:lvl1pPr>
+                <a:defRPr sz="2800"/>
+              </a:lvl1pPr>
+            </a:lstStyle>
+            <a:p>
+              <a:pPr/>
+              <a:r>
+                <a:t>10</a:t>
+              </a:r>
+            </a:p>
+          </p:txBody>
+        </p:sp>
+        <p:sp>
+          <p:nvSpPr>
+            <p:cNvPr id="265" name="3"/>
+            <p:cNvSpPr/>
+            <p:nvPr/>
+          </p:nvSpPr>
+          <p:spPr>
+            <a:xfrm>
+              <a:off x="4108985" y="29772"/>
+              <a:ext cx="696080" cy="661893"/>
+            </a:xfrm>
+            <a:prstGeom prst="ellipse">
+              <a:avLst/>
+            </a:prstGeom>
+            <a:noFill/>
+            <a:ln w="25400" cap="flat">
+              <a:solidFill>
+                <a:srgbClr val="000000"/>
+              </a:solidFill>
+              <a:prstDash val="solid"/>
+              <a:round/>
+            </a:ln>
+            <a:effectLst/>
+            <a:extLst>
+              <a:ext uri="{C572A759-6A51-4108-AA02-DFA0A04FC94B}">
+                <ma14:wrappingTextBoxFlag xmlns:ma14="http://schemas.microsoft.com/office/mac/drawingml/2011/main" val="1"/>
+              </a:ext>
+            </a:extLst>
+          </p:spPr>
+          <p:txBody>
+            <a:bodyPr wrap="square" lIns="50800" tIns="50800" rIns="50800" bIns="50800" numCol="1" anchor="ctr">
+              <a:noAutofit/>
+            </a:bodyPr>
+            <a:lstStyle>
+              <a:lvl1pPr>
+                <a:defRPr sz="2800"/>
+              </a:lvl1pPr>
+            </a:lstStyle>
+            <a:p>
+              <a:pPr/>
+              <a:r>
+                <a:t>3</a:t>
+              </a:r>
+            </a:p>
+          </p:txBody>
+        </p:sp>
+        <p:sp>
+          <p:nvSpPr>
+            <p:cNvPr id="266" name="4"/>
+            <p:cNvSpPr/>
+            <p:nvPr/>
+          </p:nvSpPr>
+          <p:spPr>
+            <a:xfrm>
+              <a:off x="4889015" y="29772"/>
+              <a:ext cx="696080" cy="661893"/>
+            </a:xfrm>
+            <a:prstGeom prst="ellipse">
+              <a:avLst/>
+            </a:prstGeom>
+            <a:noFill/>
+            <a:ln w="25400" cap="flat">
+              <a:solidFill>
+                <a:srgbClr val="000000"/>
+              </a:solidFill>
+              <a:prstDash val="solid"/>
+              <a:round/>
+            </a:ln>
+            <a:effectLst/>
+            <a:extLst>
+              <a:ext uri="{C572A759-6A51-4108-AA02-DFA0A04FC94B}">
+                <ma14:wrappingTextBoxFlag xmlns:ma14="http://schemas.microsoft.com/office/mac/drawingml/2011/main" val="1"/>
+              </a:ext>
+            </a:extLst>
+          </p:spPr>
+          <p:txBody>
+            <a:bodyPr wrap="square" lIns="50800" tIns="50800" rIns="50800" bIns="50800" numCol="1" anchor="ctr">
+              <a:noAutofit/>
+            </a:bodyPr>
+            <a:lstStyle>
+              <a:lvl1pPr>
+                <a:defRPr sz="2800"/>
+              </a:lvl1pPr>
+            </a:lstStyle>
+            <a:p>
+              <a:pPr/>
+              <a:r>
+                <a:t>4</a:t>
+              </a:r>
+            </a:p>
+          </p:txBody>
+        </p:sp>
+        <p:sp>
+          <p:nvSpPr>
+            <p:cNvPr id="267" name="5"/>
+            <p:cNvSpPr/>
+            <p:nvPr/>
+          </p:nvSpPr>
+          <p:spPr>
+            <a:xfrm>
+              <a:off x="5669045" y="29772"/>
+              <a:ext cx="696080" cy="661893"/>
+            </a:xfrm>
+            <a:prstGeom prst="ellipse">
+              <a:avLst/>
+            </a:prstGeom>
+            <a:noFill/>
+            <a:ln w="25400" cap="flat">
+              <a:solidFill>
+                <a:srgbClr val="000000"/>
+              </a:solidFill>
+              <a:prstDash val="solid"/>
+              <a:round/>
+            </a:ln>
+            <a:effectLst/>
+            <a:extLst>
+              <a:ext uri="{C572A759-6A51-4108-AA02-DFA0A04FC94B}">
+                <ma14:wrappingTextBoxFlag xmlns:ma14="http://schemas.microsoft.com/office/mac/drawingml/2011/main" val="1"/>
+              </a:ext>
+            </a:extLst>
+          </p:spPr>
+          <p:txBody>
+            <a:bodyPr wrap="square" lIns="50800" tIns="50800" rIns="50800" bIns="50800" numCol="1" anchor="ctr">
+              <a:noAutofit/>
+            </a:bodyPr>
+            <a:lstStyle>
+              <a:lvl1pPr>
+                <a:defRPr sz="2800"/>
+              </a:lvl1pPr>
+            </a:lstStyle>
+            <a:p>
+              <a:pPr/>
+              <a:r>
+                <a:t>5</a:t>
+              </a:r>
+            </a:p>
+          </p:txBody>
+        </p:sp>
+        <p:sp>
+          <p:nvSpPr>
+            <p:cNvPr id="268" name="19"/>
+            <p:cNvSpPr/>
+            <p:nvPr/>
+          </p:nvSpPr>
+          <p:spPr>
+            <a:xfrm>
+              <a:off x="6449075" y="29772"/>
+              <a:ext cx="696080" cy="661893"/>
+            </a:xfrm>
+            <a:prstGeom prst="ellipse">
+              <a:avLst/>
+            </a:prstGeom>
+            <a:noFill/>
+            <a:ln w="25400" cap="flat">
+              <a:solidFill>
+                <a:srgbClr val="000000"/>
+              </a:solidFill>
+              <a:prstDash val="solid"/>
+              <a:round/>
+            </a:ln>
+            <a:effectLst/>
+            <a:extLst>
+              <a:ext uri="{C572A759-6A51-4108-AA02-DFA0A04FC94B}">
+                <ma14:wrappingTextBoxFlag xmlns:ma14="http://schemas.microsoft.com/office/mac/drawingml/2011/main" val="1"/>
+              </a:ext>
+            </a:extLst>
+          </p:spPr>
+          <p:txBody>
+            <a:bodyPr wrap="square" lIns="50800" tIns="50800" rIns="50800" bIns="50800" numCol="1" anchor="ctr">
+              <a:noAutofit/>
+            </a:bodyPr>
+            <a:lstStyle>
+              <a:lvl1pPr>
+                <a:defRPr sz="2800"/>
+              </a:lvl1pPr>
+            </a:lstStyle>
+            <a:p>
+              <a:pPr/>
+              <a:r>
+                <a:t>19</a:t>
+              </a:r>
+            </a:p>
+          </p:txBody>
+        </p:sp>
+        <p:sp>
+          <p:nvSpPr>
+            <p:cNvPr id="269" name="15"/>
+            <p:cNvSpPr/>
+            <p:nvPr/>
+          </p:nvSpPr>
+          <p:spPr>
+            <a:xfrm>
+              <a:off x="1526044" y="29772"/>
+              <a:ext cx="696080" cy="661893"/>
+            </a:xfrm>
+            <a:prstGeom prst="ellipse">
+              <a:avLst/>
+            </a:prstGeom>
+            <a:noFill/>
+            <a:ln w="25400" cap="flat">
+              <a:solidFill>
+                <a:srgbClr val="000000"/>
+              </a:solidFill>
+              <a:prstDash val="solid"/>
+              <a:round/>
+            </a:ln>
+            <a:effectLst/>
+            <a:extLst>
+              <a:ext uri="{C572A759-6A51-4108-AA02-DFA0A04FC94B}">
+                <ma14:wrappingTextBoxFlag xmlns:ma14="http://schemas.microsoft.com/office/mac/drawingml/2011/main" val="1"/>
+              </a:ext>
+            </a:extLst>
+          </p:spPr>
+          <p:txBody>
+            <a:bodyPr wrap="square" lIns="50800" tIns="50800" rIns="50800" bIns="50800" numCol="1" anchor="ctr">
+              <a:noAutofit/>
+            </a:bodyPr>
+            <a:lstStyle>
+              <a:lvl1pPr>
+                <a:defRPr sz="2800"/>
+              </a:lvl1pPr>
+            </a:lstStyle>
+            <a:p>
+              <a:pPr/>
+              <a:r>
+                <a:t>15</a:t>
+              </a:r>
+            </a:p>
+          </p:txBody>
+        </p:sp>
+        <p:sp>
+          <p:nvSpPr>
+            <p:cNvPr id="270" name="Moves"/>
+            <p:cNvSpPr txBox="1"/>
+            <p:nvPr/>
+          </p:nvSpPr>
+          <p:spPr>
+            <a:xfrm>
+              <a:off x="7442249" y="114271"/>
+              <a:ext cx="1122944" cy="492895"/>
+            </a:xfrm>
+            <a:prstGeom prst="rect">
+              <a:avLst/>
+            </a:prstGeom>
+            <a:noFill/>
+            <a:ln w="12700" cap="flat">
+              <a:noFill/>
+              <a:miter lim="400000"/>
+            </a:ln>
+            <a:effectLst/>
+            <a:extLst>
+              <a:ext uri="{C572A759-6A51-4108-AA02-DFA0A04FC94B}">
+                <ma14:wrappingTextBoxFlag xmlns:ma14="http://schemas.microsoft.com/office/mac/drawingml/2011/main" val="1"/>
+              </a:ext>
+            </a:extLst>
+          </p:spPr>
+          <p:txBody>
+            <a:bodyPr wrap="none" lIns="50800" tIns="50800" rIns="50800" bIns="50800" numCol="1" anchor="ctr">
+              <a:spAutoFit/>
+            </a:bodyPr>
+            <a:lstStyle>
+              <a:lvl1pPr>
+                <a:defRPr sz="2800"/>
+              </a:lvl1pPr>
+            </a:lstStyle>
+            <a:p>
+              <a:pPr/>
+              <a:r>
+                <a:t>Moves</a:t>
+              </a:r>
+            </a:p>
+          </p:txBody>
+        </p:sp>
+      </p:grpSp>
+      <p:sp>
+        <p:nvSpPr>
+          <p:cNvPr id="272" name="4"/>
+          <p:cNvSpPr txBox="1"/>
+          <p:nvPr/>
+        </p:nvSpPr>
+        <p:spPr>
+          <a:xfrm>
+            <a:off x="9133668" y="4021287"/>
+            <a:ext cx="332741" cy="492895"/>
+          </a:xfrm>
+          <a:prstGeom prst="rect">
+            <a:avLst/>
+          </a:prstGeom>
+          <a:ln w="12700">
+            <a:miter lim="400000"/>
+          </a:ln>
+          <a:extLst>
+            <a:ext uri="{C572A759-6A51-4108-AA02-DFA0A04FC94B}">
+              <ma14:wrappingTextBoxFlag xmlns:ma14="http://schemas.microsoft.com/office/mac/drawingml/2011/main" val="1"/>
+            </a:ext>
+          </a:extLst>
+        </p:spPr>
+        <p:txBody>
+          <a:bodyPr wrap="none" lIns="50800" tIns="50800" rIns="50800" bIns="50800" anchor="ctr">
+            <a:spAutoFit/>
+          </a:bodyPr>
+          <a:lstStyle>
+            <a:lvl1pPr>
+              <a:defRPr sz="2800"/>
+            </a:lvl1pPr>
+          </a:lstStyle>
+          <a:p>
+            <a:pPr/>
+            <a:r>
+              <a:t>4</a:t>
+            </a:r>
+          </a:p>
+        </p:txBody>
+      </p:sp>
+      <p:sp>
+        <p:nvSpPr>
+          <p:cNvPr id="273" name="4"/>
+          <p:cNvSpPr txBox="1"/>
+          <p:nvPr/>
+        </p:nvSpPr>
+        <p:spPr>
+          <a:xfrm>
+            <a:off x="9133668" y="4753014"/>
+            <a:ext cx="332741" cy="492895"/>
+          </a:xfrm>
+          <a:prstGeom prst="rect">
+            <a:avLst/>
+          </a:prstGeom>
+          <a:ln w="12700">
+            <a:miter lim="400000"/>
+          </a:ln>
+          <a:extLst>
+            <a:ext uri="{C572A759-6A51-4108-AA02-DFA0A04FC94B}">
+              <ma14:wrappingTextBoxFlag xmlns:ma14="http://schemas.microsoft.com/office/mac/drawingml/2011/main" val="1"/>
+            </a:ext>
+          </a:extLst>
+        </p:spPr>
+        <p:txBody>
+          <a:bodyPr wrap="none" lIns="50800" tIns="50800" rIns="50800" bIns="50800" anchor="ctr">
+            <a:spAutoFit/>
+          </a:bodyPr>
+          <a:lstStyle>
+            <a:lvl1pPr>
+              <a:defRPr sz="2800"/>
+            </a:lvl1pPr>
+          </a:lstStyle>
+          <a:p>
+            <a:pPr/>
+            <a:r>
+              <a:t>4</a:t>
+            </a:r>
+          </a:p>
+        </p:txBody>
+      </p:sp>
+      <p:sp>
+        <p:nvSpPr>
+          <p:cNvPr id="274" name="4"/>
+          <p:cNvSpPr txBox="1"/>
+          <p:nvPr/>
+        </p:nvSpPr>
+        <p:spPr>
+          <a:xfrm>
+            <a:off x="9133668" y="5477700"/>
+            <a:ext cx="332741" cy="492895"/>
+          </a:xfrm>
+          <a:prstGeom prst="rect">
+            <a:avLst/>
+          </a:prstGeom>
+          <a:ln w="12700">
+            <a:miter lim="400000"/>
+          </a:ln>
+          <a:extLst>
+            <a:ext uri="{C572A759-6A51-4108-AA02-DFA0A04FC94B}">
+              <ma14:wrappingTextBoxFlag xmlns:ma14="http://schemas.microsoft.com/office/mac/drawingml/2011/main" val="1"/>
+            </a:ext>
+          </a:extLst>
+        </p:spPr>
+        <p:txBody>
+          <a:bodyPr wrap="none" lIns="50800" tIns="50800" rIns="50800" bIns="50800" anchor="ctr">
+            <a:spAutoFit/>
+          </a:bodyPr>
+          <a:lstStyle>
+            <a:lvl1pPr>
+              <a:defRPr sz="2800"/>
+            </a:lvl1pPr>
+          </a:lstStyle>
+          <a:p>
+            <a:pPr/>
+            <a:r>
+              <a:t>4</a:t>
+            </a:r>
+          </a:p>
+        </p:txBody>
+      </p:sp>
+      <p:sp>
+        <p:nvSpPr>
+          <p:cNvPr id="275" name="5"/>
+          <p:cNvSpPr txBox="1"/>
+          <p:nvPr/>
+        </p:nvSpPr>
+        <p:spPr>
+          <a:xfrm>
+            <a:off x="9133668" y="6265581"/>
+            <a:ext cx="332741" cy="492895"/>
+          </a:xfrm>
+          <a:prstGeom prst="rect">
+            <a:avLst/>
+          </a:prstGeom>
+          <a:ln w="12700">
+            <a:miter lim="400000"/>
+          </a:ln>
+          <a:extLst>
+            <a:ext uri="{C572A759-6A51-4108-AA02-DFA0A04FC94B}">
+              <ma14:wrappingTextBoxFlag xmlns:ma14="http://schemas.microsoft.com/office/mac/drawingml/2011/main" val="1"/>
+            </a:ext>
+          </a:extLst>
+        </p:spPr>
+        <p:txBody>
+          <a:bodyPr wrap="none" lIns="50800" tIns="50800" rIns="50800" bIns="50800" anchor="ctr">
+            <a:spAutoFit/>
+          </a:bodyPr>
+          <a:lstStyle>
+            <a:lvl1pPr>
+              <a:defRPr sz="2800"/>
+            </a:lvl1pPr>
+          </a:lstStyle>
+          <a:p>
+            <a:pPr/>
+            <a:r>
+              <a:t>5</a:t>
+            </a:r>
+          </a:p>
+        </p:txBody>
+      </p:sp>
+    </p:spTree>
+  </p:cSld>
+  <p:clrMapOvr>
+    <a:masterClrMapping/>
+  </p:clrMapOvr>
+  <p:transition xmlns:p14="http://schemas.microsoft.com/office/powerpoint/2010/main" spd="med" advClick="1"/>
+  <p:timing>
+    <p:tnLst>
+      <p:par>
+        <p:cTn id="1" nodeType="tmRoot" restart="never" dur="indefinite" fill="hold">
+          <p:childTnLst>
+            <p:seq concurrent="1" prevAc="none" nextAc="seek">
+              <p:cTn id="2" nodeType="mainSeq" dur="indefinite" fill="hold">
+                <p:childTnLst>
+                  <p:par>
+                    <p:cTn id="3" fill="hold">
+                      <p:stCondLst>
+                        <p:cond delay="indefinite"/>
+                      </p:stCondLst>
+                      <p:childTnLst>
+                        <p:par>
+                          <p:cTn id="4" fill="hold">
+                            <p:stCondLst>
+                              <p:cond delay="0"/>
+                            </p:stCondLst>
+                            <p:childTnLst>
+                              <p:par>
+                                <p:cTn id="5" presetClass="entr" nodeType="clickEffect" presetSubtype="0" presetID="1" grpId="1" fill="hold">
+                                  <p:stCondLst>
+                                    <p:cond delay="0"/>
+                                  </p:stCondLst>
+                                  <p:iterate type="el" backwards="0">
+                                    <p:tmAbs val="0"/>
+                                  </p:iterate>
+                                  <p:childTnLst>
+                                    <p:set>
+                                      <p:cBhvr>
+                                        <p:cTn id="6" fill="hold"/>
+                                        <p:tgtEl>
+                                          <p:spTgt spid="217">
+                                            <p:bg/>
+                                          </p:spTgt>
+                                        </p:tgtEl>
+                                        <p:attrNameLst>
+                                          <p:attrName>style.visibility</p:attrName>
+                                        </p:attrNameLst>
+                                      </p:cBhvr>
+                                      <p:to>
+                                        <p:strVal val="visible"/>
+                                      </p:to>
+                                    </p:set>
+                                  </p:childTnLst>
+                                </p:cTn>
+                              </p:par>
+                              <p:par>
+                                <p:cTn id="7" presetClass="entr" nodeType="withEffect" presetSubtype="0" presetID="1" grpId="1" fill="hold">
+                                  <p:stCondLst>
+                                    <p:cond delay="0"/>
+                                  </p:stCondLst>
+                                  <p:iterate type="el" backwards="0">
+                                    <p:tmAbs val="0"/>
+                                  </p:iterate>
+                                  <p:childTnLst>
+                                    <p:set>
+                                      <p:cBhvr>
+                                        <p:cTn id="8" fill="hold"/>
+                                        <p:tgtEl>
+                                          <p:spTgt spid="217">
+                                            <p:txEl>
+                                              <p:pRg st="0" end="0"/>
+                                            </p:txEl>
+                                          </p:spTgt>
+                                        </p:tgtEl>
+                                        <p:attrNameLst>
+                                          <p:attrName>style.visibility</p:attrName>
+                                        </p:attrNameLst>
+                                      </p:cBhvr>
+                                      <p:to>
+                                        <p:strVal val="visible"/>
+                                      </p:to>
+                                    </p:set>
+                                  </p:childTnLst>
+                                </p:cTn>
+                              </p:par>
+                            </p:childTnLst>
+                          </p:cTn>
+                        </p:par>
+                      </p:childTnLst>
+                    </p:cTn>
+                  </p:par>
+                  <p:par>
+                    <p:cTn id="9" fill="hold">
+                      <p:stCondLst>
+                        <p:cond delay="indefinite"/>
+                      </p:stCondLst>
+                      <p:childTnLst>
+                        <p:par>
+                          <p:cTn id="10" fill="hold">
+                            <p:stCondLst>
+                              <p:cond delay="0"/>
+                            </p:stCondLst>
+                            <p:childTnLst>
+                              <p:par>
+                                <p:cTn id="11" presetClass="entr" nodeType="clickEffect" presetSubtype="0" presetID="1" grpId="1" fill="hold">
+                                  <p:stCondLst>
+                                    <p:cond delay="0"/>
+                                  </p:stCondLst>
+                                  <p:iterate type="el" backwards="0">
+                                    <p:tmAbs val="0"/>
+                                  </p:iterate>
+                                  <p:childTnLst>
+                                    <p:set>
+                                      <p:cBhvr>
+                                        <p:cTn id="12" fill="hold"/>
+                                        <p:tgtEl>
+                                          <p:spTgt spid="217">
+                                            <p:txEl>
+                                              <p:pRg st="1" end="1"/>
+                                            </p:txEl>
+                                          </p:spTgt>
+                                        </p:tgtEl>
+                                        <p:attrNameLst>
+                                          <p:attrName>style.visibility</p:attrName>
+                                        </p:attrNameLst>
+                                      </p:cBhvr>
+                                      <p:to>
+                                        <p:strVal val="visible"/>
+                                      </p:to>
+                                    </p:set>
+                                  </p:childTnLst>
+                                </p:cTn>
+                              </p:par>
+                            </p:childTnLst>
+                          </p:cTn>
+                        </p:par>
+                      </p:childTnLst>
+                    </p:cTn>
+                  </p:par>
+                  <p:par>
+                    <p:cTn id="13" fill="hold">
+                      <p:stCondLst>
+                        <p:cond delay="indefinite"/>
+                      </p:stCondLst>
+                      <p:childTnLst>
+                        <p:par>
+                          <p:cTn id="14" fill="hold">
+                            <p:stCondLst>
+                              <p:cond delay="0"/>
+                            </p:stCondLst>
+                            <p:childTnLst>
+                              <p:par>
+                                <p:cTn id="15" presetClass="entr" nodeType="clickEffect" presetSubtype="0" presetID="1" grpId="1" fill="hold">
+                                  <p:stCondLst>
+                                    <p:cond delay="0"/>
+                                  </p:stCondLst>
+                                  <p:iterate type="el" backwards="0">
+                                    <p:tmAbs val="0"/>
+                                  </p:iterate>
+                                  <p:childTnLst>
+                                    <p:set>
+                                      <p:cBhvr>
+                                        <p:cTn id="16" fill="hold"/>
+                                        <p:tgtEl>
+                                          <p:spTgt spid="217">
+                                            <p:txEl>
+                                              <p:pRg st="2" end="2"/>
+                                            </p:txEl>
+                                          </p:spTgt>
+                                        </p:tgtEl>
+                                        <p:attrNameLst>
+                                          <p:attrName>style.visibility</p:attrName>
+                                        </p:attrNameLst>
+                                      </p:cBhvr>
+                                      <p:to>
+                                        <p:strVal val="visible"/>
+                                      </p:to>
+                                    </p:set>
+                                  </p:childTnLst>
+                                </p:cTn>
+                              </p:par>
+                            </p:childTnLst>
+                          </p:cTn>
+                        </p:par>
+                      </p:childTnLst>
+                    </p:cTn>
+                  </p:par>
+                  <p:par>
+                    <p:cTn id="17" fill="hold">
+                      <p:stCondLst>
+                        <p:cond delay="indefinite"/>
+                      </p:stCondLst>
+                      <p:childTnLst>
+                        <p:par>
+                          <p:cTn id="18" fill="hold">
+                            <p:stCondLst>
+                              <p:cond delay="0"/>
+                            </p:stCondLst>
+                            <p:childTnLst>
+                              <p:par>
+                                <p:cTn id="19" presetClass="entr" nodeType="clickEffect" presetSubtype="0" presetID="1" grpId="2" fill="hold">
+                                  <p:stCondLst>
+                                    <p:cond delay="0"/>
+                                  </p:stCondLst>
+                                  <p:iterate type="el" backwards="0">
+                                    <p:tmAbs val="0"/>
+                                  </p:iterate>
+                                  <p:childTnLst>
+                                    <p:set>
+                                      <p:cBhvr>
+                                        <p:cTn id="20" fill="hold"/>
+                                        <p:tgtEl>
+                                          <p:spTgt spid="271"/>
+                                        </p:tgtEl>
+                                        <p:attrNameLst>
+                                          <p:attrName>style.visibility</p:attrName>
+                                        </p:attrNameLst>
+                                      </p:cBhvr>
+                                      <p:to>
+                                        <p:strVal val="visible"/>
+                                      </p:to>
+                                    </p:set>
+                                  </p:childTnLst>
+                                </p:cTn>
+                              </p:par>
+                            </p:childTnLst>
+                          </p:cTn>
+                        </p:par>
+                      </p:childTnLst>
+                    </p:cTn>
+                  </p:par>
+                  <p:par>
+                    <p:cTn id="21" fill="hold">
+                      <p:stCondLst>
+                        <p:cond delay="indefinite"/>
+                      </p:stCondLst>
+                      <p:childTnLst>
+                        <p:par>
+                          <p:cTn id="22" fill="hold">
+                            <p:stCondLst>
+                              <p:cond delay="0"/>
+                            </p:stCondLst>
+                            <p:childTnLst>
+                              <p:par>
+                                <p:cTn id="23" presetClass="entr" nodeType="clickEffect" presetSubtype="0" presetID="1" grpId="3" fill="hold">
+                                  <p:stCondLst>
+                                    <p:cond delay="0"/>
+                                  </p:stCondLst>
+                                  <p:iterate type="el" backwards="0">
+                                    <p:tmAbs val="0"/>
+                                  </p:iterate>
+                                  <p:childTnLst>
+                                    <p:set>
+                                      <p:cBhvr>
+                                        <p:cTn id="24" fill="hold"/>
+                                        <p:tgtEl>
+                                          <p:spTgt spid="230"/>
+                                        </p:tgtEl>
+                                        <p:attrNameLst>
+                                          <p:attrName>style.visibility</p:attrName>
+                                        </p:attrNameLst>
+                                      </p:cBhvr>
+                                      <p:to>
+                                        <p:strVal val="visible"/>
+                                      </p:to>
+                                    </p:set>
+                                  </p:childTnLst>
+                                </p:cTn>
+                              </p:par>
+                            </p:childTnLst>
+                          </p:cTn>
+                        </p:par>
+                      </p:childTnLst>
+                    </p:cTn>
+                  </p:par>
+                  <p:par>
+                    <p:cTn id="25" fill="hold">
+                      <p:stCondLst>
+                        <p:cond delay="indefinite"/>
+                      </p:stCondLst>
+                      <p:childTnLst>
+                        <p:par>
+                          <p:cTn id="26" fill="hold">
+                            <p:stCondLst>
+                              <p:cond delay="0"/>
+                            </p:stCondLst>
+                            <p:childTnLst>
+                              <p:par>
+                                <p:cTn id="27" presetClass="entr" nodeType="clickEffect" presetSubtype="0" presetID="1" grpId="4" fill="hold">
+                                  <p:stCondLst>
+                                    <p:cond delay="0"/>
+                                  </p:stCondLst>
+                                  <p:iterate type="el" backwards="0">
+                                    <p:tmAbs val="0"/>
+                                  </p:iterate>
+                                  <p:childTnLst>
+                                    <p:set>
+                                      <p:cBhvr>
+                                        <p:cTn id="28" fill="hold"/>
+                                        <p:tgtEl>
+                                          <p:spTgt spid="221"/>
+                                        </p:tgtEl>
+                                        <p:attrNameLst>
+                                          <p:attrName>style.visibility</p:attrName>
+                                        </p:attrNameLst>
+                                      </p:cBhvr>
+                                      <p:to>
+                                        <p:strVal val="visible"/>
+                                      </p:to>
+                                    </p:set>
+                                  </p:childTnLst>
+                                </p:cTn>
+                              </p:par>
+                            </p:childTnLst>
+                          </p:cTn>
+                        </p:par>
+                      </p:childTnLst>
+                    </p:cTn>
+                  </p:par>
+                  <p:par>
+                    <p:cTn id="29" fill="hold">
+                      <p:stCondLst>
+                        <p:cond delay="indefinite"/>
+                      </p:stCondLst>
+                      <p:childTnLst>
+                        <p:par>
+                          <p:cTn id="30" fill="hold">
+                            <p:stCondLst>
+                              <p:cond delay="0"/>
+                            </p:stCondLst>
+                            <p:childTnLst>
+                              <p:par>
+                                <p:cTn id="31" presetClass="entr" nodeType="clickEffect" presetSubtype="0" presetID="1" grpId="5" fill="hold">
+                                  <p:stCondLst>
+                                    <p:cond delay="0"/>
+                                  </p:stCondLst>
+                                  <p:iterate type="el" backwards="0">
+                                    <p:tmAbs val="0"/>
+                                  </p:iterate>
+                                  <p:childTnLst>
+                                    <p:set>
+                                      <p:cBhvr>
+                                        <p:cTn id="32" fill="hold"/>
+                                        <p:tgtEl>
+                                          <p:spTgt spid="222"/>
+                                        </p:tgtEl>
+                                        <p:attrNameLst>
+                                          <p:attrName>style.visibility</p:attrName>
+                                        </p:attrNameLst>
+                                      </p:cBhvr>
+                                      <p:to>
+                                        <p:strVal val="visible"/>
+                                      </p:to>
+                                    </p:set>
+                                  </p:childTnLst>
+                                </p:cTn>
+                              </p:par>
+                            </p:childTnLst>
+                          </p:cTn>
+                        </p:par>
+                      </p:childTnLst>
+                    </p:cTn>
+                  </p:par>
+                  <p:par>
+                    <p:cTn id="33" fill="hold">
+                      <p:stCondLst>
+                        <p:cond delay="indefinite"/>
+                      </p:stCondLst>
+                      <p:childTnLst>
+                        <p:par>
+                          <p:cTn id="34" fill="hold">
+                            <p:stCondLst>
+                              <p:cond delay="0"/>
+                            </p:stCondLst>
+                            <p:childTnLst>
+                              <p:par>
+                                <p:cTn id="35" presetClass="entr" nodeType="clickEffect" presetSubtype="0" presetID="1" grpId="6" fill="hold">
+                                  <p:stCondLst>
+                                    <p:cond delay="0"/>
+                                  </p:stCondLst>
+                                  <p:iterate type="el" backwards="0">
+                                    <p:tmAbs val="0"/>
+                                  </p:iterate>
+                                  <p:childTnLst>
+                                    <p:set>
+                                      <p:cBhvr>
+                                        <p:cTn id="36" fill="hold"/>
+                                        <p:tgtEl>
+                                          <p:spTgt spid="223"/>
+                                        </p:tgtEl>
+                                        <p:attrNameLst>
+                                          <p:attrName>style.visibility</p:attrName>
+                                        </p:attrNameLst>
+                                      </p:cBhvr>
+                                      <p:to>
+                                        <p:strVal val="visible"/>
+                                      </p:to>
+                                    </p:set>
+                                  </p:childTnLst>
+                                </p:cTn>
+                              </p:par>
+                            </p:childTnLst>
+                          </p:cTn>
+                        </p:par>
+                      </p:childTnLst>
+                    </p:cTn>
+                  </p:par>
+                  <p:par>
+                    <p:cTn id="37" fill="hold">
+                      <p:stCondLst>
+                        <p:cond delay="indefinite"/>
+                      </p:stCondLst>
+                      <p:childTnLst>
+                        <p:par>
+                          <p:cTn id="38" fill="hold">
+                            <p:stCondLst>
+                              <p:cond delay="0"/>
+                            </p:stCondLst>
+                            <p:childTnLst>
+                              <p:par>
+                                <p:cTn id="39" presetClass="entr" nodeType="clickEffect" presetSubtype="0" presetID="1" grpId="7" fill="hold">
+                                  <p:stCondLst>
+                                    <p:cond delay="0"/>
+                                  </p:stCondLst>
+                                  <p:iterate type="el" backwards="0">
+                                    <p:tmAbs val="0"/>
+                                  </p:iterate>
+                                  <p:childTnLst>
+                                    <p:set>
+                                      <p:cBhvr>
+                                        <p:cTn id="40" fill="hold"/>
+                                        <p:tgtEl>
+                                          <p:spTgt spid="225"/>
+                                        </p:tgtEl>
+                                        <p:attrNameLst>
+                                          <p:attrName>style.visibility</p:attrName>
+                                        </p:attrNameLst>
+                                      </p:cBhvr>
+                                      <p:to>
+                                        <p:strVal val="visible"/>
+                                      </p:to>
+                                    </p:set>
+                                  </p:childTnLst>
+                                </p:cTn>
+                              </p:par>
+                            </p:childTnLst>
+                          </p:cTn>
+                        </p:par>
+                      </p:childTnLst>
+                    </p:cTn>
+                  </p:par>
+                  <p:par>
+                    <p:cTn id="41" fill="hold">
+                      <p:stCondLst>
+                        <p:cond delay="indefinite"/>
+                      </p:stCondLst>
+                      <p:childTnLst>
+                        <p:par>
+                          <p:cTn id="42" fill="hold">
+                            <p:stCondLst>
+                              <p:cond delay="0"/>
+                            </p:stCondLst>
+                            <p:childTnLst>
+                              <p:par>
+                                <p:cTn id="43" presetClass="entr" nodeType="clickEffect" presetSubtype="0" presetID="1" grpId="8" fill="hold">
+                                  <p:stCondLst>
+                                    <p:cond delay="0"/>
+                                  </p:stCondLst>
+                                  <p:iterate type="el" backwards="0">
+                                    <p:tmAbs val="0"/>
+                                  </p:iterate>
+                                  <p:childTnLst>
+                                    <p:set>
+                                      <p:cBhvr>
+                                        <p:cTn id="44" fill="hold"/>
+                                        <p:tgtEl>
+                                          <p:spTgt spid="229"/>
+                                        </p:tgtEl>
+                                        <p:attrNameLst>
+                                          <p:attrName>style.visibility</p:attrName>
+                                        </p:attrNameLst>
+                                      </p:cBhvr>
+                                      <p:to>
+                                        <p:strVal val="visible"/>
+                                      </p:to>
+                                    </p:set>
+                                  </p:childTnLst>
+                                </p:cTn>
+                              </p:par>
+                            </p:childTnLst>
+                          </p:cTn>
+                        </p:par>
+                      </p:childTnLst>
+                    </p:cTn>
+                  </p:par>
+                  <p:par>
+                    <p:cTn id="45" fill="hold">
+                      <p:stCondLst>
+                        <p:cond delay="indefinite"/>
+                      </p:stCondLst>
+                      <p:childTnLst>
+                        <p:par>
+                          <p:cTn id="46" fill="hold">
+                            <p:stCondLst>
+                              <p:cond delay="0"/>
+                            </p:stCondLst>
+                            <p:childTnLst>
+                              <p:par>
+                                <p:cTn id="47" presetClass="entr" nodeType="clickEffect" presetSubtype="0" presetID="1" grpId="9" fill="hold">
+                                  <p:stCondLst>
+                                    <p:cond delay="0"/>
+                                  </p:stCondLst>
+                                  <p:iterate type="el" backwards="0">
+                                    <p:tmAbs val="0"/>
+                                  </p:iterate>
+                                  <p:childTnLst>
+                                    <p:set>
+                                      <p:cBhvr>
+                                        <p:cTn id="48" fill="hold"/>
+                                        <p:tgtEl>
+                                          <p:spTgt spid="224"/>
+                                        </p:tgtEl>
+                                        <p:attrNameLst>
+                                          <p:attrName>style.visibility</p:attrName>
+                                        </p:attrNameLst>
+                                      </p:cBhvr>
+                                      <p:to>
+                                        <p:strVal val="visible"/>
+                                      </p:to>
+                                    </p:set>
+                                  </p:childTnLst>
+                                </p:cTn>
+                              </p:par>
+                            </p:childTnLst>
+                          </p:cTn>
+                        </p:par>
+                      </p:childTnLst>
+                    </p:cTn>
+                  </p:par>
+                  <p:par>
+                    <p:cTn id="49" fill="hold">
+                      <p:stCondLst>
+                        <p:cond delay="indefinite"/>
+                      </p:stCondLst>
+                      <p:childTnLst>
+                        <p:par>
+                          <p:cTn id="50" fill="hold">
+                            <p:stCondLst>
+                              <p:cond delay="0"/>
+                            </p:stCondLst>
+                            <p:childTnLst>
+                              <p:par>
+                                <p:cTn id="51" presetClass="entr" nodeType="clickEffect" presetSubtype="0" presetID="1" grpId="10" fill="hold">
+                                  <p:stCondLst>
+                                    <p:cond delay="0"/>
+                                  </p:stCondLst>
+                                  <p:iterate type="el" backwards="0">
+                                    <p:tmAbs val="0"/>
+                                  </p:iterate>
+                                  <p:childTnLst>
+                                    <p:set>
+                                      <p:cBhvr>
+                                        <p:cTn id="52" fill="hold"/>
+                                        <p:tgtEl>
+                                          <p:spTgt spid="272"/>
+                                        </p:tgtEl>
+                                        <p:attrNameLst>
+                                          <p:attrName>style.visibility</p:attrName>
+                                        </p:attrNameLst>
+                                      </p:cBhvr>
+                                      <p:to>
+                                        <p:strVal val="visible"/>
+                                      </p:to>
+                                    </p:set>
+                                  </p:childTnLst>
+                                </p:cTn>
+                              </p:par>
+                            </p:childTnLst>
+                          </p:cTn>
+                        </p:par>
+                      </p:childTnLst>
+                    </p:cTn>
+                  </p:par>
+                  <p:par>
+                    <p:cTn id="53" fill="hold">
+                      <p:stCondLst>
+                        <p:cond delay="indefinite"/>
+                      </p:stCondLst>
+                      <p:childTnLst>
+                        <p:par>
+                          <p:cTn id="54" fill="hold">
+                            <p:stCondLst>
+                              <p:cond delay="0"/>
+                            </p:stCondLst>
+                            <p:childTnLst>
+                              <p:par>
+                                <p:cTn id="55" presetClass="entr" nodeType="clickEffect" presetSubtype="0" presetID="1" grpId="11" fill="hold">
+                                  <p:stCondLst>
+                                    <p:cond delay="0"/>
+                                  </p:stCondLst>
+                                  <p:iterate type="el" backwards="0">
+                                    <p:tmAbs val="0"/>
+                                  </p:iterate>
+                                  <p:childTnLst>
+                                    <p:set>
+                                      <p:cBhvr>
+                                        <p:cTn id="56" fill="hold"/>
+                                        <p:tgtEl>
+                                          <p:spTgt spid="234"/>
+                                        </p:tgtEl>
+                                        <p:attrNameLst>
+                                          <p:attrName>style.visibility</p:attrName>
+                                        </p:attrNameLst>
+                                      </p:cBhvr>
+                                      <p:to>
+                                        <p:strVal val="visible"/>
+                                      </p:to>
+                                    </p:set>
+                                  </p:childTnLst>
+                                </p:cTn>
+                              </p:par>
+                            </p:childTnLst>
+                          </p:cTn>
+                        </p:par>
+                      </p:childTnLst>
+                    </p:cTn>
+                  </p:par>
+                  <p:par>
+                    <p:cTn id="57" fill="hold">
+                      <p:stCondLst>
+                        <p:cond delay="indefinite"/>
+                      </p:stCondLst>
+                      <p:childTnLst>
+                        <p:par>
+                          <p:cTn id="58" fill="hold">
+                            <p:stCondLst>
+                              <p:cond delay="0"/>
+                            </p:stCondLst>
+                            <p:childTnLst>
+                              <p:par>
+                                <p:cTn id="59" presetClass="entr" nodeType="clickEffect" presetSubtype="0" presetID="1" grpId="12" fill="hold">
+                                  <p:stCondLst>
+                                    <p:cond delay="0"/>
+                                  </p:stCondLst>
+                                  <p:iterate type="el" backwards="0">
+                                    <p:tmAbs val="0"/>
+                                  </p:iterate>
+                                  <p:childTnLst>
+                                    <p:set>
+                                      <p:cBhvr>
+                                        <p:cTn id="60" fill="hold"/>
+                                        <p:tgtEl>
+                                          <p:spTgt spid="235"/>
+                                        </p:tgtEl>
+                                        <p:attrNameLst>
+                                          <p:attrName>style.visibility</p:attrName>
+                                        </p:attrNameLst>
+                                      </p:cBhvr>
+                                      <p:to>
+                                        <p:strVal val="visible"/>
+                                      </p:to>
+                                    </p:set>
+                                  </p:childTnLst>
+                                </p:cTn>
+                              </p:par>
+                            </p:childTnLst>
+                          </p:cTn>
+                        </p:par>
+                      </p:childTnLst>
+                    </p:cTn>
+                  </p:par>
+                  <p:par>
+                    <p:cTn id="61" fill="hold">
+                      <p:stCondLst>
+                        <p:cond delay="indefinite"/>
+                      </p:stCondLst>
+                      <p:childTnLst>
+                        <p:par>
+                          <p:cTn id="62" fill="hold">
+                            <p:stCondLst>
+                              <p:cond delay="0"/>
+                            </p:stCondLst>
+                            <p:childTnLst>
+                              <p:par>
+                                <p:cTn id="63" presetClass="entr" nodeType="clickEffect" presetSubtype="0" presetID="1" grpId="13" fill="hold">
+                                  <p:stCondLst>
+                                    <p:cond delay="0"/>
+                                  </p:stCondLst>
+                                  <p:iterate type="el" backwards="0">
+                                    <p:tmAbs val="0"/>
+                                  </p:iterate>
+                                  <p:childTnLst>
+                                    <p:set>
+                                      <p:cBhvr>
+                                        <p:cTn id="64" fill="hold"/>
+                                        <p:tgtEl>
+                                          <p:spTgt spid="236"/>
+                                        </p:tgtEl>
+                                        <p:attrNameLst>
+                                          <p:attrName>style.visibility</p:attrName>
+                                        </p:attrNameLst>
+                                      </p:cBhvr>
+                                      <p:to>
+                                        <p:strVal val="visible"/>
+                                      </p:to>
+                                    </p:set>
+                                  </p:childTnLst>
+                                </p:cTn>
+                              </p:par>
+                            </p:childTnLst>
+                          </p:cTn>
+                        </p:par>
+                      </p:childTnLst>
+                    </p:cTn>
+                  </p:par>
+                  <p:par>
+                    <p:cTn id="65" fill="hold">
+                      <p:stCondLst>
+                        <p:cond delay="indefinite"/>
+                      </p:stCondLst>
+                      <p:childTnLst>
+                        <p:par>
+                          <p:cTn id="66" fill="hold">
+                            <p:stCondLst>
+                              <p:cond delay="0"/>
+                            </p:stCondLst>
+                            <p:childTnLst>
+                              <p:par>
+                                <p:cTn id="67" presetClass="entr" nodeType="clickEffect" presetSubtype="0" presetID="1" grpId="14" fill="hold">
+                                  <p:stCondLst>
+                                    <p:cond delay="0"/>
+                                  </p:stCondLst>
+                                  <p:iterate type="el" backwards="0">
+                                    <p:tmAbs val="0"/>
+                                  </p:iterate>
+                                  <p:childTnLst>
+                                    <p:set>
+                                      <p:cBhvr>
+                                        <p:cTn id="68" fill="hold"/>
+                                        <p:tgtEl>
+                                          <p:spTgt spid="237"/>
+                                        </p:tgtEl>
+                                        <p:attrNameLst>
+                                          <p:attrName>style.visibility</p:attrName>
+                                        </p:attrNameLst>
+                                      </p:cBhvr>
+                                      <p:to>
+                                        <p:strVal val="visible"/>
+                                      </p:to>
+                                    </p:set>
+                                  </p:childTnLst>
+                                </p:cTn>
+                              </p:par>
+                            </p:childTnLst>
+                          </p:cTn>
+                        </p:par>
+                      </p:childTnLst>
+                    </p:cTn>
+                  </p:par>
+                  <p:par>
+                    <p:cTn id="69" fill="hold">
+                      <p:stCondLst>
+                        <p:cond delay="indefinite"/>
+                      </p:stCondLst>
+                      <p:childTnLst>
+                        <p:par>
+                          <p:cTn id="70" fill="hold">
+                            <p:stCondLst>
+                              <p:cond delay="0"/>
+                            </p:stCondLst>
+                            <p:childTnLst>
+                              <p:par>
+                                <p:cTn id="71" presetClass="entr" nodeType="clickEffect" presetSubtype="0" presetID="1" grpId="15" fill="hold">
+                                  <p:stCondLst>
+                                    <p:cond delay="0"/>
+                                  </p:stCondLst>
+                                  <p:iterate type="el" backwards="0">
+                                    <p:tmAbs val="0"/>
+                                  </p:iterate>
+                                  <p:childTnLst>
+                                    <p:set>
+                                      <p:cBhvr>
+                                        <p:cTn id="72" fill="hold"/>
+                                        <p:tgtEl>
+                                          <p:spTgt spid="241"/>
+                                        </p:tgtEl>
+                                        <p:attrNameLst>
+                                          <p:attrName>style.visibility</p:attrName>
+                                        </p:attrNameLst>
+                                      </p:cBhvr>
+                                      <p:to>
+                                        <p:strVal val="visible"/>
+                                      </p:to>
+                                    </p:set>
+                                  </p:childTnLst>
+                                </p:cTn>
+                              </p:par>
+                            </p:childTnLst>
+                          </p:cTn>
+                        </p:par>
+                      </p:childTnLst>
+                    </p:cTn>
+                  </p:par>
+                  <p:par>
+                    <p:cTn id="73" fill="hold">
+                      <p:stCondLst>
+                        <p:cond delay="indefinite"/>
+                      </p:stCondLst>
+                      <p:childTnLst>
+                        <p:par>
+                          <p:cTn id="74" fill="hold">
+                            <p:stCondLst>
+                              <p:cond delay="0"/>
+                            </p:stCondLst>
+                            <p:childTnLst>
+                              <p:par>
+                                <p:cTn id="75" presetClass="entr" nodeType="clickEffect" presetSubtype="0" presetID="1" grpId="16" fill="hold">
+                                  <p:stCondLst>
+                                    <p:cond delay="0"/>
+                                  </p:stCondLst>
+                                  <p:iterate type="el" backwards="0">
+                                    <p:tmAbs val="0"/>
+                                  </p:iterate>
+                                  <p:childTnLst>
+                                    <p:set>
+                                      <p:cBhvr>
+                                        <p:cTn id="76" fill="hold"/>
+                                        <p:tgtEl>
+                                          <p:spTgt spid="238"/>
+                                        </p:tgtEl>
+                                        <p:attrNameLst>
+                                          <p:attrName>style.visibility</p:attrName>
+                                        </p:attrNameLst>
+                                      </p:cBhvr>
+                                      <p:to>
+                                        <p:strVal val="visible"/>
+                                      </p:to>
+                                    </p:set>
+                                  </p:childTnLst>
+                                </p:cTn>
+                              </p:par>
+                            </p:childTnLst>
+                          </p:cTn>
+                        </p:par>
+                      </p:childTnLst>
+                    </p:cTn>
+                  </p:par>
+                  <p:par>
+                    <p:cTn id="77" fill="hold">
+                      <p:stCondLst>
+                        <p:cond delay="indefinite"/>
+                      </p:stCondLst>
+                      <p:childTnLst>
+                        <p:par>
+                          <p:cTn id="78" fill="hold">
+                            <p:stCondLst>
+                              <p:cond delay="0"/>
+                            </p:stCondLst>
+                            <p:childTnLst>
+                              <p:par>
+                                <p:cTn id="79" presetClass="entr" nodeType="clickEffect" presetSubtype="0" presetID="1" grpId="17" fill="hold">
+                                  <p:stCondLst>
+                                    <p:cond delay="0"/>
+                                  </p:stCondLst>
+                                  <p:iterate type="el" backwards="0">
+                                    <p:tmAbs val="0"/>
+                                  </p:iterate>
+                                  <p:childTnLst>
+                                    <p:set>
+                                      <p:cBhvr>
+                                        <p:cTn id="80" fill="hold"/>
+                                        <p:tgtEl>
+                                          <p:spTgt spid="273"/>
+                                        </p:tgtEl>
+                                        <p:attrNameLst>
+                                          <p:attrName>style.visibility</p:attrName>
+                                        </p:attrNameLst>
+                                      </p:cBhvr>
+                                      <p:to>
+                                        <p:strVal val="visible"/>
+                                      </p:to>
+                                    </p:set>
+                                  </p:childTnLst>
+                                </p:cTn>
+                              </p:par>
+                            </p:childTnLst>
+                          </p:cTn>
+                        </p:par>
+                      </p:childTnLst>
+                    </p:cTn>
+                  </p:par>
+                  <p:par>
+                    <p:cTn id="81" fill="hold">
+                      <p:stCondLst>
+                        <p:cond delay="indefinite"/>
+                      </p:stCondLst>
+                      <p:childTnLst>
+                        <p:par>
+                          <p:cTn id="82" fill="hold">
+                            <p:stCondLst>
+                              <p:cond delay="0"/>
+                            </p:stCondLst>
+                            <p:childTnLst>
+                              <p:par>
+                                <p:cTn id="83" presetClass="entr" nodeType="clickEffect" presetSubtype="0" presetID="1" grpId="18" fill="hold">
+                                  <p:stCondLst>
+                                    <p:cond delay="0"/>
+                                  </p:stCondLst>
+                                  <p:iterate type="el" backwards="0">
+                                    <p:tmAbs val="0"/>
+                                  </p:iterate>
+                                  <p:childTnLst>
+                                    <p:set>
+                                      <p:cBhvr>
+                                        <p:cTn id="84" fill="hold"/>
+                                        <p:tgtEl>
+                                          <p:spTgt spid="250"/>
+                                        </p:tgtEl>
+                                        <p:attrNameLst>
+                                          <p:attrName>style.visibility</p:attrName>
+                                        </p:attrNameLst>
+                                      </p:cBhvr>
+                                      <p:to>
+                                        <p:strVal val="visible"/>
+                                      </p:to>
+                                    </p:set>
+                                  </p:childTnLst>
+                                </p:cTn>
+                              </p:par>
+                            </p:childTnLst>
+                          </p:cTn>
+                        </p:par>
+                      </p:childTnLst>
+                    </p:cTn>
+                  </p:par>
+                  <p:par>
+                    <p:cTn id="85" fill="hold">
+                      <p:stCondLst>
+                        <p:cond delay="indefinite"/>
+                      </p:stCondLst>
+                      <p:childTnLst>
+                        <p:par>
+                          <p:cTn id="86" fill="hold">
+                            <p:stCondLst>
+                              <p:cond delay="0"/>
+                            </p:stCondLst>
+                            <p:childTnLst>
+                              <p:par>
+                                <p:cTn id="87" presetClass="entr" nodeType="clickEffect" presetSubtype="0" presetID="1" grpId="19" fill="hold">
+                                  <p:stCondLst>
+                                    <p:cond delay="0"/>
+                                  </p:stCondLst>
+                                  <p:iterate type="el" backwards="0">
+                                    <p:tmAbs val="0"/>
+                                  </p:iterate>
+                                  <p:childTnLst>
+                                    <p:set>
+                                      <p:cBhvr>
+                                        <p:cTn id="88" fill="hold"/>
+                                        <p:tgtEl>
+                                          <p:spTgt spid="243"/>
+                                        </p:tgtEl>
+                                        <p:attrNameLst>
+                                          <p:attrName>style.visibility</p:attrName>
+                                        </p:attrNameLst>
+                                      </p:cBhvr>
+                                      <p:to>
+                                        <p:strVal val="visible"/>
+                                      </p:to>
+                                    </p:set>
+                                  </p:childTnLst>
+                                </p:cTn>
+                              </p:par>
+                            </p:childTnLst>
+                          </p:cTn>
+                        </p:par>
+                      </p:childTnLst>
+                    </p:cTn>
+                  </p:par>
+                  <p:par>
+                    <p:cTn id="89" fill="hold">
+                      <p:stCondLst>
+                        <p:cond delay="indefinite"/>
+                      </p:stCondLst>
+                      <p:childTnLst>
+                        <p:par>
+                          <p:cTn id="90" fill="hold">
+                            <p:stCondLst>
+                              <p:cond delay="0"/>
+                            </p:stCondLst>
+                            <p:childTnLst>
+                              <p:par>
+                                <p:cTn id="91" presetClass="entr" nodeType="clickEffect" presetSubtype="0" presetID="1" grpId="20" fill="hold">
+                                  <p:stCondLst>
+                                    <p:cond delay="0"/>
+                                  </p:stCondLst>
+                                  <p:iterate type="el" backwards="0">
+                                    <p:tmAbs val="0"/>
+                                  </p:iterate>
+                                  <p:childTnLst>
+                                    <p:set>
+                                      <p:cBhvr>
+                                        <p:cTn id="92" fill="hold"/>
+                                        <p:tgtEl>
+                                          <p:spTgt spid="244"/>
+                                        </p:tgtEl>
+                                        <p:attrNameLst>
+                                          <p:attrName>style.visibility</p:attrName>
+                                        </p:attrNameLst>
+                                      </p:cBhvr>
+                                      <p:to>
+                                        <p:strVal val="visible"/>
+                                      </p:to>
+                                    </p:set>
+                                  </p:childTnLst>
+                                </p:cTn>
+                              </p:par>
+                            </p:childTnLst>
+                          </p:cTn>
+                        </p:par>
+                      </p:childTnLst>
+                    </p:cTn>
+                  </p:par>
+                  <p:par>
+                    <p:cTn id="93" fill="hold">
+                      <p:stCondLst>
+                        <p:cond delay="indefinite"/>
+                      </p:stCondLst>
+                      <p:childTnLst>
+                        <p:par>
+                          <p:cTn id="94" fill="hold">
+                            <p:stCondLst>
+                              <p:cond delay="0"/>
+                            </p:stCondLst>
+                            <p:childTnLst>
+                              <p:par>
+                                <p:cTn id="95" presetClass="entr" nodeType="clickEffect" presetSubtype="0" presetID="1" grpId="21" fill="hold">
+                                  <p:stCondLst>
+                                    <p:cond delay="0"/>
+                                  </p:stCondLst>
+                                  <p:iterate type="el" backwards="0">
+                                    <p:tmAbs val="0"/>
+                                  </p:iterate>
+                                  <p:childTnLst>
+                                    <p:set>
+                                      <p:cBhvr>
+                                        <p:cTn id="96" fill="hold"/>
+                                        <p:tgtEl>
+                                          <p:spTgt spid="251"/>
+                                        </p:tgtEl>
+                                        <p:attrNameLst>
+                                          <p:attrName>style.visibility</p:attrName>
+                                        </p:attrNameLst>
+                                      </p:cBhvr>
+                                      <p:to>
+                                        <p:strVal val="visible"/>
+                                      </p:to>
+                                    </p:set>
+                                  </p:childTnLst>
+                                </p:cTn>
+                              </p:par>
+                            </p:childTnLst>
+                          </p:cTn>
+                        </p:par>
+                      </p:childTnLst>
+                    </p:cTn>
+                  </p:par>
+                  <p:par>
+                    <p:cTn id="97" fill="hold">
+                      <p:stCondLst>
+                        <p:cond delay="indefinite"/>
+                      </p:stCondLst>
+                      <p:childTnLst>
+                        <p:par>
+                          <p:cTn id="98" fill="hold">
+                            <p:stCondLst>
+                              <p:cond delay="0"/>
+                            </p:stCondLst>
+                            <p:childTnLst>
+                              <p:par>
+                                <p:cTn id="99" presetClass="entr" nodeType="clickEffect" presetSubtype="0" presetID="1" grpId="22" fill="hold">
+                                  <p:stCondLst>
+                                    <p:cond delay="0"/>
+                                  </p:stCondLst>
+                                  <p:iterate type="el" backwards="0">
+                                    <p:tmAbs val="0"/>
+                                  </p:iterate>
+                                  <p:childTnLst>
+                                    <p:set>
+                                      <p:cBhvr>
+                                        <p:cTn id="100" fill="hold"/>
+                                        <p:tgtEl>
+                                          <p:spTgt spid="242"/>
+                                        </p:tgtEl>
+                                        <p:attrNameLst>
+                                          <p:attrName>style.visibility</p:attrName>
+                                        </p:attrNameLst>
+                                      </p:cBhvr>
+                                      <p:to>
+                                        <p:strVal val="visible"/>
+                                      </p:to>
+                                    </p:set>
+                                  </p:childTnLst>
+                                </p:cTn>
+                              </p:par>
+                            </p:childTnLst>
+                          </p:cTn>
+                        </p:par>
+                      </p:childTnLst>
+                    </p:cTn>
+                  </p:par>
+                  <p:par>
+                    <p:cTn id="101" fill="hold">
+                      <p:stCondLst>
+                        <p:cond delay="indefinite"/>
+                      </p:stCondLst>
+                      <p:childTnLst>
+                        <p:par>
+                          <p:cTn id="102" fill="hold">
+                            <p:stCondLst>
+                              <p:cond delay="0"/>
+                            </p:stCondLst>
+                            <p:childTnLst>
+                              <p:par>
+                                <p:cTn id="103" presetClass="entr" nodeType="clickEffect" presetSubtype="0" presetID="1" grpId="23" fill="hold">
+                                  <p:stCondLst>
+                                    <p:cond delay="0"/>
+                                  </p:stCondLst>
+                                  <p:iterate type="el" backwards="0">
+                                    <p:tmAbs val="0"/>
+                                  </p:iterate>
+                                  <p:childTnLst>
+                                    <p:set>
+                                      <p:cBhvr>
+                                        <p:cTn id="104" fill="hold"/>
+                                        <p:tgtEl>
+                                          <p:spTgt spid="245"/>
+                                        </p:tgtEl>
+                                        <p:attrNameLst>
+                                          <p:attrName>style.visibility</p:attrName>
+                                        </p:attrNameLst>
+                                      </p:cBhvr>
+                                      <p:to>
+                                        <p:strVal val="visible"/>
+                                      </p:to>
+                                    </p:set>
+                                  </p:childTnLst>
+                                </p:cTn>
+                              </p:par>
+                            </p:childTnLst>
+                          </p:cTn>
+                        </p:par>
+                      </p:childTnLst>
+                    </p:cTn>
+                  </p:par>
+                  <p:par>
+                    <p:cTn id="105" fill="hold">
+                      <p:stCondLst>
+                        <p:cond delay="indefinite"/>
+                      </p:stCondLst>
+                      <p:childTnLst>
+                        <p:par>
+                          <p:cTn id="106" fill="hold">
+                            <p:stCondLst>
+                              <p:cond delay="0"/>
+                            </p:stCondLst>
+                            <p:childTnLst>
+                              <p:par>
+                                <p:cTn id="107" presetClass="entr" nodeType="clickEffect" presetSubtype="8" presetID="15" grpId="24" fill="hold">
+                                  <p:stCondLst>
+                                    <p:cond delay="0"/>
+                                  </p:stCondLst>
+                                  <p:iterate type="el" backwards="0">
+                                    <p:tmAbs val="0"/>
+                                  </p:iterate>
+                                  <p:childTnLst>
+                                    <p:set>
+                                      <p:cBhvr>
+                                        <p:cTn id="108" fill="hold"/>
+                                        <p:tgtEl>
+                                          <p:spTgt spid="274"/>
+                                        </p:tgtEl>
+                                        <p:attrNameLst>
+                                          <p:attrName>style.visibility</p:attrName>
+                                        </p:attrNameLst>
+                                      </p:cBhvr>
+                                      <p:to>
+                                        <p:strVal val="visible"/>
+                                      </p:to>
+                                    </p:set>
+                                    <p:anim calcmode="lin" valueType="num">
+                                      <p:cBhvr>
+                                        <p:cTn id="109" dur="1000" fill="hold"/>
+                                        <p:tgtEl>
+                                          <p:spTgt spid="274"/>
+                                        </p:tgtEl>
+                                        <p:attrNameLst>
+                                          <p:attrName>ppt_w</p:attrName>
+                                        </p:attrNameLst>
+                                      </p:cBhvr>
+                                      <p:tavLst>
+                                        <p:tav tm="0">
+                                          <p:val>
+                                            <p:fltVal val="0"/>
+                                          </p:val>
+                                        </p:tav>
+                                        <p:tav tm="100000">
+                                          <p:val>
+                                            <p:strVal val="#ppt_w"/>
+                                          </p:val>
+                                        </p:tav>
+                                      </p:tavLst>
+                                    </p:anim>
+                                    <p:anim calcmode="lin" valueType="num">
+                                      <p:cBhvr>
+                                        <p:cTn id="110" dur="1000" fill="hold"/>
+                                        <p:tgtEl>
+                                          <p:spTgt spid="274"/>
+                                        </p:tgtEl>
+                                        <p:attrNameLst>
+                                          <p:attrName>ppt_h</p:attrName>
+                                        </p:attrNameLst>
+                                      </p:cBhvr>
+                                      <p:tavLst>
+                                        <p:tav tm="0">
+                                          <p:val>
+                                            <p:fltVal val="0"/>
+                                          </p:val>
+                                        </p:tav>
+                                        <p:tav tm="100000">
+                                          <p:val>
+                                            <p:strVal val="#ppt_h"/>
+                                          </p:val>
+                                        </p:tav>
+                                      </p:tavLst>
+                                    </p:anim>
+                                    <p:anim calcmode="lin" valueType="num">
+                                      <p:cBhvr>
+                                        <p:cTn id="111" dur="1000" fill="hold"/>
+                                        <p:tgtEl>
+                                          <p:spTgt spid="274"/>
+                                        </p:tgtEl>
+                                        <p:attrNameLst>
+                                          <p:attrName>ppt_x</p:attrName>
+                                        </p:attrNameLst>
+                                      </p:cBhvr>
+                                      <p:tavLst>
+                                        <p:tav tm="0" fmla="#ppt_x+(cos(-2*pi*(1-$))*-#ppt_x-sin(-2*pi*(1-$))*(1-#ppt_y))*(1-$)">
+                                          <p:val>
+                                            <p:fltVal val="0"/>
+                                          </p:val>
+                                        </p:tav>
+                                        <p:tav tm="100000">
+                                          <p:val>
+                                            <p:fltVal val="1"/>
+                                          </p:val>
+                                        </p:tav>
+                                      </p:tavLst>
+                                    </p:anim>
+                                    <p:anim calcmode="lin" valueType="num">
+                                      <p:cBhvr>
+                                        <p:cTn id="112" dur="1000" fill="hold"/>
+                                        <p:tgtEl>
+                                          <p:spTgt spid="274"/>
+                                        </p:tgtEl>
+                                        <p:attrNameLst>
+                                          <p:attrName>ppt_y</p:attrName>
+                                        </p:attrNameLst>
+                                      </p:cBhvr>
+                                      <p:tavLst>
+                                        <p:tav tm="0" fmla="#ppt_y+(sin(-2*pi*(1-$))*-#ppt_x+cos(-2*pi*(1-$))*(1-#ppt_y))*(1-$)">
+                                          <p:val>
+                                            <p:fltVal val="0"/>
+                                          </p:val>
+                                        </p:tav>
+                                        <p:tav tm="100000">
+                                          <p:val>
+                                            <p:fltVal val="1"/>
+                                          </p:val>
+                                        </p:tav>
+                                      </p:tavLst>
+                                    </p:anim>
+                                  </p:childTnLst>
+                                </p:cTn>
+                              </p:par>
+                            </p:childTnLst>
+                          </p:cTn>
+                        </p:par>
+                      </p:childTnLst>
+                    </p:cTn>
+                  </p:par>
+                  <p:par>
+                    <p:cTn id="113" fill="hold">
+                      <p:stCondLst>
+                        <p:cond delay="indefinite"/>
+                      </p:stCondLst>
+                      <p:childTnLst>
+                        <p:par>
+                          <p:cTn id="114" fill="hold">
+                            <p:stCondLst>
+                              <p:cond delay="0"/>
+                            </p:stCondLst>
+                            <p:childTnLst>
+                              <p:par>
+                                <p:cTn id="115" presetClass="entr" nodeType="clickEffect" presetSubtype="0" presetID="1" grpId="25" fill="hold">
+                                  <p:stCondLst>
+                                    <p:cond delay="0"/>
+                                  </p:stCondLst>
+                                  <p:iterate type="el" backwards="0">
+                                    <p:tmAbs val="0"/>
+                                  </p:iterate>
+                                  <p:childTnLst>
+                                    <p:set>
+                                      <p:cBhvr>
+                                        <p:cTn id="116" fill="hold"/>
+                                        <p:tgtEl>
+                                          <p:spTgt spid="260"/>
+                                        </p:tgtEl>
+                                        <p:attrNameLst>
+                                          <p:attrName>style.visibility</p:attrName>
+                                        </p:attrNameLst>
+                                      </p:cBhvr>
+                                      <p:to>
+                                        <p:strVal val="visible"/>
+                                      </p:to>
+                                    </p:set>
+                                  </p:childTnLst>
+                                </p:cTn>
+                              </p:par>
+                            </p:childTnLst>
+                          </p:cTn>
+                        </p:par>
+                      </p:childTnLst>
+                    </p:cTn>
+                  </p:par>
+                  <p:par>
+                    <p:cTn id="117" fill="hold">
+                      <p:stCondLst>
+                        <p:cond delay="indefinite"/>
+                      </p:stCondLst>
+                      <p:childTnLst>
+                        <p:par>
+                          <p:cTn id="118" fill="hold">
+                            <p:stCondLst>
+                              <p:cond delay="0"/>
+                            </p:stCondLst>
+                            <p:childTnLst>
+                              <p:par>
+                                <p:cTn id="119" presetClass="entr" nodeType="clickEffect" presetSubtype="0" presetID="1" grpId="26" fill="hold">
+                                  <p:stCondLst>
+                                    <p:cond delay="0"/>
+                                  </p:stCondLst>
+                                  <p:iterate type="el" backwards="0">
+                                    <p:tmAbs val="0"/>
+                                  </p:iterate>
+                                  <p:childTnLst>
+                                    <p:set>
+                                      <p:cBhvr>
+                                        <p:cTn id="120" fill="hold"/>
+                                        <p:tgtEl>
+                                          <p:spTgt spid="253"/>
+                                        </p:tgtEl>
+                                        <p:attrNameLst>
+                                          <p:attrName>style.visibility</p:attrName>
+                                        </p:attrNameLst>
+                                      </p:cBhvr>
+                                      <p:to>
+                                        <p:strVal val="visible"/>
+                                      </p:to>
+                                    </p:set>
+                                  </p:childTnLst>
+                                </p:cTn>
+                              </p:par>
+                            </p:childTnLst>
+                          </p:cTn>
+                        </p:par>
+                      </p:childTnLst>
+                    </p:cTn>
+                  </p:par>
+                  <p:par>
+                    <p:cTn id="121" fill="hold">
+                      <p:stCondLst>
+                        <p:cond delay="indefinite"/>
+                      </p:stCondLst>
+                      <p:childTnLst>
+                        <p:par>
+                          <p:cTn id="122" fill="hold">
+                            <p:stCondLst>
+                              <p:cond delay="0"/>
+                            </p:stCondLst>
+                            <p:childTnLst>
+                              <p:par>
+                                <p:cTn id="123" presetClass="entr" nodeType="clickEffect" presetSubtype="0" presetID="1" grpId="27" fill="hold">
+                                  <p:stCondLst>
+                                    <p:cond delay="0"/>
+                                  </p:stCondLst>
+                                  <p:iterate type="el" backwards="0">
+                                    <p:tmAbs val="0"/>
+                                  </p:iterate>
+                                  <p:childTnLst>
+                                    <p:set>
+                                      <p:cBhvr>
+                                        <p:cTn id="124" fill="hold"/>
+                                        <p:tgtEl>
+                                          <p:spTgt spid="261"/>
+                                        </p:tgtEl>
+                                        <p:attrNameLst>
+                                          <p:attrName>style.visibility</p:attrName>
+                                        </p:attrNameLst>
+                                      </p:cBhvr>
+                                      <p:to>
+                                        <p:strVal val="visible"/>
+                                      </p:to>
+                                    </p:set>
+                                  </p:childTnLst>
+                                </p:cTn>
+                              </p:par>
+                            </p:childTnLst>
+                          </p:cTn>
+                        </p:par>
+                      </p:childTnLst>
+                    </p:cTn>
+                  </p:par>
+                  <p:par>
+                    <p:cTn id="125" fill="hold">
+                      <p:stCondLst>
+                        <p:cond delay="indefinite"/>
+                      </p:stCondLst>
+                      <p:childTnLst>
+                        <p:par>
+                          <p:cTn id="126" fill="hold">
+                            <p:stCondLst>
+                              <p:cond delay="0"/>
+                            </p:stCondLst>
+                            <p:childTnLst>
+                              <p:par>
+                                <p:cTn id="127" presetClass="entr" nodeType="clickEffect" presetSubtype="0" presetID="1" grpId="28" fill="hold">
+                                  <p:stCondLst>
+                                    <p:cond delay="0"/>
+                                  </p:stCondLst>
+                                  <p:iterate type="el" backwards="0">
+                                    <p:tmAbs val="0"/>
+                                  </p:iterate>
+                                  <p:childTnLst>
+                                    <p:set>
+                                      <p:cBhvr>
+                                        <p:cTn id="128" fill="hold"/>
+                                        <p:tgtEl>
+                                          <p:spTgt spid="254"/>
+                                        </p:tgtEl>
+                                        <p:attrNameLst>
+                                          <p:attrName>style.visibility</p:attrName>
+                                        </p:attrNameLst>
+                                      </p:cBhvr>
+                                      <p:to>
+                                        <p:strVal val="visible"/>
+                                      </p:to>
+                                    </p:set>
+                                  </p:childTnLst>
+                                </p:cTn>
+                              </p:par>
+                            </p:childTnLst>
+                          </p:cTn>
+                        </p:par>
+                      </p:childTnLst>
+                    </p:cTn>
+                  </p:par>
+                  <p:par>
+                    <p:cTn id="129" fill="hold">
+                      <p:stCondLst>
+                        <p:cond delay="indefinite"/>
+                      </p:stCondLst>
+                      <p:childTnLst>
+                        <p:par>
+                          <p:cTn id="130" fill="hold">
+                            <p:stCondLst>
+                              <p:cond delay="0"/>
+                            </p:stCondLst>
+                            <p:childTnLst>
+                              <p:par>
+                                <p:cTn id="131" presetClass="entr" nodeType="clickEffect" presetSubtype="0" presetID="1" grpId="29" fill="hold">
+                                  <p:stCondLst>
+                                    <p:cond delay="0"/>
+                                  </p:stCondLst>
+                                  <p:iterate type="el" backwards="0">
+                                    <p:tmAbs val="0"/>
+                                  </p:iterate>
+                                  <p:childTnLst>
+                                    <p:set>
+                                      <p:cBhvr>
+                                        <p:cTn id="132" fill="hold"/>
+                                        <p:tgtEl>
+                                          <p:spTgt spid="252"/>
+                                        </p:tgtEl>
+                                        <p:attrNameLst>
+                                          <p:attrName>style.visibility</p:attrName>
+                                        </p:attrNameLst>
+                                      </p:cBhvr>
+                                      <p:to>
+                                        <p:strVal val="visible"/>
+                                      </p:to>
+                                    </p:set>
+                                  </p:childTnLst>
+                                </p:cTn>
+                              </p:par>
+                            </p:childTnLst>
+                          </p:cTn>
+                        </p:par>
+                      </p:childTnLst>
+                    </p:cTn>
+                  </p:par>
+                  <p:par>
+                    <p:cTn id="133" fill="hold">
+                      <p:stCondLst>
+                        <p:cond delay="indefinite"/>
+                      </p:stCondLst>
+                      <p:childTnLst>
+                        <p:par>
+                          <p:cTn id="134" fill="hold">
+                            <p:stCondLst>
+                              <p:cond delay="0"/>
+                            </p:stCondLst>
+                            <p:childTnLst>
+                              <p:par>
+                                <p:cTn id="135" presetClass="entr" nodeType="clickEffect" presetSubtype="0" presetID="1" grpId="30" fill="hold">
+                                  <p:stCondLst>
+                                    <p:cond delay="0"/>
+                                  </p:stCondLst>
+                                  <p:iterate type="el" backwards="0">
+                                    <p:tmAbs val="0"/>
+                                  </p:iterate>
+                                  <p:childTnLst>
+                                    <p:set>
+                                      <p:cBhvr>
+                                        <p:cTn id="136" fill="hold"/>
+                                        <p:tgtEl>
+                                          <p:spTgt spid="275"/>
+                                        </p:tgtEl>
+                                        <p:attrNameLst>
+                                          <p:attrName>style.visibility</p:attrName>
+                                        </p:attrNameLst>
+                                      </p:cBhvr>
+                                      <p:to>
+                                        <p:strVal val="visible"/>
+                                      </p:to>
+                                    </p:set>
+                                  </p:childTnLst>
+                                </p:cTn>
+                              </p:par>
+                            </p:childTnLst>
+                          </p:cTn>
+                        </p:par>
+                      </p:childTnLst>
+                    </p:cTn>
+                  </p:par>
+                </p:childTnLst>
+              </p:cTn>
+              <p:prevCondLst>
+                <p:cond evt="onPrev">
+                  <p:tgtEl>
+                    <p:sldTgt/>
+                  </p:tgtEl>
+                </p:cond>
+              </p:prevCondLst>
+              <p:nextCondLst>
+                <p:cond evt="onNext">
+                  <p:tgtEl>
+                    <p:sldTgt/>
+                  </p:tgtEl>
+                </p:cond>
+              </p:nextCondLst>
+            </p:seq>
+          </p:childTnLst>
+        </p:cTn>
+      </p:par>
+    </p:tnLst>
+    <p:bldLst>
+      <p:bldP build="whole" bldLvl="1" animBg="1" rev="0" advAuto="0" spid="272" grpId="10"/>
+      <p:bldP build="whole" bldLvl="1" animBg="1" rev="0" advAuto="0" spid="245" grpId="23"/>
+      <p:bldP build="p" bldLvl="5" animBg="1" rev="0" advAuto="0" spid="217" grpId="1"/>
+      <p:bldP build="whole" bldLvl="1" animBg="1" rev="0" advAuto="0" spid="250" grpId="18"/>
+      <p:bldP build="whole" bldLvl="1" animBg="1" rev="0" advAuto="0" spid="275" grpId="30"/>
+      <p:bldP build="whole" bldLvl="1" animBg="1" rev="0" advAuto="0" spid="230" grpId="3"/>
+      <p:bldP build="whole" bldLvl="1" animBg="1" rev="0" advAuto="0" spid="238" grpId="16"/>
+      <p:bldP build="whole" bldLvl="1" animBg="1" rev="0" advAuto="0" spid="236" grpId="13"/>
+      <p:bldP build="whole" bldLvl="1" animBg="1" rev="0" advAuto="0" spid="237" grpId="14"/>
+      <p:bldP build="whole" bldLvl="1" animBg="1" rev="0" advAuto="0" spid="224" grpId="9"/>
+      <p:bldP build="whole" bldLvl="1" animBg="1" rev="0" advAuto="0" spid="241" grpId="15"/>
+      <p:bldP build="whole" bldLvl="1" animBg="1" rev="0" advAuto="0" spid="261" grpId="27"/>
+      <p:bldP build="whole" bldLvl="1" animBg="1" rev="0" advAuto="0" spid="244" grpId="20"/>
+      <p:bldP build="whole" bldLvl="1" animBg="1" rev="0" advAuto="0" spid="222" grpId="5"/>
+      <p:bldP build="whole" bldLvl="1" animBg="1" rev="0" advAuto="0" spid="260" grpId="25"/>
+      <p:bldP build="whole" bldLvl="1" animBg="1" rev="0" advAuto="0" spid="221" grpId="4"/>
+      <p:bldP build="whole" bldLvl="1" animBg="1" rev="0" advAuto="0" spid="242" grpId="22"/>
+      <p:bldP build="whole" bldLvl="1" animBg="1" rev="0" advAuto="0" spid="223" grpId="6"/>
+      <p:bldP build="whole" bldLvl="1" animBg="1" rev="0" advAuto="0" spid="254" grpId="28"/>
+      <p:bldP build="whole" bldLvl="1" animBg="1" rev="0" advAuto="0" spid="234" grpId="11"/>
+      <p:bldP build="whole" bldLvl="1" animBg="1" rev="0" advAuto="0" spid="229" grpId="8"/>
+      <p:bldP build="whole" bldLvl="1" animBg="1" rev="0" advAuto="0" spid="243" grpId="19"/>
+      <p:bldP build="whole" bldLvl="1" animBg="1" rev="0" advAuto="0" spid="253" grpId="26"/>
+      <p:bldP build="whole" bldLvl="1" animBg="1" rev="0" advAuto="0" spid="273" grpId="17"/>
+      <p:bldP build="whole" bldLvl="1" animBg="1" rev="0" advAuto="0" spid="251" grpId="21"/>
+      <p:bldP build="whole" bldLvl="1" animBg="1" rev="0" advAuto="0" spid="235" grpId="12"/>
+      <p:bldP build="whole" bldLvl="1" animBg="1" rev="0" advAuto="0" spid="274" grpId="24"/>
+      <p:bldP build="whole" bldLvl="1" animBg="1" rev="0" advAuto="0" spid="225" grpId="7"/>
+      <p:bldP build="whole" bldLvl="1" animBg="1" rev="0" advAuto="0" spid="252" grpId="29"/>
+      <p:bldP build="whole" bldLvl="1" animBg="1" rev="0" advAuto="0" spid="271" grpId="2"/>
+    </p:bldLst>
+  </p:timing>
+</p:sld>
+</file>
+
+<file path=ppt/slides/slide13.xml><?xml version="1.0" encoding="utf-8"?>
+<p:sld xmlns:a="http://schemas.openxmlformats.org/drawingml/2006/main" xmlns:r="http://schemas.openxmlformats.org/officeDocument/2006/relationships" xmlns:p="http://schemas.openxmlformats.org/presentationml/2006/main" xmlns:m="http://schemas.openxmlformats.org/officeDocument/2006/math" xmlns:a14="http://schemas.microsoft.com/office/drawing/2010/main" showMasterSp="1" showMasterPhAnim="1">
+  <p:cSld>
+    <p:spTree>
+      <p:nvGrpSpPr>
+        <p:cNvPr id="1" name=""/>
+        <p:cNvGrpSpPr/>
+        <p:nvPr/>
+      </p:nvGrpSpPr>
+      <p:grpSpPr>
+        <a:xfrm>
+          <a:off x="0" y="0"/>
+          <a:ext cx="0" cy="0"/>
+          <a:chOff x="0" y="0"/>
+          <a:chExt cx="0" cy="0"/>
+        </a:xfrm>
+      </p:grpSpPr>
+      <p:sp>
+        <p:nvSpPr>
+          <p:cNvPr id="277" name="3-way MergeSort"/>
+          <p:cNvSpPr txBox="1"/>
+          <p:nvPr>
+            <p:ph type="title"/>
+          </p:nvPr>
+        </p:nvSpPr>
+        <p:spPr>
+          <a:prstGeom prst="rect">
+            <a:avLst/>
+          </a:prstGeom>
+        </p:spPr>
+        <p:txBody>
+          <a:bodyPr/>
+          <a:lstStyle/>
+          <a:p>
+            <a:pPr/>
+            <a:r>
+              <a:t>3-way MergeSort</a:t>
+            </a:r>
+          </a:p>
+        </p:txBody>
+      </p:sp>
+      <p:sp>
+        <p:nvSpPr>
+          <p:cNvPr id="278" name="Divide into 3 parts…"/>
+          <p:cNvSpPr txBox="1"/>
+          <p:nvPr>
+            <p:ph type="body" idx="1"/>
+          </p:nvPr>
+        </p:nvSpPr>
+        <p:spPr>
+          <a:prstGeom prst="rect">
+            <a:avLst/>
+          </a:prstGeom>
+        </p:spPr>
+        <p:txBody>
+          <a:bodyPr/>
+          <a:lstStyle/>
+          <a:p>
+            <a:pPr/>
+            <a:r>
+              <a:t>Divide into 3 parts</a:t>
+            </a:r>
+          </a:p>
+          <a:p>
+            <a:pPr/>
+            <a:r>
+              <a:t>Mergesort each part separately</a:t>
+            </a:r>
+          </a:p>
+          <a:p>
+            <a:pPr/>
+            <a:r>
+              <a:t>Merge the parts.</a:t>
+            </a:r>
+          </a:p>
+          <a:p>
+            <a:pPr/>
+            <a:r>
+              <a:t>Time complexity</a:t>
+            </a:r>
+          </a:p>
+          <a:p>
+            <a:pPr/>
+          </a:p>
+          <a:p>
+            <a:pPr lvl="1" marL="0" indent="228600">
+              <a:spcBef>
+                <a:spcPts val="700"/>
+              </a:spcBef>
+              <a:buSzTx/>
+              <a:buNone/>
+              <a:defRPr sz="3200">
+                <a:latin typeface="Courier New"/>
+                <a:ea typeface="Courier New"/>
+                <a:cs typeface="Courier New"/>
+                <a:sym typeface="Courier New"/>
+              </a:defRPr>
+            </a:pPr>
+            <a:r>
+              <a:t>T(n) = 3T(n) + O(n)</a:t>
+            </a:r>
+          </a:p>
+          <a:p>
+            <a:pPr lvl="1" marL="0" indent="228600">
+              <a:spcBef>
+                <a:spcPts val="700"/>
+              </a:spcBef>
+              <a:buSzTx/>
+              <a:buNone/>
+              <a:defRPr sz="3200">
+                <a:latin typeface="Courier New"/>
+                <a:ea typeface="Courier New"/>
+                <a:cs typeface="Courier New"/>
+                <a:sym typeface="Courier New"/>
+              </a:defRPr>
+            </a:pPr>
+          </a:p>
+          <a:p>
+            <a:pPr lvl="6" marL="0" indent="1371600">
+              <a:buSzTx/>
+              <a:buNone/>
+              <a:defRPr>
+                <a:latin typeface="Courier New"/>
+                <a:ea typeface="Courier New"/>
+                <a:cs typeface="Courier New"/>
+                <a:sym typeface="Courier New"/>
+              </a:defRPr>
+            </a:pPr>
+            <a:r>
+              <a:t>= O(log</a:t>
+            </a:r>
+            <a:r>
+              <a:rPr baseline="-5999"/>
+              <a:t>3</a:t>
+            </a:r>
+            <a:r>
+              <a:t>n)</a:t>
+            </a:r>
+          </a:p>
+        </p:txBody>
+      </p:sp>
+      <p:sp>
+        <p:nvSpPr>
+          <p:cNvPr id="279" name="Slide Number"/>
+          <p:cNvSpPr txBox="1"/>
+          <p:nvPr>
+            <p:ph type="sldNum" sz="quarter" idx="2"/>
+          </p:nvPr>
+        </p:nvSpPr>
+        <p:spPr>
+          <a:prstGeom prst="rect">
+            <a:avLst/>
+          </a:prstGeom>
+          <a:extLst>
+            <a:ext uri="{C572A759-6A51-4108-AA02-DFA0A04FC94B}">
+              <ma14:wrappingTextBoxFlag xmlns:ma14="http://schemas.microsoft.com/office/mac/drawingml/2011/main" val="1"/>
+            </a:ext>
+          </a:extLst>
+        </p:spPr>
+        <p:txBody>
+          <a:bodyPr/>
+          <a:lstStyle/>
+          <a:p>
+            <a:pPr/>
+            <a:fld id="{86CB4B4D-7CA3-9044-876B-883B54F8677D}" type="slidenum"/>
+          </a:p>
+        </p:txBody>
+      </p:sp>
+      <p:sp>
+        <p:nvSpPr>
+          <p:cNvPr id="280" name="DAA/Divide and Conquer"/>
+          <p:cNvSpPr txBox="1"/>
+          <p:nvPr/>
+        </p:nvSpPr>
+        <p:spPr>
+          <a:xfrm>
+            <a:off x="423212" y="6963885"/>
+            <a:ext cx="3371712" cy="431552"/>
+          </a:xfrm>
+          <a:prstGeom prst="rect">
+            <a:avLst/>
+          </a:prstGeom>
+          <a:ln w="12700">
+            <a:miter lim="400000"/>
+          </a:ln>
+          <a:extLst>
+            <a:ext uri="{C572A759-6A51-4108-AA02-DFA0A04FC94B}">
+              <ma14:wrappingTextBoxFlag xmlns:ma14="http://schemas.microsoft.com/office/mac/drawingml/2011/main" val="1"/>
+            </a:ext>
+          </a:extLst>
+        </p:spPr>
+        <p:txBody>
+          <a:bodyPr wrap="none" lIns="50800" tIns="50800" rIns="50800" bIns="50800" anchor="ctr">
+            <a:spAutoFit/>
+          </a:bodyPr>
+          <a:lstStyle>
+            <a:lvl1pPr>
+              <a:defRPr sz="2400"/>
+            </a:lvl1pPr>
+          </a:lstStyle>
+          <a:p>
+            <a:pPr/>
+            <a:r>
+              <a:t>DAA/Divide and Conquer</a:t>
+            </a:r>
+          </a:p>
+        </p:txBody>
+      </p:sp>
+      <p:sp>
+        <p:nvSpPr>
+          <p:cNvPr id="281" name="RPR/"/>
+          <p:cNvSpPr txBox="1"/>
+          <p:nvPr/>
+        </p:nvSpPr>
+        <p:spPr>
+          <a:xfrm>
+            <a:off x="7535212" y="6988206"/>
+            <a:ext cx="705605" cy="382910"/>
+          </a:xfrm>
+          <a:prstGeom prst="rect">
+            <a:avLst/>
+          </a:prstGeom>
+          <a:ln w="12700">
+            <a:miter lim="400000"/>
+          </a:ln>
+          <a:extLst>
+            <a:ext uri="{C572A759-6A51-4108-AA02-DFA0A04FC94B}">
+              <ma14:wrappingTextBoxFlag xmlns:ma14="http://schemas.microsoft.com/office/mac/drawingml/2011/main" val="1"/>
+            </a:ext>
+          </a:extLst>
+        </p:spPr>
+        <p:txBody>
+          <a:bodyPr wrap="none" lIns="50800" tIns="50800" rIns="50800" bIns="50800" anchor="ctr">
+            <a:spAutoFit/>
+          </a:bodyPr>
+          <a:lstStyle>
+            <a:lvl1pPr>
+              <a:defRPr sz="2000"/>
+            </a:lvl1pPr>
+          </a:lstStyle>
+          <a:p>
+            <a:pPr/>
+            <a:r>
+              <a:t>RPR/</a:t>
+            </a:r>
+          </a:p>
+        </p:txBody>
+      </p:sp>
+    </p:spTree>
+  </p:cSld>
+  <p:clrMapOvr>
+    <a:masterClrMapping/>
+  </p:clrMapOvr>
+  <p:transition xmlns:p14="http://schemas.microsoft.com/office/powerpoint/2010/main" spd="med" advClick="1"/>
+  <p:timing>
+    <p:tnLst>
+      <p:par>
+        <p:cTn id="1" nodeType="tmRoot" restart="never" dur="indefinite" fill="hold">
+          <p:childTnLst>
+            <p:seq concurrent="1" prevAc="none" nextAc="seek">
+              <p:cTn id="2" nodeType="mainSeq" dur="indefinite" fill="hold">
+                <p:childTnLst>
+                  <p:par>
+                    <p:cTn id="3" fill="hold">
+                      <p:stCondLst>
+                        <p:cond delay="indefinite"/>
+                      </p:stCondLst>
+                      <p:childTnLst>
+                        <p:par>
+                          <p:cTn id="4" fill="hold">
+                            <p:stCondLst>
+                              <p:cond delay="0"/>
+                            </p:stCondLst>
+                            <p:childTnLst>
+                              <p:par>
+                                <p:cTn id="5" presetClass="entr" nodeType="clickEffect" presetSubtype="0" presetID="1" grpId="1" fill="hold">
+                                  <p:stCondLst>
+                                    <p:cond delay="0"/>
+                                  </p:stCondLst>
+                                  <p:iterate type="el" backwards="0">
+                                    <p:tmAbs val="0"/>
+                                  </p:iterate>
+                                  <p:childTnLst>
+                                    <p:set>
+                                      <p:cBhvr>
+                                        <p:cTn id="6" fill="hold"/>
+                                        <p:tgtEl>
+                                          <p:spTgt spid="278">
+                                            <p:bg/>
+                                          </p:spTgt>
+                                        </p:tgtEl>
+                                        <p:attrNameLst>
+                                          <p:attrName>style.visibility</p:attrName>
+                                        </p:attrNameLst>
+                                      </p:cBhvr>
+                                      <p:to>
+                                        <p:strVal val="visible"/>
+                                      </p:to>
+                                    </p:set>
+                                  </p:childTnLst>
+                                </p:cTn>
+                              </p:par>
+                              <p:par>
+                                <p:cTn id="7" presetClass="entr" nodeType="withEffect" presetSubtype="0" presetID="1" grpId="1" fill="hold">
+                                  <p:stCondLst>
+                                    <p:cond delay="0"/>
+                                  </p:stCondLst>
+                                  <p:iterate type="el" backwards="0">
+                                    <p:tmAbs val="0"/>
+                                  </p:iterate>
+                                  <p:childTnLst>
+                                    <p:set>
+                                      <p:cBhvr>
+                                        <p:cTn id="8" fill="hold"/>
+                                        <p:tgtEl>
+                                          <p:spTgt spid="278">
+                                            <p:txEl>
+                                              <p:pRg st="0" end="0"/>
+                                            </p:txEl>
+                                          </p:spTgt>
+                                        </p:tgtEl>
+                                        <p:attrNameLst>
+                                          <p:attrName>style.visibility</p:attrName>
+                                        </p:attrNameLst>
+                                      </p:cBhvr>
+                                      <p:to>
+                                        <p:strVal val="visible"/>
+                                      </p:to>
+                                    </p:set>
+                                  </p:childTnLst>
+                                </p:cTn>
+                              </p:par>
+                            </p:childTnLst>
+                          </p:cTn>
+                        </p:par>
+                      </p:childTnLst>
+                    </p:cTn>
+                  </p:par>
+                  <p:par>
+                    <p:cTn id="9" fill="hold">
+                      <p:stCondLst>
+                        <p:cond delay="indefinite"/>
+                      </p:stCondLst>
+                      <p:childTnLst>
+                        <p:par>
+                          <p:cTn id="10" fill="hold">
+                            <p:stCondLst>
+                              <p:cond delay="0"/>
+                            </p:stCondLst>
+                            <p:childTnLst>
+                              <p:par>
+                                <p:cTn id="11" presetClass="entr" nodeType="clickEffect" presetSubtype="0" presetID="1" grpId="1" fill="hold">
+                                  <p:stCondLst>
+                                    <p:cond delay="0"/>
+                                  </p:stCondLst>
+                                  <p:iterate type="el" backwards="0">
+                                    <p:tmAbs val="0"/>
+                                  </p:iterate>
+                                  <p:childTnLst>
+                                    <p:set>
+                                      <p:cBhvr>
+                                        <p:cTn id="12" fill="hold"/>
+                                        <p:tgtEl>
+                                          <p:spTgt spid="278">
+                                            <p:txEl>
+                                              <p:pRg st="1" end="1"/>
+                                            </p:txEl>
+                                          </p:spTgt>
+                                        </p:tgtEl>
+                                        <p:attrNameLst>
+                                          <p:attrName>style.visibility</p:attrName>
+                                        </p:attrNameLst>
+                                      </p:cBhvr>
+                                      <p:to>
+                                        <p:strVal val="visible"/>
+                                      </p:to>
+                                    </p:set>
+                                  </p:childTnLst>
+                                </p:cTn>
+                              </p:par>
+                            </p:childTnLst>
+                          </p:cTn>
+                        </p:par>
+                      </p:childTnLst>
+                    </p:cTn>
+                  </p:par>
+                  <p:par>
+                    <p:cTn id="13" fill="hold">
+                      <p:stCondLst>
+                        <p:cond delay="indefinite"/>
+                      </p:stCondLst>
+                      <p:childTnLst>
+                        <p:par>
+                          <p:cTn id="14" fill="hold">
+                            <p:stCondLst>
+                              <p:cond delay="0"/>
+                            </p:stCondLst>
+                            <p:childTnLst>
+                              <p:par>
+                                <p:cTn id="15" presetClass="entr" nodeType="clickEffect" presetSubtype="0" presetID="1" grpId="1" fill="hold">
+                                  <p:stCondLst>
+                                    <p:cond delay="0"/>
+                                  </p:stCondLst>
+                                  <p:iterate type="el" backwards="0">
+                                    <p:tmAbs val="0"/>
+                                  </p:iterate>
+                                  <p:childTnLst>
+                                    <p:set>
+                                      <p:cBhvr>
+                                        <p:cTn id="16" fill="hold"/>
+                                        <p:tgtEl>
+                                          <p:spTgt spid="278">
+                                            <p:txEl>
+                                              <p:pRg st="2" end="2"/>
+                                            </p:txEl>
+                                          </p:spTgt>
+                                        </p:tgtEl>
+                                        <p:attrNameLst>
+                                          <p:attrName>style.visibility</p:attrName>
+                                        </p:attrNameLst>
+                                      </p:cBhvr>
+                                      <p:to>
+                                        <p:strVal val="visible"/>
+                                      </p:to>
+                                    </p:set>
+                                  </p:childTnLst>
+                                </p:cTn>
+                              </p:par>
+                            </p:childTnLst>
+                          </p:cTn>
+                        </p:par>
+                      </p:childTnLst>
+                    </p:cTn>
+                  </p:par>
+                  <p:par>
+                    <p:cTn id="17" fill="hold">
+                      <p:stCondLst>
+                        <p:cond delay="indefinite"/>
+                      </p:stCondLst>
+                      <p:childTnLst>
+                        <p:par>
+                          <p:cTn id="18" fill="hold">
+                            <p:stCondLst>
+                              <p:cond delay="0"/>
+                            </p:stCondLst>
+                            <p:childTnLst>
+                              <p:par>
+                                <p:cTn id="19" presetClass="entr" nodeType="clickEffect" presetSubtype="0" presetID="1" grpId="1" fill="hold">
+                                  <p:stCondLst>
+                                    <p:cond delay="0"/>
+                                  </p:stCondLst>
+                                  <p:iterate type="el" backwards="0">
+                                    <p:tmAbs val="0"/>
+                                  </p:iterate>
+                                  <p:childTnLst>
+                                    <p:set>
+                                      <p:cBhvr>
+                                        <p:cTn id="20" fill="hold"/>
+                                        <p:tgtEl>
+                                          <p:spTgt spid="278">
+                                            <p:txEl>
+                                              <p:pRg st="3" end="3"/>
+                                            </p:txEl>
+                                          </p:spTgt>
+                                        </p:tgtEl>
+                                        <p:attrNameLst>
+                                          <p:attrName>style.visibility</p:attrName>
+                                        </p:attrNameLst>
+                                      </p:cBhvr>
+                                      <p:to>
+                                        <p:strVal val="visible"/>
+                                      </p:to>
+                                    </p:set>
+                                  </p:childTnLst>
+                                </p:cTn>
+                              </p:par>
+                            </p:childTnLst>
+                          </p:cTn>
+                        </p:par>
+                      </p:childTnLst>
+                    </p:cTn>
+                  </p:par>
+                  <p:par>
+                    <p:cTn id="21" fill="hold">
+                      <p:stCondLst>
+                        <p:cond delay="indefinite"/>
+                      </p:stCondLst>
+                      <p:childTnLst>
+                        <p:par>
+                          <p:cTn id="22" fill="hold">
+                            <p:stCondLst>
+                              <p:cond delay="0"/>
+                            </p:stCondLst>
+                            <p:childTnLst>
+                              <p:par>
+                                <p:cTn id="23" presetClass="entr" nodeType="clickEffect" presetSubtype="0" presetID="1" grpId="1" fill="hold">
+                                  <p:stCondLst>
+                                    <p:cond delay="0"/>
+                                  </p:stCondLst>
+                                  <p:iterate type="el" backwards="0">
+                                    <p:tmAbs val="0"/>
+                                  </p:iterate>
+                                  <p:childTnLst>
+                                    <p:set>
+                                      <p:cBhvr>
+                                        <p:cTn id="24" fill="hold"/>
+                                        <p:tgtEl>
+                                          <p:spTgt spid="278">
+                                            <p:txEl>
+                                              <p:pRg st="4" end="4"/>
+                                            </p:txEl>
+                                          </p:spTgt>
+                                        </p:tgtEl>
+                                        <p:attrNameLst>
+                                          <p:attrName>style.visibility</p:attrName>
+                                        </p:attrNameLst>
+                                      </p:cBhvr>
+                                      <p:to>
+                                        <p:strVal val="visible"/>
+                                      </p:to>
+                                    </p:set>
+                                  </p:childTnLst>
+                                </p:cTn>
+                              </p:par>
+                            </p:childTnLst>
+                          </p:cTn>
+                        </p:par>
+                      </p:childTnLst>
+                    </p:cTn>
+                  </p:par>
+                  <p:par>
+                    <p:cTn id="25" fill="hold">
+                      <p:stCondLst>
+                        <p:cond delay="indefinite"/>
+                      </p:stCondLst>
+                      <p:childTnLst>
+                        <p:par>
+                          <p:cTn id="26" fill="hold">
+                            <p:stCondLst>
+                              <p:cond delay="0"/>
+                            </p:stCondLst>
+                            <p:childTnLst>
+                              <p:par>
+                                <p:cTn id="27" presetClass="entr" nodeType="clickEffect" presetSubtype="0" presetID="1" grpId="1" fill="hold">
+                                  <p:stCondLst>
+                                    <p:cond delay="0"/>
+                                  </p:stCondLst>
+                                  <p:iterate type="el" backwards="0">
+                                    <p:tmAbs val="0"/>
+                                  </p:iterate>
+                                  <p:childTnLst>
+                                    <p:set>
+                                      <p:cBhvr>
+                                        <p:cTn id="28" fill="hold"/>
+                                        <p:tgtEl>
+                                          <p:spTgt spid="278">
+                                            <p:txEl>
+                                              <p:pRg st="5" end="5"/>
+                                            </p:txEl>
+                                          </p:spTgt>
+                                        </p:tgtEl>
+                                        <p:attrNameLst>
+                                          <p:attrName>style.visibility</p:attrName>
+                                        </p:attrNameLst>
+                                      </p:cBhvr>
+                                      <p:to>
+                                        <p:strVal val="visible"/>
+                                      </p:to>
+                                    </p:set>
+                                  </p:childTnLst>
+                                </p:cTn>
+                              </p:par>
+                            </p:childTnLst>
+                          </p:cTn>
+                        </p:par>
+                      </p:childTnLst>
+                    </p:cTn>
+                  </p:par>
+                  <p:par>
+                    <p:cTn id="29" fill="hold">
+                      <p:stCondLst>
+                        <p:cond delay="indefinite"/>
+                      </p:stCondLst>
+                      <p:childTnLst>
+                        <p:par>
+                          <p:cTn id="30" fill="hold">
+                            <p:stCondLst>
+                              <p:cond delay="0"/>
+                            </p:stCondLst>
+                            <p:childTnLst>
+                              <p:par>
+                                <p:cTn id="31" presetClass="entr" nodeType="clickEffect" presetSubtype="0" presetID="1" grpId="1" fill="hold">
+                                  <p:stCondLst>
+                                    <p:cond delay="0"/>
+                                  </p:stCondLst>
+                                  <p:iterate type="el" backwards="0">
+                                    <p:tmAbs val="0"/>
+                                  </p:iterate>
+                                  <p:childTnLst>
+                                    <p:set>
+                                      <p:cBhvr>
+                                        <p:cTn id="32" fill="hold"/>
+                                        <p:tgtEl>
+                                          <p:spTgt spid="278">
+                                            <p:txEl>
+                                              <p:pRg st="6" end="6"/>
+                                            </p:txEl>
+                                          </p:spTgt>
+                                        </p:tgtEl>
+                                        <p:attrNameLst>
+                                          <p:attrName>style.visibility</p:attrName>
+                                        </p:attrNameLst>
+                                      </p:cBhvr>
+                                      <p:to>
+                                        <p:strVal val="visible"/>
+                                      </p:to>
+                                    </p:set>
+                                  </p:childTnLst>
+                                </p:cTn>
+                              </p:par>
+                            </p:childTnLst>
+                          </p:cTn>
+                        </p:par>
+                      </p:childTnLst>
+                    </p:cTn>
+                  </p:par>
+                  <p:par>
+                    <p:cTn id="33" fill="hold">
+                      <p:stCondLst>
+                        <p:cond delay="indefinite"/>
+                      </p:stCondLst>
+                      <p:childTnLst>
+                        <p:par>
+                          <p:cTn id="34" fill="hold">
+                            <p:stCondLst>
+                              <p:cond delay="0"/>
+                            </p:stCondLst>
+                            <p:childTnLst>
+                              <p:par>
+                                <p:cTn id="35" presetClass="entr" nodeType="clickEffect" presetSubtype="0" presetID="1" grpId="1" fill="hold">
+                                  <p:stCondLst>
+                                    <p:cond delay="0"/>
+                                  </p:stCondLst>
+                                  <p:iterate type="el" backwards="0">
+                                    <p:tmAbs val="0"/>
+                                  </p:iterate>
+                                  <p:childTnLst>
+                                    <p:set>
+                                      <p:cBhvr>
+                                        <p:cTn id="36" fill="hold"/>
+                                        <p:tgtEl>
+                                          <p:spTgt spid="278">
+                                            <p:txEl>
+                                              <p:pRg st="7" end="7"/>
+                                            </p:txEl>
+                                          </p:spTgt>
+                                        </p:tgtEl>
+                                        <p:attrNameLst>
+                                          <p:attrName>style.visibility</p:attrName>
+                                        </p:attrNameLst>
+                                      </p:cBhvr>
+                                      <p:to>
+                                        <p:strVal val="visible"/>
+                                      </p:to>
+                                    </p:set>
+                                  </p:childTnLst>
+                                </p:cTn>
+                              </p:par>
+                            </p:childTnLst>
+                          </p:cTn>
+                        </p:par>
+                      </p:childTnLst>
+                    </p:cTn>
+                  </p:par>
+                </p:childTnLst>
+              </p:cTn>
+              <p:prevCondLst>
+                <p:cond evt="onPrev">
+                  <p:tgtEl>
+                    <p:sldTgt/>
+                  </p:tgtEl>
+                </p:cond>
+              </p:prevCondLst>
+              <p:nextCondLst>
+                <p:cond evt="onNext">
+                  <p:tgtEl>
+                    <p:sldTgt/>
+                  </p:tgtEl>
+                </p:cond>
+              </p:nextCondLst>
+            </p:seq>
+          </p:childTnLst>
+        </p:cTn>
+      </p:par>
+    </p:tnLst>
+    <p:bldLst>
+      <p:bldP build="p" bldLvl="5" animBg="1" rev="0" advAuto="0" spid="278" grpId="1"/>
+    </p:bldLst>
+  </p:timing>
+</p:sld>
+</file>
+
+<file path=ppt/slides/slide14.xml><?xml version="1.0" encoding="utf-8"?>
+<p:sld xmlns:a="http://schemas.openxmlformats.org/drawingml/2006/main" xmlns:r="http://schemas.openxmlformats.org/officeDocument/2006/relationships" xmlns:p="http://schemas.openxmlformats.org/presentationml/2006/main" xmlns:m="http://schemas.openxmlformats.org/officeDocument/2006/math" xmlns:a14="http://schemas.microsoft.com/office/drawing/2010/main" showMasterSp="1" showMasterPhAnim="1">
+  <p:cSld>
+    <p:spTree>
+      <p:nvGrpSpPr>
+        <p:cNvPr id="1" name=""/>
+        <p:cNvGrpSpPr/>
+        <p:nvPr/>
+      </p:nvGrpSpPr>
+      <p:grpSpPr>
+        <a:xfrm>
+          <a:off x="0" y="0"/>
+          <a:ext cx="0" cy="0"/>
+          <a:chOff x="0" y="0"/>
+          <a:chExt cx="0" cy="0"/>
+        </a:xfrm>
+      </p:grpSpPr>
+      <p:sp>
+        <p:nvSpPr>
+          <p:cNvPr id="283" name="Summary"/>
+          <p:cNvSpPr txBox="1"/>
+          <p:nvPr>
+            <p:ph type="title"/>
+          </p:nvPr>
+        </p:nvSpPr>
+        <p:spPr>
+          <a:prstGeom prst="rect">
+            <a:avLst/>
+          </a:prstGeom>
+        </p:spPr>
+        <p:txBody>
+          <a:bodyPr/>
+          <a:lstStyle/>
+          <a:p>
+            <a:pPr/>
+            <a:r>
+              <a:t>Summary</a:t>
+            </a:r>
+          </a:p>
+        </p:txBody>
+      </p:sp>
+      <p:sp>
+        <p:nvSpPr>
+          <p:cNvPr id="284" name="Mergesort…"/>
+          <p:cNvSpPr txBox="1"/>
+          <p:nvPr>
+            <p:ph type="body" idx="1"/>
+          </p:nvPr>
+        </p:nvSpPr>
+        <p:spPr>
+          <a:prstGeom prst="rect">
+            <a:avLst/>
+          </a:prstGeom>
+        </p:spPr>
+        <p:txBody>
+          <a:bodyPr/>
+          <a:lstStyle/>
+          <a:p>
+            <a:pPr/>
+            <a:r>
+              <a:t>Mergesort</a:t>
+            </a:r>
+          </a:p>
+          <a:p>
+            <a:pPr lvl="1"/>
+            <a:r>
+              <a:t>Not in place sort</a:t>
+            </a:r>
+          </a:p>
+          <a:p>
+            <a:pPr lvl="1"/>
+            <a:r>
+              <a:t>Stable sort</a:t>
+            </a:r>
+          </a:p>
+        </p:txBody>
+      </p:sp>
+      <p:sp>
+        <p:nvSpPr>
+          <p:cNvPr id="285" name="Slide Number"/>
+          <p:cNvSpPr txBox="1"/>
+          <p:nvPr>
+            <p:ph type="sldNum" sz="quarter" idx="2"/>
+          </p:nvPr>
+        </p:nvSpPr>
+        <p:spPr>
+          <a:prstGeom prst="rect">
+            <a:avLst/>
+          </a:prstGeom>
+          <a:extLst>
+            <a:ext uri="{C572A759-6A51-4108-AA02-DFA0A04FC94B}">
+              <ma14:wrappingTextBoxFlag xmlns:ma14="http://schemas.microsoft.com/office/mac/drawingml/2011/main" val="1"/>
+            </a:ext>
+          </a:extLst>
+        </p:spPr>
+        <p:txBody>
+          <a:bodyPr/>
+          <a:lstStyle/>
+          <a:p>
+            <a:pPr/>
+            <a:fld id="{86CB4B4D-7CA3-9044-876B-883B54F8677D}" type="slidenum"/>
+          </a:p>
+        </p:txBody>
+      </p:sp>
+      <p:sp>
+        <p:nvSpPr>
+          <p:cNvPr id="286" name="DAA/Divide and Conquer"/>
+          <p:cNvSpPr txBox="1"/>
+          <p:nvPr/>
+        </p:nvSpPr>
+        <p:spPr>
+          <a:xfrm>
+            <a:off x="423212" y="6963885"/>
+            <a:ext cx="3371712" cy="431552"/>
+          </a:xfrm>
+          <a:prstGeom prst="rect">
+            <a:avLst/>
+          </a:prstGeom>
+          <a:ln w="12700">
+            <a:miter lim="400000"/>
+          </a:ln>
+          <a:extLst>
+            <a:ext uri="{C572A759-6A51-4108-AA02-DFA0A04FC94B}">
+              <ma14:wrappingTextBoxFlag xmlns:ma14="http://schemas.microsoft.com/office/mac/drawingml/2011/main" val="1"/>
+            </a:ext>
+          </a:extLst>
+        </p:spPr>
+        <p:txBody>
+          <a:bodyPr wrap="none" lIns="50800" tIns="50800" rIns="50800" bIns="50800" anchor="ctr">
+            <a:spAutoFit/>
+          </a:bodyPr>
+          <a:lstStyle>
+            <a:lvl1pPr>
+              <a:defRPr sz="2400"/>
+            </a:lvl1pPr>
+          </a:lstStyle>
+          <a:p>
+            <a:pPr/>
+            <a:r>
+              <a:t>DAA/Divide and Conquer</a:t>
+            </a:r>
+          </a:p>
+        </p:txBody>
+      </p:sp>
+      <p:sp>
+        <p:nvSpPr>
+          <p:cNvPr id="287" name="RPR/"/>
           <p:cNvSpPr txBox="1"/>
           <p:nvPr/>
         </p:nvSpPr>
@@ -12067,53 +16835,53 @@
       </p:par>
     </p:tnLst>
     <p:bldLst>
-      <p:bldP build="whole" bldLvl="1" animBg="1" rev="0" advAuto="0" spid="129" grpId="30"/>
-      <p:bldP build="whole" bldLvl="1" animBg="1" rev="0" advAuto="0" spid="138" grpId="34"/>
+      <p:bldP build="whole" bldLvl="1" animBg="1" rev="0" advAuto="0" spid="119" grpId="14"/>
+      <p:bldP build="whole" bldLvl="1" animBg="1" rev="0" advAuto="0" spid="123" grpId="24"/>
+      <p:bldP build="whole" bldLvl="1" animBg="1" rev="0" advAuto="0" spid="132" grpId="33"/>
       <p:bldP build="whole" bldLvl="1" animBg="1" rev="0" advAuto="0" spid="104" grpId="6"/>
-      <p:bldP build="whole" bldLvl="1" animBg="1" rev="0" advAuto="0" spid="121" grpId="17"/>
       <p:bldP build="whole" bldLvl="1" animBg="1" rev="0" advAuto="0" spid="180" grpId="23"/>
+      <p:bldP build="whole" bldLvl="1" animBg="1" rev="0" advAuto="0" spid="150" grpId="52"/>
+      <p:bldP build="whole" bldLvl="1" animBg="1" rev="0" advAuto="0" spid="126" grpId="29"/>
+      <p:bldP build="whole" bldLvl="1" animBg="1" rev="0" advAuto="0" spid="168" grpId="50"/>
       <p:bldP build="whole" bldLvl="1" animBg="1" rev="0" advAuto="0" spid="113" grpId="15"/>
-      <p:bldP build="whole" bldLvl="1" animBg="1" rev="0" advAuto="0" spid="87" grpId="2"/>
-      <p:bldP build="whole" bldLvl="1" animBg="1" rev="0" advAuto="0" spid="165" grpId="48"/>
-      <p:bldP build="whole" bldLvl="1" animBg="1" rev="0" advAuto="0" spid="126" grpId="29"/>
-      <p:bldP build="whole" bldLvl="1" animBg="1" rev="0" advAuto="0" spid="132" grpId="33"/>
+      <p:bldP build="whole" bldLvl="1" animBg="1" rev="0" advAuto="0" spid="171" grpId="32"/>
+      <p:bldP build="whole" bldLvl="1" animBg="1" rev="0" advAuto="0" spid="122" grpId="19"/>
+      <p:bldP build="whole" bldLvl="1" animBg="1" rev="0" advAuto="0" spid="175" grpId="11"/>
+      <p:bldP build="whole" bldLvl="1" animBg="1" rev="0" advAuto="0" spid="159" grpId="44"/>
+      <p:bldP build="whole" bldLvl="1" animBg="1" rev="0" advAuto="0" spid="115" grpId="20"/>
+      <p:bldP build="whole" bldLvl="1" animBg="1" rev="0" advAuto="0" spid="88" grpId="1"/>
       <p:bldP build="whole" bldLvl="1" animBg="1" rev="0" advAuto="0" spid="97" grpId="7"/>
-      <p:bldP build="whole" bldLvl="1" animBg="1" rev="0" advAuto="0" spid="88" grpId="1"/>
-      <p:bldP build="whole" bldLvl="1" animBg="1" rev="0" advAuto="0" spid="120" grpId="12"/>
-      <p:bldP build="whole" bldLvl="1" animBg="1" rev="0" advAuto="0" spid="153" grpId="40"/>
-      <p:bldP build="whole" bldLvl="1" animBg="1" rev="0" advAuto="0" spid="147" grpId="37"/>
-      <p:bldP build="whole" bldLvl="1" animBg="1" rev="0" advAuto="0" spid="168" grpId="50"/>
-      <p:bldP build="whole" bldLvl="1" animBg="1" rev="0" advAuto="0" spid="123" grpId="24"/>
       <p:bldP build="whole" bldLvl="1" animBg="1" rev="0" advAuto="0" spid="94" grpId="3"/>
       <p:bldP build="whole" bldLvl="1" animBg="1" rev="0" advAuto="0" spid="181" grpId="26"/>
+      <p:bldP build="whole" bldLvl="1" animBg="1" rev="0" advAuto="0" spid="129" grpId="30"/>
+      <p:bldP build="whole" bldLvl="1" animBg="1" rev="0" advAuto="0" spid="121" grpId="17"/>
+      <p:bldP build="whole" bldLvl="1" animBg="1" rev="0" advAuto="0" spid="111" grpId="10"/>
+      <p:bldP build="whole" bldLvl="1" animBg="1" rev="0" advAuto="0" spid="147" grpId="37"/>
+      <p:bldP build="whole" bldLvl="1" animBg="1" rev="0" advAuto="0" spid="183" grpId="39"/>
+      <p:bldP build="whole" bldLvl="1" animBg="1" rev="0" advAuto="0" spid="156" grpId="42"/>
+      <p:bldP build="whole" bldLvl="1" animBg="1" rev="0" advAuto="0" spid="135" grpId="31"/>
       <p:bldP build="whole" bldLvl="1" animBg="1" rev="0" advAuto="0" spid="117" grpId="25"/>
-      <p:bldP build="whole" bldLvl="1" animBg="1" rev="0" advAuto="0" spid="135" grpId="31"/>
+      <p:bldP build="whole" bldLvl="1" animBg="1" rev="0" advAuto="0" spid="120" grpId="12"/>
+      <p:bldP build="whole" bldLvl="1" animBg="1" rev="0" advAuto="0" spid="95" grpId="4"/>
+      <p:bldP build="whole" bldLvl="1" animBg="1" rev="0" advAuto="0" spid="144" grpId="36"/>
+      <p:bldP build="whole" bldLvl="1" animBg="1" rev="0" advAuto="0" spid="182" grpId="28"/>
+      <p:bldP build="whole" bldLvl="1" animBg="1" rev="0" advAuto="0" spid="101" grpId="5"/>
+      <p:bldP build="whole" bldLvl="1" animBg="1" rev="0" advAuto="0" spid="138" grpId="34"/>
+      <p:bldP build="whole" bldLvl="1" animBg="1" rev="0" advAuto="0" spid="165" grpId="48"/>
+      <p:bldP build="whole" bldLvl="1" animBg="1" rev="0" advAuto="0" spid="174" grpId="54"/>
       <p:bldP build="whole" bldLvl="1" animBg="1" rev="0" advAuto="0" spid="162" grpId="46"/>
-      <p:bldP build="whole" bldLvl="1" animBg="1" rev="0" advAuto="0" spid="144" grpId="36"/>
-      <p:bldP build="whole" bldLvl="1" animBg="1" rev="0" advAuto="0" spid="95" grpId="4"/>
+      <p:bldP build="whole" bldLvl="1" animBg="1" rev="0" advAuto="0" spid="176" grpId="13"/>
+      <p:bldP build="whole" bldLvl="1" animBg="1" rev="0" advAuto="0" spid="107" grpId="8"/>
       <p:bldP build="whole" bldLvl="1" animBg="1" rev="0" advAuto="0" spid="110" grpId="9"/>
-      <p:bldP build="whole" bldLvl="1" animBg="1" rev="0" advAuto="0" spid="107" grpId="8"/>
-      <p:bldP build="whole" bldLvl="1" animBg="1" rev="0" advAuto="0" spid="124" grpId="22"/>
-      <p:bldP build="whole" bldLvl="1" animBg="1" rev="0" advAuto="0" spid="182" grpId="28"/>
-      <p:bldP build="whole" bldLvl="1" animBg="1" rev="0" advAuto="0" spid="179" grpId="21"/>
-      <p:bldP build="whole" bldLvl="1" animBg="1" rev="0" advAuto="0" spid="119" grpId="14"/>
-      <p:bldP build="whole" bldLvl="1" animBg="1" rev="0" advAuto="0" spid="184" grpId="38"/>
-      <p:bldP build="whole" bldLvl="1" animBg="1" rev="0" advAuto="0" spid="115" grpId="20"/>
-      <p:bldP build="whole" bldLvl="1" animBg="1" rev="0" advAuto="0" spid="178" grpId="18"/>
-      <p:bldP build="whole" bldLvl="1" animBg="1" rev="0" advAuto="0" spid="171" grpId="32"/>
-      <p:bldP build="whole" bldLvl="1" animBg="1" rev="0" advAuto="0" spid="174" grpId="54"/>
-      <p:bldP build="whole" bldLvl="1" animBg="1" rev="0" advAuto="0" spid="177" grpId="16"/>
-      <p:bldP build="whole" bldLvl="1" animBg="1" rev="0" advAuto="0" spid="156" grpId="42"/>
-      <p:bldP build="whole" bldLvl="1" animBg="1" rev="0" advAuto="0" spid="101" grpId="5"/>
+      <p:bldP build="whole" bldLvl="1" animBg="1" rev="0" advAuto="0" spid="87" grpId="2"/>
       <p:bldP build="whole" bldLvl="1" animBg="1" rev="0" advAuto="0" spid="125" grpId="27"/>
       <p:bldP build="whole" bldLvl="1" animBg="1" rev="0" advAuto="0" spid="141" grpId="35"/>
-      <p:bldP build="whole" bldLvl="1" animBg="1" rev="0" advAuto="0" spid="111" grpId="10"/>
-      <p:bldP build="whole" bldLvl="1" animBg="1" rev="0" advAuto="0" spid="159" grpId="44"/>
-      <p:bldP build="whole" bldLvl="1" animBg="1" rev="0" advAuto="0" spid="150" grpId="52"/>
-      <p:bldP build="whole" bldLvl="1" animBg="1" rev="0" advAuto="0" spid="175" grpId="11"/>
-      <p:bldP build="whole" bldLvl="1" animBg="1" rev="0" advAuto="0" spid="176" grpId="13"/>
-      <p:bldP build="whole" bldLvl="1" animBg="1" rev="0" advAuto="0" spid="122" grpId="19"/>
-      <p:bldP build="whole" bldLvl="1" animBg="1" rev="0" advAuto="0" spid="183" grpId="39"/>
+      <p:bldP build="whole" bldLvl="1" animBg="1" rev="0" advAuto="0" spid="177" grpId="16"/>
+      <p:bldP build="whole" bldLvl="1" animBg="1" rev="0" advAuto="0" spid="184" grpId="38"/>
+      <p:bldP build="whole" bldLvl="1" animBg="1" rev="0" advAuto="0" spid="153" grpId="40"/>
+      <p:bldP build="whole" bldLvl="1" animBg="1" rev="0" advAuto="0" spid="124" grpId="22"/>
+      <p:bldP build="whole" bldLvl="1" animBg="1" rev="0" advAuto="0" spid="178" grpId="18"/>
+      <p:bldP build="whole" bldLvl="1" animBg="1" rev="0" advAuto="0" spid="179" grpId="21"/>
     </p:bldLst>
   </p:timing>
 </p:sld>
@@ -13259,6 +18027,42 @@
               </a:rPr>
               <a:t>Merge(B,C,A) # merge two arrays</a:t>
             </a:r>
+            <a:endParaRPr>
+              <a:latin typeface="Courier New"/>
+              <a:ea typeface="Courier New"/>
+              <a:cs typeface="Courier New"/>
+              <a:sym typeface="Courier New"/>
+            </a:endParaRPr>
+          </a:p>
+          <a:p>
+            <a:pPr lvl="1" marL="0" indent="228600">
+              <a:spcBef>
+                <a:spcPts val="300"/>
+              </a:spcBef>
+              <a:buSzTx/>
+              <a:buNone/>
+            </a:pPr>
+            <a:r>
+              <a:rPr>
+                <a:latin typeface="Courier New"/>
+                <a:ea typeface="Courier New"/>
+                <a:cs typeface="Courier New"/>
+                <a:sym typeface="Courier New"/>
+              </a:rPr>
+              <a:t># else part not required,</a:t>
+            </a:r>
+            <a:r>
+              <a:rPr>
+                <a:solidFill>
+                  <a:schemeClr val="accent5"/>
+                </a:solidFill>
+                <a:latin typeface="Courier New"/>
+                <a:ea typeface="Courier New"/>
+                <a:cs typeface="Courier New"/>
+                <a:sym typeface="Courier New"/>
+              </a:rPr>
+              <a:t> why?</a:t>
+            </a:r>
           </a:p>
         </p:txBody>
       </p:sp>
@@ -13871,6 +18675,54 @@
                                           <p:spTgt spid="193">
                                             <p:txEl>
                                               <p:pRg st="9" end="9"/>
+                                            </p:txEl>
+                                          </p:spTgt>
+                                        </p:tgtEl>
+                                        <p:attrNameLst>
+                                          <p:attrName>style.visibility</p:attrName>
+                                        </p:attrNameLst>
+                                      </p:cBhvr>
+                                      <p:to>
+                                        <p:strVal val="visible"/>
+                                      </p:to>
+                                    </p:set>
+                                  </p:childTnLst>
+                                </p:cTn>
+                              </p:par>
+                            </p:childTnLst>
+                          </p:cTn>
+                        </p:par>
+                      </p:childTnLst>
+                    </p:cTn>
+                  </p:par>
+                  <p:par>
+                    <p:cTn id="45" fill="hold">
+                      <p:stCondLst>
+                        <p:cond delay="indefinite"/>
+                      </p:stCondLst>
+                      <p:childTnLst>
+                        <p:par>
+                          <p:cTn id="46" fill="hold">
+                            <p:stCondLst>
+                              <p:cond delay="0"/>
+                            </p:stCondLst>
+                            <p:childTnLst>
+                              <p:par>
+                                <p:cTn id="47" presetClass="entr" nodeType="clickEffect" presetSubtype="0" presetID="1" grpId="1" fill="hold">
+                                  <p:stCondLst>
+                                    <p:cond delay="0"/>
+                                  </p:stCondLst>
+                                  <p:iterate type="el" backwards="0">
+                                    <p:tmAbs val="0"/>
+                                  </p:iterate>
+                                  <p:childTnLst>
+                                    <p:set>
+                                      <p:cBhvr>
+                                        <p:cTn id="48" fill="hold"/>
+                                        <p:tgtEl>
+                                          <p:spTgt spid="193">
+                                            <p:txEl>
+                                              <p:pRg st="10" end="10"/>
                                             </p:txEl>
                                           </p:spTgt>
                                         </p:tgtEl>

--- a/Slides/2020-Even-DAA-L11-Divide-Conquer-MergeSort.pptx
+++ b/Slides/2020-Even-DAA-L11-Divide-Conquer-MergeSort.pptx
@@ -22,6 +22,7 @@
     <p:sldId id="267" r:id="rId19"/>
     <p:sldId id="268" r:id="rId20"/>
     <p:sldId id="269" r:id="rId21"/>
+    <p:sldId id="270" r:id="rId22"/>
   </p:sldIdLst>
   <p:sldSz cx="10160000" cy="7620000"/>
   <p:notesSz cx="6858000" cy="9144000"/>
@@ -2428,54 +2429,22 @@
           <a:p>
             <a:pPr>
               <a:spcBef>
-                <a:spcPts val="300"/>
+                <a:spcPts val="100"/>
+              </a:spcBef>
+              <a:defRPr sz="3000"/>
+            </a:pPr>
+            <a:r>
+              <a:t>Each step of Mergesort</a:t>
+            </a:r>
+          </a:p>
+          <a:p>
+            <a:pPr lvl="1" marL="700087" indent="-304800">
+              <a:spcBef>
+                <a:spcPts val="100"/>
               </a:spcBef>
             </a:pPr>
             <a:r>
-              <a:t>Each step of Mergesort</a:t>
-            </a:r>
-          </a:p>
-          <a:p>
-            <a:pPr lvl="1" marL="700087" indent="-304800">
-              <a:spcBef>
-                <a:spcPts val="300"/>
-              </a:spcBef>
-              <a:defRPr sz="3200"/>
-            </a:pPr>
-            <a:r>
               <a:t>Two recursive invocations of size </a:t>
-            </a:r>
-            <a:r>
-              <a:rPr sz="2800">
-                <a:latin typeface="Courier New"/>
-                <a:ea typeface="Courier New"/>
-                <a:cs typeface="Courier New"/>
-                <a:sym typeface="Courier New"/>
-              </a:rPr>
-              <a:t>n/2</a:t>
-            </a:r>
-            <a:r>
-              <a:rPr sz="2800"/>
-              <a:t>:  </a:t>
-            </a:r>
-            <a:r>
-              <a:rPr sz="2800">
-                <a:latin typeface="Courier New"/>
-                <a:ea typeface="Courier New"/>
-                <a:cs typeface="Courier New"/>
-                <a:sym typeface="Courier New"/>
-              </a:rPr>
-              <a:t>2T(n/2)</a:t>
-            </a:r>
-          </a:p>
-          <a:p>
-            <a:pPr lvl="1" marL="700087" indent="-304800">
-              <a:spcBef>
-                <a:spcPts val="300"/>
-              </a:spcBef>
-            </a:pPr>
-            <a:r>
-              <a:t>Merging of two </a:t>
             </a:r>
             <a:r>
               <a:rPr>
@@ -2487,6 +2456,37 @@
               <a:t>n/2</a:t>
             </a:r>
             <a:r>
+              <a:t>:  </a:t>
+            </a:r>
+            <a:r>
+              <a:rPr>
+                <a:latin typeface="Courier New"/>
+                <a:ea typeface="Courier New"/>
+                <a:cs typeface="Courier New"/>
+                <a:sym typeface="Courier New"/>
+              </a:rPr>
+              <a:t>2T(n/2)</a:t>
+            </a:r>
+          </a:p>
+          <a:p>
+            <a:pPr lvl="1" marL="700087" indent="-304799">
+              <a:spcBef>
+                <a:spcPts val="100"/>
+              </a:spcBef>
+            </a:pPr>
+            <a:r>
+              <a:t>Merging of two </a:t>
+            </a:r>
+            <a:r>
+              <a:rPr>
+                <a:latin typeface="Courier New"/>
+                <a:ea typeface="Courier New"/>
+                <a:cs typeface="Courier New"/>
+                <a:sym typeface="Courier New"/>
+              </a:rPr>
+              <a:t>n/2</a:t>
+            </a:r>
+            <a:r>
               <a:t> array into one array of size </a:t>
             </a:r>
             <a:r>
@@ -2502,9 +2502,9 @@
           <a:p>
             <a:pPr lvl="2" marL="1113744" indent="-261257">
               <a:spcBef>
-                <a:spcPts val="300"/>
+                <a:spcPts val="100"/>
               </a:spcBef>
-              <a:defRPr sz="3200"/>
+              <a:defRPr sz="3000"/>
             </a:pPr>
             <a:r>
               <a:t>Time complexity: </a:t>
@@ -2522,8 +2522,9 @@
           <a:p>
             <a:pPr>
               <a:spcBef>
-                <a:spcPts val="300"/>
+                <a:spcPts val="100"/>
               </a:spcBef>
+              <a:defRPr sz="3000"/>
             </a:pPr>
             <a:r>
               <a:t>Recurrence relation for time complexity becomes</a:t>
@@ -2532,7 +2533,7 @@
           <a:p>
             <a:pPr lvl="1" marL="0" indent="228600">
               <a:spcBef>
-                <a:spcPts val="300"/>
+                <a:spcPts val="100"/>
               </a:spcBef>
               <a:buSzTx/>
               <a:buNone/>
@@ -2550,7 +2551,7 @@
           <a:p>
             <a:pPr lvl="5" marL="0" indent="1143000">
               <a:spcBef>
-                <a:spcPts val="300"/>
+                <a:spcPts val="100"/>
               </a:spcBef>
               <a:buSzTx/>
               <a:buNone/>
@@ -2582,7 +2583,7 @@
           <a:p>
             <a:pPr lvl="5" marL="0" indent="1143000">
               <a:spcBef>
-                <a:spcPts val="300"/>
+                <a:spcPts val="100"/>
               </a:spcBef>
               <a:buSzTx/>
               <a:buNone/>
@@ -2600,7 +2601,7 @@
           <a:p>
             <a:pPr lvl="5" marL="0" indent="1143000">
               <a:spcBef>
-                <a:spcPts val="300"/>
+                <a:spcPts val="100"/>
               </a:spcBef>
               <a:buSzTx/>
               <a:buNone/>
@@ -2639,7 +2640,7 @@
           <a:p>
             <a:pPr lvl="5" marL="0" indent="1143000">
               <a:spcBef>
-                <a:spcPts val="300"/>
+                <a:spcPts val="100"/>
               </a:spcBef>
               <a:buSzTx/>
               <a:buNone/>
@@ -2671,7 +2672,7 @@
           <a:p>
             <a:pPr lvl="5" marL="0" indent="1143000">
               <a:spcBef>
-                <a:spcPts val="300"/>
+                <a:spcPts val="100"/>
               </a:spcBef>
               <a:buSzTx/>
               <a:buNone/>
@@ -2694,10 +2695,21 @@
             </a:r>
           </a:p>
           <a:p>
+            <a:pPr lvl="1" marL="700087" indent="-304800">
+              <a:spcBef>
+                <a:spcPts val="100"/>
+              </a:spcBef>
+            </a:pPr>
+            <a:r>
+              <a:t>Better than Θ(n) for Insertion, Selection sort</a:t>
+            </a:r>
+          </a:p>
+          <a:p>
             <a:pPr>
               <a:spcBef>
-                <a:spcPts val="300"/>
+                <a:spcPts val="100"/>
               </a:spcBef>
+              <a:defRPr sz="3000"/>
             </a:pPr>
             <a:r>
               <a:t>Space complexity</a:t>
@@ -3534,40 +3546,16 @@
       </p:grpSpPr>
       <p:sp>
         <p:nvSpPr>
-          <p:cNvPr id="210" name="Mergesort Shortcomings"/>
+          <p:cNvPr id="210" name="MergeSort: Master Theorem"/>
           <p:cNvSpPr txBox="1"/>
           <p:nvPr>
             <p:ph type="title"/>
           </p:nvPr>
         </p:nvSpPr>
         <p:spPr>
-          <a:prstGeom prst="rect">
-            <a:avLst/>
-          </a:prstGeom>
-        </p:spPr>
-        <p:txBody>
-          <a:bodyPr/>
-          <a:lstStyle/>
-          <a:p>
-            <a:pPr/>
-            <a:r>
-              <a:t>Mergesort Shortcomings</a:t>
-            </a:r>
-          </a:p>
-        </p:txBody>
-      </p:sp>
-      <p:sp>
-        <p:nvSpPr>
-          <p:cNvPr id="211" name="Creates a new array i.e. requires additional O(n) space…"/>
-          <p:cNvSpPr txBox="1"/>
-          <p:nvPr>
-            <p:ph type="body" idx="1"/>
-          </p:nvPr>
-        </p:nvSpPr>
-        <p:spPr>
           <a:xfrm>
-            <a:off x="887784" y="938113"/>
-            <a:ext cx="8886794" cy="5891610"/>
+            <a:off x="762000" y="60325"/>
+            <a:ext cx="8952031" cy="952500"/>
           </a:xfrm>
           <a:prstGeom prst="rect">
             <a:avLst/>
@@ -3575,70 +3563,22 @@
         </p:spPr>
         <p:txBody>
           <a:bodyPr/>
-          <a:lstStyle/>
+          <a:lstStyle>
+            <a:lvl1pPr>
+              <a:defRPr sz="4400"/>
+            </a:lvl1pPr>
+          </a:lstStyle>
           <a:p>
             <a:pPr/>
             <a:r>
-              <a:t>Creates a new array i.e. requires additional O(n) space</a:t>
-            </a:r>
-          </a:p>
-          <a:p>
-            <a:pPr lvl="1"/>
-            <a:r>
-              <a:t>No obvious way to merge in place in linear time.</a:t>
-            </a:r>
-          </a:p>
-          <a:p>
-            <a:pPr/>
-            <a:r>
-              <a:t>It is inherently recursive. </a:t>
-            </a:r>
-          </a:p>
-          <a:p>
-            <a:pPr lvl="1"/>
-            <a:r>
-              <a:t>Recursive implemenation requires function invocation and return, a costly operation.</a:t>
-            </a:r>
-          </a:p>
-          <a:p>
-            <a:pPr/>
-            <a:r>
-              <a:t>Thus, Generally, not used in pratice.</a:t>
-            </a:r>
-          </a:p>
-          <a:p>
-            <a:pPr/>
-            <a:r>
-              <a:t>Alternative approaches</a:t>
-            </a:r>
-          </a:p>
-          <a:p>
-            <a:pPr lvl="1"/>
-            <a:r>
-              <a:t>Can we ensure that left part is always less than the rigth part.</a:t>
-            </a:r>
-          </a:p>
-          <a:p>
-            <a:pPr lvl="2"/>
-            <a:r>
-              <a:t>Thus, no need to merge the two.</a:t>
-            </a:r>
-          </a:p>
-          <a:p>
-            <a:pPr lvl="2"/>
-            <a:r>
-              <a:t>Approach taken by </a:t>
-            </a:r>
-            <a:r>
-              <a:rPr b="1"/>
-              <a:t>QuickSort.</a:t>
+              <a:t>MergeSort: Master Theorem</a:t>
             </a:r>
           </a:p>
         </p:txBody>
       </p:sp>
       <p:sp>
         <p:nvSpPr>
-          <p:cNvPr id="212" name="Slide Number"/>
+          <p:cNvPr id="211" name="Slide Number"/>
           <p:cNvSpPr txBox="1"/>
           <p:nvPr>
             <p:ph type="sldNum" sz="quarter" idx="2"/>
@@ -3665,7 +3605,7 @@
       </p:sp>
       <p:sp>
         <p:nvSpPr>
-          <p:cNvPr id="213" name="DAA/Divide and Conquer"/>
+          <p:cNvPr id="212" name="DAA/Divide and Conquer"/>
           <p:cNvSpPr txBox="1"/>
           <p:nvPr/>
         </p:nvSpPr>
@@ -3705,7 +3645,7 @@
       </p:sp>
       <p:sp>
         <p:nvSpPr>
-          <p:cNvPr id="214" name="RPR/"/>
+          <p:cNvPr id="213" name="RPR/"/>
           <p:cNvSpPr txBox="1"/>
           <p:nvPr/>
         </p:nvSpPr>
@@ -3743,12 +3683,1501 @@
           </a:p>
         </p:txBody>
       </p:sp>
+      <p:sp>
+        <p:nvSpPr>
+          <p:cNvPr id="214" name="Equation"/>
+          <p:cNvSpPr txBox="1"/>
+          <p:nvPr/>
+        </p:nvSpPr>
+        <p:spPr>
+          <a:xfrm>
+            <a:off x="1147921" y="1993661"/>
+            <a:ext cx="4235751" cy="1548239"/>
+          </a:xfrm>
+          <a:prstGeom prst="rect">
+            <a:avLst/>
+          </a:prstGeom>
+          <a:ln w="12700">
+            <a:miter lim="400000"/>
+          </a:ln>
+        </p:spPr>
+        <p:txBody>
+          <a:bodyPr wrap="none" lIns="0" tIns="0" rIns="0" bIns="0">
+            <a:spAutoFit/>
+          </a:bodyPr>
+          <a:lstStyle/>
+          <a:p>
+            <a:pPr marL="0" marR="0" latinLnBrk="1">
+              <a:defRPr sz="1800">
+                <a:uFillTx/>
+              </a:defRPr>
+            </a:pPr>
+            <a14:m>
+              <m:oMathPara>
+                <m:oMathParaPr>
+                  <m:jc m:val="centerGroup"/>
+                </m:oMathParaPr>
+                <m:oMath>
+                  <m:r>
+                    <a:rPr xmlns:a="http://schemas.openxmlformats.org/drawingml/2006/main" sz="2600" i="1">
+                      <a:solidFill>
+                        <a:srgbClr val="000000"/>
+                      </a:solidFill>
+                      <a:latin typeface="Cambria Math" panose="02040503050406030204" pitchFamily="18" charset="0"/>
+                    </a:rPr>
+                    <m:t>T</m:t>
+                  </m:r>
+                  <m:r>
+                    <a:rPr xmlns:a="http://schemas.openxmlformats.org/drawingml/2006/main" sz="2600" i="1">
+                      <a:solidFill>
+                        <a:srgbClr val="000000"/>
+                      </a:solidFill>
+                      <a:latin typeface="Cambria Math" panose="02040503050406030204" pitchFamily="18" charset="0"/>
+                    </a:rPr>
+                    <m:t>(</m:t>
+                  </m:r>
+                  <m:r>
+                    <a:rPr xmlns:a="http://schemas.openxmlformats.org/drawingml/2006/main" sz="2600" i="1">
+                      <a:solidFill>
+                        <a:srgbClr val="000000"/>
+                      </a:solidFill>
+                      <a:latin typeface="Cambria Math" panose="02040503050406030204" pitchFamily="18" charset="0"/>
+                    </a:rPr>
+                    <m:t>n</m:t>
+                  </m:r>
+                  <m:r>
+                    <a:rPr xmlns:a="http://schemas.openxmlformats.org/drawingml/2006/main" sz="2600" i="1">
+                      <a:solidFill>
+                        <a:srgbClr val="000000"/>
+                      </a:solidFill>
+                      <a:latin typeface="Cambria Math" panose="02040503050406030204" pitchFamily="18" charset="0"/>
+                    </a:rPr>
+                    <m:t>)</m:t>
+                  </m:r>
+                  <m:r>
+                    <a:rPr xmlns:a="http://schemas.openxmlformats.org/drawingml/2006/main" sz="2600" i="1">
+                      <a:solidFill>
+                        <a:srgbClr val="000000"/>
+                      </a:solidFill>
+                      <a:latin typeface="Cambria Math" panose="02040503050406030204" pitchFamily="18" charset="0"/>
+                    </a:rPr>
+                    <m:t>∈</m:t>
+                  </m:r>
+                  <m:r>
+                    <a:rPr xmlns:a="http://schemas.openxmlformats.org/drawingml/2006/main" sz="2600" i="1">
+                      <a:solidFill>
+                        <a:srgbClr val="000000"/>
+                      </a:solidFill>
+                      <a:latin typeface="Cambria Math" panose="02040503050406030204" pitchFamily="18" charset="0"/>
+                    </a:rPr>
+                    <m:t>{</m:t>
+                  </m:r>
+                  <m:eqArr>
+                    <m:eqArrPr>
+                      <m:ctrlPr>
+                        <a:rPr xmlns:a="http://schemas.openxmlformats.org/drawingml/2006/main" sz="2600" i="1">
+                          <a:solidFill>
+                            <a:srgbClr val="000000"/>
+                          </a:solidFill>
+                          <a:latin typeface="Cambria Math" panose="02040503050406030204" pitchFamily="18" charset="0"/>
+                        </a:rPr>
+                      </m:ctrlPr>
+                    </m:eqArrPr>
+                    <m:e>
+                      <m:r>
+                        <m:rPr>
+                          <m:sty m:val="p"/>
+                        </m:rPr>
+                        <a:rPr xmlns:a="http://schemas.openxmlformats.org/drawingml/2006/main" sz="2600" i="1">
+                          <a:solidFill>
+                            <a:srgbClr val="000000"/>
+                          </a:solidFill>
+                          <a:latin typeface="Cambria Math" panose="02040503050406030204" pitchFamily="18" charset="0"/>
+                        </a:rPr>
+                        <m:t>Θ</m:t>
+                      </m:r>
+                      <m:r>
+                        <a:rPr xmlns:a="http://schemas.openxmlformats.org/drawingml/2006/main" sz="2600" i="1">
+                          <a:solidFill>
+                            <a:srgbClr val="000000"/>
+                          </a:solidFill>
+                          <a:latin typeface="Cambria Math" panose="02040503050406030204" pitchFamily="18" charset="0"/>
+                        </a:rPr>
+                        <m:t>(</m:t>
+                      </m:r>
+                      <m:sSup>
+                        <m:e>
+                          <m:argPr>
+                            <m:scrLvl m:val="0"/>
+                          </m:argPr>
+                          <m:r>
+                            <a:rPr xmlns:a="http://schemas.openxmlformats.org/drawingml/2006/main" sz="2600" i="1">
+                              <a:solidFill>
+                                <a:srgbClr val="000000"/>
+                              </a:solidFill>
+                              <a:latin typeface="Cambria Math" panose="02040503050406030204" pitchFamily="18" charset="0"/>
+                            </a:rPr>
+                            <m:t>n</m:t>
+                          </m:r>
+                        </m:e>
+                        <m:sup>
+                          <m:argPr>
+                            <m:scrLvl m:val="0"/>
+                          </m:argPr>
+                          <m:r>
+                            <a:rPr xmlns:a="http://schemas.openxmlformats.org/drawingml/2006/main" sz="2600" i="1">
+                              <a:solidFill>
+                                <a:srgbClr val="000000"/>
+                              </a:solidFill>
+                              <a:latin typeface="Cambria Math" panose="02040503050406030204" pitchFamily="18" charset="0"/>
+                            </a:rPr>
+                            <m:t>d</m:t>
+                          </m:r>
+                        </m:sup>
+                      </m:sSup>
+                      <m:r>
+                        <a:rPr xmlns:a="http://schemas.openxmlformats.org/drawingml/2006/main" sz="2600" i="1">
+                          <a:solidFill>
+                            <a:srgbClr val="000000"/>
+                          </a:solidFill>
+                          <a:latin typeface="Cambria Math" panose="02040503050406030204" pitchFamily="18" charset="0"/>
+                        </a:rPr>
+                        <m:t>)</m:t>
+                      </m:r>
+                      <m:phant>
+                        <m:phantPr>
+                          <m:ctrlPr>
+                            <a:rPr xmlns:a="http://schemas.openxmlformats.org/drawingml/2006/main" sz="2600" i="1">
+                              <a:solidFill>
+                                <a:srgbClr val="000000"/>
+                              </a:solidFill>
+                              <a:latin typeface="Cambria Math" panose="02040503050406030204" pitchFamily="18" charset="0"/>
+                            </a:rPr>
+                          </m:ctrlPr>
+                          <m:show m:val="off"/>
+                        </m:phantPr>
+                        <m:e>
+                          <m:r>
+                            <a:rPr xmlns:a="http://schemas.openxmlformats.org/drawingml/2006/main" sz="2600" i="1">
+                              <a:solidFill>
+                                <a:srgbClr val="000000"/>
+                              </a:solidFill>
+                              <a:latin typeface="Cambria Math" panose="02040503050406030204" pitchFamily="18" charset="0"/>
+                            </a:rPr>
+                            <m:t>X</m:t>
+                          </m:r>
+                          <m:r>
+                            <a:rPr xmlns:a="http://schemas.openxmlformats.org/drawingml/2006/main" sz="2600" i="1">
+                              <a:solidFill>
+                                <a:srgbClr val="000000"/>
+                              </a:solidFill>
+                              <a:latin typeface="Cambria Math" panose="02040503050406030204" pitchFamily="18" charset="0"/>
+                            </a:rPr>
+                            <m:t>X</m:t>
+                          </m:r>
+                          <m:r>
+                            <a:rPr xmlns:a="http://schemas.openxmlformats.org/drawingml/2006/main" sz="2600" i="1">
+                              <a:solidFill>
+                                <a:srgbClr val="000000"/>
+                              </a:solidFill>
+                              <a:latin typeface="Cambria Math" panose="02040503050406030204" pitchFamily="18" charset="0"/>
+                            </a:rPr>
+                            <m:t>X</m:t>
+                          </m:r>
+                          <m:r>
+                            <a:rPr xmlns:a="http://schemas.openxmlformats.org/drawingml/2006/main" sz="2600" i="1">
+                              <a:solidFill>
+                                <a:srgbClr val="000000"/>
+                              </a:solidFill>
+                              <a:latin typeface="Cambria Math" panose="02040503050406030204" pitchFamily="18" charset="0"/>
+                            </a:rPr>
+                            <m:t>X</m:t>
+                          </m:r>
+                        </m:e>
+                      </m:phant>
+                      <m:r>
+                        <a:rPr xmlns:a="http://schemas.openxmlformats.org/drawingml/2006/main" sz="2600" i="1">
+                          <a:solidFill>
+                            <a:srgbClr val="000000"/>
+                          </a:solidFill>
+                          <a:latin typeface="Cambria Math" panose="02040503050406030204" pitchFamily="18" charset="0"/>
+                        </a:rPr>
+                        <m:t>i</m:t>
+                      </m:r>
+                      <m:r>
+                        <a:rPr xmlns:a="http://schemas.openxmlformats.org/drawingml/2006/main" sz="2600" i="1">
+                          <a:solidFill>
+                            <a:srgbClr val="000000"/>
+                          </a:solidFill>
+                          <a:latin typeface="Cambria Math" panose="02040503050406030204" pitchFamily="18" charset="0"/>
+                        </a:rPr>
+                        <m:t>f</m:t>
+                      </m:r>
+                      <m:r>
+                        <a:rPr xmlns:a="http://schemas.openxmlformats.org/drawingml/2006/main" sz="2600" i="1">
+                          <a:solidFill>
+                            <a:srgbClr val="000000"/>
+                          </a:solidFill>
+                          <a:latin typeface="Cambria Math" panose="02040503050406030204" pitchFamily="18" charset="0"/>
+                        </a:rPr>
+                        <m:t>a</m:t>
+                      </m:r>
+                      <m:r>
+                        <a:rPr xmlns:a="http://schemas.openxmlformats.org/drawingml/2006/main" sz="2600" i="1">
+                          <a:solidFill>
+                            <a:srgbClr val="000000"/>
+                          </a:solidFill>
+                          <a:latin typeface="Cambria Math" panose="02040503050406030204" pitchFamily="18" charset="0"/>
+                        </a:rPr>
+                        <m:t>&lt;</m:t>
+                      </m:r>
+                      <m:sSup>
+                        <m:e>
+                          <m:argPr>
+                            <m:scrLvl m:val="0"/>
+                          </m:argPr>
+                          <m:r>
+                            <a:rPr xmlns:a="http://schemas.openxmlformats.org/drawingml/2006/main" sz="2600" i="1">
+                              <a:solidFill>
+                                <a:srgbClr val="000000"/>
+                              </a:solidFill>
+                              <a:latin typeface="Cambria Math" panose="02040503050406030204" pitchFamily="18" charset="0"/>
+                            </a:rPr>
+                            <m:t>b</m:t>
+                          </m:r>
+                        </m:e>
+                        <m:sup>
+                          <m:argPr>
+                            <m:scrLvl m:val="0"/>
+                          </m:argPr>
+                          <m:r>
+                            <a:rPr xmlns:a="http://schemas.openxmlformats.org/drawingml/2006/main" sz="2600" i="1">
+                              <a:solidFill>
+                                <a:srgbClr val="000000"/>
+                              </a:solidFill>
+                              <a:latin typeface="Cambria Math" panose="02040503050406030204" pitchFamily="18" charset="0"/>
+                            </a:rPr>
+                            <m:t>d</m:t>
+                          </m:r>
+                        </m:sup>
+                      </m:sSup>
+                    </m:e>
+                    <m:e>
+                      <m:r>
+                        <m:rPr>
+                          <m:sty m:val="p"/>
+                        </m:rPr>
+                        <a:rPr xmlns:a="http://schemas.openxmlformats.org/drawingml/2006/main" sz="2600" i="1">
+                          <a:solidFill>
+                            <a:srgbClr val="000000"/>
+                          </a:solidFill>
+                          <a:latin typeface="Cambria Math" panose="02040503050406030204" pitchFamily="18" charset="0"/>
+                        </a:rPr>
+                        <m:t>Θ</m:t>
+                      </m:r>
+                      <m:r>
+                        <a:rPr xmlns:a="http://schemas.openxmlformats.org/drawingml/2006/main" sz="2600" i="1">
+                          <a:solidFill>
+                            <a:srgbClr val="000000"/>
+                          </a:solidFill>
+                          <a:latin typeface="Cambria Math" panose="02040503050406030204" pitchFamily="18" charset="0"/>
+                        </a:rPr>
+                        <m:t>(</m:t>
+                      </m:r>
+                      <m:sSup>
+                        <m:e>
+                          <m:argPr>
+                            <m:scrLvl m:val="0"/>
+                          </m:argPr>
+                          <m:r>
+                            <a:rPr xmlns:a="http://schemas.openxmlformats.org/drawingml/2006/main" sz="2600" i="1">
+                              <a:solidFill>
+                                <a:srgbClr val="000000"/>
+                              </a:solidFill>
+                              <a:latin typeface="Cambria Math" panose="02040503050406030204" pitchFamily="18" charset="0"/>
+                            </a:rPr>
+                            <m:t>n</m:t>
+                          </m:r>
+                        </m:e>
+                        <m:sup>
+                          <m:argPr>
+                            <m:scrLvl m:val="0"/>
+                          </m:argPr>
+                          <m:r>
+                            <a:rPr xmlns:a="http://schemas.openxmlformats.org/drawingml/2006/main" sz="2600" i="1">
+                              <a:solidFill>
+                                <a:srgbClr val="000000"/>
+                              </a:solidFill>
+                              <a:latin typeface="Cambria Math" panose="02040503050406030204" pitchFamily="18" charset="0"/>
+                            </a:rPr>
+                            <m:t>d</m:t>
+                          </m:r>
+                        </m:sup>
+                      </m:sSup>
+                      <m:r>
+                        <a:rPr xmlns:a="http://schemas.openxmlformats.org/drawingml/2006/main" sz="2600" i="1">
+                          <a:solidFill>
+                            <a:srgbClr val="000000"/>
+                          </a:solidFill>
+                          <a:latin typeface="Cambria Math" panose="02040503050406030204" pitchFamily="18" charset="0"/>
+                        </a:rPr>
+                        <m:t>l</m:t>
+                      </m:r>
+                      <m:r>
+                        <a:rPr xmlns:a="http://schemas.openxmlformats.org/drawingml/2006/main" sz="2600" i="1">
+                          <a:solidFill>
+                            <a:srgbClr val="000000"/>
+                          </a:solidFill>
+                          <a:latin typeface="Cambria Math" panose="02040503050406030204" pitchFamily="18" charset="0"/>
+                        </a:rPr>
+                        <m:t>o</m:t>
+                      </m:r>
+                      <m:r>
+                        <a:rPr xmlns:a="http://schemas.openxmlformats.org/drawingml/2006/main" sz="2600" i="1">
+                          <a:solidFill>
+                            <a:srgbClr val="000000"/>
+                          </a:solidFill>
+                          <a:latin typeface="Cambria Math" panose="02040503050406030204" pitchFamily="18" charset="0"/>
+                        </a:rPr>
+                        <m:t>g</m:t>
+                      </m:r>
+                      <m:r>
+                        <a:rPr xmlns:a="http://schemas.openxmlformats.org/drawingml/2006/main" sz="2600" i="1">
+                          <a:solidFill>
+                            <a:srgbClr val="000000"/>
+                          </a:solidFill>
+                          <a:latin typeface="Cambria Math" panose="02040503050406030204" pitchFamily="18" charset="0"/>
+                        </a:rPr>
+                        <m:t>n</m:t>
+                      </m:r>
+                      <m:r>
+                        <a:rPr xmlns:a="http://schemas.openxmlformats.org/drawingml/2006/main" sz="2600" i="1">
+                          <a:solidFill>
+                            <a:srgbClr val="000000"/>
+                          </a:solidFill>
+                          <a:latin typeface="Cambria Math" panose="02040503050406030204" pitchFamily="18" charset="0"/>
+                        </a:rPr>
+                        <m:t>)</m:t>
+                      </m:r>
+                      <m:phant>
+                        <m:phantPr>
+                          <m:ctrlPr>
+                            <a:rPr xmlns:a="http://schemas.openxmlformats.org/drawingml/2006/main" sz="2600" i="1">
+                              <a:solidFill>
+                                <a:srgbClr val="000000"/>
+                              </a:solidFill>
+                              <a:latin typeface="Cambria Math" panose="02040503050406030204" pitchFamily="18" charset="0"/>
+                            </a:rPr>
+                          </m:ctrlPr>
+                          <m:show m:val="off"/>
+                        </m:phantPr>
+                        <m:e>
+                          <m:r>
+                            <a:rPr xmlns:a="http://schemas.openxmlformats.org/drawingml/2006/main" sz="2600" i="1">
+                              <a:solidFill>
+                                <a:srgbClr val="000000"/>
+                              </a:solidFill>
+                              <a:latin typeface="Cambria Math" panose="02040503050406030204" pitchFamily="18" charset="0"/>
+                            </a:rPr>
+                            <m:t>a</m:t>
+                          </m:r>
+                          <m:r>
+                            <a:rPr xmlns:a="http://schemas.openxmlformats.org/drawingml/2006/main" sz="2600" i="1">
+                              <a:solidFill>
+                                <a:srgbClr val="000000"/>
+                              </a:solidFill>
+                              <a:latin typeface="Cambria Math" panose="02040503050406030204" pitchFamily="18" charset="0"/>
+                            </a:rPr>
+                            <m:t>a</m:t>
+                          </m:r>
+                        </m:e>
+                      </m:phant>
+                      <m:r>
+                        <a:rPr xmlns:a="http://schemas.openxmlformats.org/drawingml/2006/main" sz="2600" i="1">
+                          <a:solidFill>
+                            <a:srgbClr val="000000"/>
+                          </a:solidFill>
+                          <a:latin typeface="Cambria Math" panose="02040503050406030204" pitchFamily="18" charset="0"/>
+                        </a:rPr>
+                        <m:t>i</m:t>
+                      </m:r>
+                      <m:r>
+                        <a:rPr xmlns:a="http://schemas.openxmlformats.org/drawingml/2006/main" sz="2600" i="1">
+                          <a:solidFill>
+                            <a:srgbClr val="000000"/>
+                          </a:solidFill>
+                          <a:latin typeface="Cambria Math" panose="02040503050406030204" pitchFamily="18" charset="0"/>
+                        </a:rPr>
+                        <m:t>f</m:t>
+                      </m:r>
+                      <m:r>
+                        <a:rPr xmlns:a="http://schemas.openxmlformats.org/drawingml/2006/main" sz="2600" i="1">
+                          <a:solidFill>
+                            <a:srgbClr val="000000"/>
+                          </a:solidFill>
+                          <a:latin typeface="Cambria Math" panose="02040503050406030204" pitchFamily="18" charset="0"/>
+                        </a:rPr>
+                        <m:t>a</m:t>
+                      </m:r>
+                      <m:r>
+                        <a:rPr xmlns:a="http://schemas.openxmlformats.org/drawingml/2006/main" sz="2600" i="1">
+                          <a:solidFill>
+                            <a:srgbClr val="000000"/>
+                          </a:solidFill>
+                          <a:latin typeface="Cambria Math" panose="02040503050406030204" pitchFamily="18" charset="0"/>
+                        </a:rPr>
+                        <m:t>=</m:t>
+                      </m:r>
+                      <m:sSup>
+                        <m:e>
+                          <m:argPr>
+                            <m:scrLvl m:val="0"/>
+                          </m:argPr>
+                          <m:r>
+                            <a:rPr xmlns:a="http://schemas.openxmlformats.org/drawingml/2006/main" sz="2600" i="1">
+                              <a:solidFill>
+                                <a:srgbClr val="000000"/>
+                              </a:solidFill>
+                              <a:latin typeface="Cambria Math" panose="02040503050406030204" pitchFamily="18" charset="0"/>
+                            </a:rPr>
+                            <m:t>b</m:t>
+                          </m:r>
+                        </m:e>
+                        <m:sup>
+                          <m:argPr>
+                            <m:scrLvl m:val="0"/>
+                          </m:argPr>
+                          <m:r>
+                            <a:rPr xmlns:a="http://schemas.openxmlformats.org/drawingml/2006/main" sz="2600" i="1">
+                              <a:solidFill>
+                                <a:srgbClr val="000000"/>
+                              </a:solidFill>
+                              <a:latin typeface="Cambria Math" panose="02040503050406030204" pitchFamily="18" charset="0"/>
+                            </a:rPr>
+                            <m:t>d</m:t>
+                          </m:r>
+                        </m:sup>
+                      </m:sSup>
+                    </m:e>
+                    <m:e>
+                      <m:r>
+                        <m:rPr>
+                          <m:sty m:val="p"/>
+                        </m:rPr>
+                        <a:rPr xmlns:a="http://schemas.openxmlformats.org/drawingml/2006/main" sz="2600" i="1">
+                          <a:solidFill>
+                            <a:srgbClr val="000000"/>
+                          </a:solidFill>
+                          <a:latin typeface="Cambria Math" panose="02040503050406030204" pitchFamily="18" charset="0"/>
+                        </a:rPr>
+                        <m:t>Θ</m:t>
+                      </m:r>
+                      <m:r>
+                        <a:rPr xmlns:a="http://schemas.openxmlformats.org/drawingml/2006/main" sz="2600" i="1">
+                          <a:solidFill>
+                            <a:srgbClr val="000000"/>
+                          </a:solidFill>
+                          <a:latin typeface="Cambria Math" panose="02040503050406030204" pitchFamily="18" charset="0"/>
+                        </a:rPr>
+                        <m:t>(</m:t>
+                      </m:r>
+                      <m:sSup>
+                        <m:e>
+                          <m:argPr>
+                            <m:scrLvl m:val="0"/>
+                          </m:argPr>
+                          <m:r>
+                            <a:rPr xmlns:a="http://schemas.openxmlformats.org/drawingml/2006/main" sz="2600" i="1">
+                              <a:solidFill>
+                                <a:srgbClr val="000000"/>
+                              </a:solidFill>
+                              <a:latin typeface="Cambria Math" panose="02040503050406030204" pitchFamily="18" charset="0"/>
+                            </a:rPr>
+                            <m:t>n</m:t>
+                          </m:r>
+                        </m:e>
+                        <m:sup>
+                          <m:argPr>
+                            <m:scrLvl m:val="0"/>
+                          </m:argPr>
+                          <m:r>
+                            <a:rPr xmlns:a="http://schemas.openxmlformats.org/drawingml/2006/main" sz="2600" i="1">
+                              <a:solidFill>
+                                <a:srgbClr val="000000"/>
+                              </a:solidFill>
+                              <a:latin typeface="Cambria Math" panose="02040503050406030204" pitchFamily="18" charset="0"/>
+                            </a:rPr>
+                            <m:t>l</m:t>
+                          </m:r>
+                          <m:r>
+                            <a:rPr xmlns:a="http://schemas.openxmlformats.org/drawingml/2006/main" sz="2600" i="1">
+                              <a:solidFill>
+                                <a:srgbClr val="000000"/>
+                              </a:solidFill>
+                              <a:latin typeface="Cambria Math" panose="02040503050406030204" pitchFamily="18" charset="0"/>
+                            </a:rPr>
+                            <m:t>o</m:t>
+                          </m:r>
+                          <m:sSub>
+                            <m:e>
+                              <m:argPr>
+                                <m:scrLvl m:val="0"/>
+                              </m:argPr>
+                              <m:r>
+                                <a:rPr xmlns:a="http://schemas.openxmlformats.org/drawingml/2006/main" sz="2600" i="1">
+                                  <a:solidFill>
+                                    <a:srgbClr val="000000"/>
+                                  </a:solidFill>
+                                  <a:latin typeface="Cambria Math" panose="02040503050406030204" pitchFamily="18" charset="0"/>
+                                </a:rPr>
+                                <m:t>g</m:t>
+                              </m:r>
+                            </m:e>
+                            <m:sub>
+                              <m:argPr>
+                                <m:scrLvl m:val="0"/>
+                              </m:argPr>
+                              <m:r>
+                                <a:rPr xmlns:a="http://schemas.openxmlformats.org/drawingml/2006/main" sz="2600" i="1">
+                                  <a:solidFill>
+                                    <a:srgbClr val="000000"/>
+                                  </a:solidFill>
+                                  <a:latin typeface="Cambria Math" panose="02040503050406030204" pitchFamily="18" charset="0"/>
+                                </a:rPr>
+                                <m:t>b</m:t>
+                              </m:r>
+                            </m:sub>
+                          </m:sSub>
+                          <m:r>
+                            <a:rPr xmlns:a="http://schemas.openxmlformats.org/drawingml/2006/main" sz="2600" i="1">
+                              <a:solidFill>
+                                <a:srgbClr val="000000"/>
+                              </a:solidFill>
+                              <a:latin typeface="Cambria Math" panose="02040503050406030204" pitchFamily="18" charset="0"/>
+                            </a:rPr>
+                            <m:t>a</m:t>
+                          </m:r>
+                        </m:sup>
+                      </m:sSup>
+                      <m:r>
+                        <a:rPr xmlns:a="http://schemas.openxmlformats.org/drawingml/2006/main" sz="2600" i="1">
+                          <a:solidFill>
+                            <a:srgbClr val="000000"/>
+                          </a:solidFill>
+                          <a:latin typeface="Cambria Math" panose="02040503050406030204" pitchFamily="18" charset="0"/>
+                        </a:rPr>
+                        <m:t>)</m:t>
+                      </m:r>
+                      <m:phant>
+                        <m:phantPr>
+                          <m:ctrlPr>
+                            <a:rPr xmlns:a="http://schemas.openxmlformats.org/drawingml/2006/main" sz="2600" i="1">
+                              <a:solidFill>
+                                <a:srgbClr val="000000"/>
+                              </a:solidFill>
+                              <a:latin typeface="Cambria Math" panose="02040503050406030204" pitchFamily="18" charset="0"/>
+                            </a:rPr>
+                          </m:ctrlPr>
+                          <m:show m:val="off"/>
+                        </m:phantPr>
+                        <m:e>
+                          <m:r>
+                            <a:rPr xmlns:a="http://schemas.openxmlformats.org/drawingml/2006/main" sz="2600" i="1">
+                              <a:solidFill>
+                                <a:srgbClr val="000000"/>
+                              </a:solidFill>
+                              <a:latin typeface="Cambria Math" panose="02040503050406030204" pitchFamily="18" charset="0"/>
+                            </a:rPr>
+                            <m:t>X</m:t>
+                          </m:r>
+                          <m:r>
+                            <a:rPr xmlns:a="http://schemas.openxmlformats.org/drawingml/2006/main" sz="2600" i="1">
+                              <a:solidFill>
+                                <a:srgbClr val="000000"/>
+                              </a:solidFill>
+                              <a:latin typeface="Cambria Math" panose="02040503050406030204" pitchFamily="18" charset="0"/>
+                            </a:rPr>
+                            <m:t>X</m:t>
+                          </m:r>
+                          <m:r>
+                            <a:rPr xmlns:a="http://schemas.openxmlformats.org/drawingml/2006/main" sz="2600" i="1">
+                              <a:solidFill>
+                                <a:srgbClr val="000000"/>
+                              </a:solidFill>
+                              <a:latin typeface="Cambria Math" panose="02040503050406030204" pitchFamily="18" charset="0"/>
+                            </a:rPr>
+                            <m:t>X</m:t>
+                          </m:r>
+                        </m:e>
+                      </m:phant>
+                      <m:r>
+                        <a:rPr xmlns:a="http://schemas.openxmlformats.org/drawingml/2006/main" sz="2600" i="1">
+                          <a:solidFill>
+                            <a:srgbClr val="000000"/>
+                          </a:solidFill>
+                          <a:latin typeface="Cambria Math" panose="02040503050406030204" pitchFamily="18" charset="0"/>
+                        </a:rPr>
+                        <m:t>i</m:t>
+                      </m:r>
+                      <m:r>
+                        <a:rPr xmlns:a="http://schemas.openxmlformats.org/drawingml/2006/main" sz="2600" i="1">
+                          <a:solidFill>
+                            <a:srgbClr val="000000"/>
+                          </a:solidFill>
+                          <a:latin typeface="Cambria Math" panose="02040503050406030204" pitchFamily="18" charset="0"/>
+                        </a:rPr>
+                        <m:t>f</m:t>
+                      </m:r>
+                      <m:r>
+                        <a:rPr xmlns:a="http://schemas.openxmlformats.org/drawingml/2006/main" sz="2600" i="1">
+                          <a:solidFill>
+                            <a:srgbClr val="000000"/>
+                          </a:solidFill>
+                          <a:latin typeface="Cambria Math" panose="02040503050406030204" pitchFamily="18" charset="0"/>
+                        </a:rPr>
+                        <m:t>a</m:t>
+                      </m:r>
+                      <m:r>
+                        <a:rPr xmlns:a="http://schemas.openxmlformats.org/drawingml/2006/main" sz="2600" i="1">
+                          <a:solidFill>
+                            <a:srgbClr val="000000"/>
+                          </a:solidFill>
+                          <a:latin typeface="Cambria Math" panose="02040503050406030204" pitchFamily="18" charset="0"/>
+                        </a:rPr>
+                        <m:t>&gt;</m:t>
+                      </m:r>
+                      <m:sSup>
+                        <m:e>
+                          <m:argPr>
+                            <m:scrLvl m:val="0"/>
+                          </m:argPr>
+                          <m:r>
+                            <a:rPr xmlns:a="http://schemas.openxmlformats.org/drawingml/2006/main" sz="2600" i="1">
+                              <a:solidFill>
+                                <a:srgbClr val="000000"/>
+                              </a:solidFill>
+                              <a:latin typeface="Cambria Math" panose="02040503050406030204" pitchFamily="18" charset="0"/>
+                            </a:rPr>
+                            <m:t>b</m:t>
+                          </m:r>
+                        </m:e>
+                        <m:sup>
+                          <m:argPr>
+                            <m:scrLvl m:val="0"/>
+                          </m:argPr>
+                          <m:r>
+                            <a:rPr xmlns:a="http://schemas.openxmlformats.org/drawingml/2006/main" sz="2600" i="1">
+                              <a:solidFill>
+                                <a:srgbClr val="000000"/>
+                              </a:solidFill>
+                              <a:latin typeface="Cambria Math" panose="02040503050406030204" pitchFamily="18" charset="0"/>
+                            </a:rPr>
+                            <m:t>d</m:t>
+                          </m:r>
+                        </m:sup>
+                      </m:sSup>
+                    </m:e>
+                  </m:eqArr>
+                </m:oMath>
+              </m:oMathPara>
+            </a14:m>
+            <a:endParaRPr sz="2600"/>
+          </a:p>
+        </p:txBody>
+      </p:sp>
+      <p:sp>
+        <p:nvSpPr>
+          <p:cNvPr id="215" name="T(n)=aT(n/b)+Θ(nd) for n=bk, k=1,2,…"/>
+          <p:cNvSpPr txBox="1"/>
+          <p:nvPr/>
+        </p:nvSpPr>
+        <p:spPr>
+          <a:xfrm>
+            <a:off x="607241" y="1061707"/>
+            <a:ext cx="7315927" cy="984022"/>
+          </a:xfrm>
+          <a:prstGeom prst="rect">
+            <a:avLst/>
+          </a:prstGeom>
+          <a:ln w="12700">
+            <a:miter lim="400000"/>
+          </a:ln>
+          <a:extLst>
+            <a:ext uri="{C572A759-6A51-4108-AA02-DFA0A04FC94B}">
+              <ma14:wrappingTextBoxFlag xmlns:ma14="http://schemas.microsoft.com/office/mac/drawingml/2011/main" val="1"/>
+            </a:ext>
+          </a:extLst>
+        </p:spPr>
+        <p:txBody>
+          <a:bodyPr wrap="none" lIns="50800" tIns="50800" rIns="50800" bIns="50800" anchor="ctr">
+            <a:spAutoFit/>
+          </a:bodyPr>
+          <a:lstStyle/>
+          <a:p>
+            <a:pPr lvl="2" marL="0" indent="457200">
+              <a:lnSpc>
+                <a:spcPct val="90000"/>
+              </a:lnSpc>
+              <a:spcBef>
+                <a:spcPts val="700"/>
+              </a:spcBef>
+              <a:defRPr sz="2700">
+                <a:latin typeface="+mn-lt"/>
+                <a:ea typeface="+mn-ea"/>
+                <a:cs typeface="+mn-cs"/>
+                <a:sym typeface="Gill Sans"/>
+              </a:defRPr>
+            </a:pPr>
+            <a:r>
+              <a:rPr b="1">
+                <a:solidFill>
+                  <a:schemeClr val="accent5"/>
+                </a:solidFill>
+                <a:latin typeface="Courier New"/>
+                <a:ea typeface="Courier New"/>
+                <a:cs typeface="Courier New"/>
+                <a:sym typeface="Courier New"/>
+              </a:rPr>
+              <a:t>T(n)=aT(n/b)+Θ(n</a:t>
+            </a:r>
+            <a:r>
+              <a:rPr b="1" baseline="31999">
+                <a:solidFill>
+                  <a:schemeClr val="accent5"/>
+                </a:solidFill>
+                <a:latin typeface="Courier New"/>
+                <a:ea typeface="Courier New"/>
+                <a:cs typeface="Courier New"/>
+                <a:sym typeface="Courier New"/>
+              </a:rPr>
+              <a:t>d</a:t>
+            </a:r>
+            <a:r>
+              <a:rPr b="1">
+                <a:solidFill>
+                  <a:schemeClr val="accent5"/>
+                </a:solidFill>
+                <a:latin typeface="Courier New"/>
+                <a:ea typeface="Courier New"/>
+                <a:cs typeface="Courier New"/>
+                <a:sym typeface="Courier New"/>
+              </a:rPr>
+              <a:t>)</a:t>
+            </a:r>
+            <a:r>
+              <a:rPr>
+                <a:latin typeface="Courier New"/>
+                <a:ea typeface="Courier New"/>
+                <a:cs typeface="Courier New"/>
+                <a:sym typeface="Courier New"/>
+              </a:rPr>
+              <a:t> </a:t>
+            </a:r>
+            <a:r>
+              <a:t>for </a:t>
+            </a:r>
+            <a:r>
+              <a:rPr b="1">
+                <a:solidFill>
+                  <a:schemeClr val="accent5"/>
+                </a:solidFill>
+                <a:latin typeface="Courier New"/>
+                <a:ea typeface="Courier New"/>
+                <a:cs typeface="Courier New"/>
+                <a:sym typeface="Courier New"/>
+              </a:rPr>
+              <a:t>n=b</a:t>
+            </a:r>
+            <a:r>
+              <a:rPr b="1" baseline="31999">
+                <a:solidFill>
+                  <a:schemeClr val="accent5"/>
+                </a:solidFill>
+                <a:latin typeface="Courier New"/>
+                <a:ea typeface="Courier New"/>
+                <a:cs typeface="Courier New"/>
+                <a:sym typeface="Courier New"/>
+              </a:rPr>
+              <a:t>k</a:t>
+            </a:r>
+            <a:r>
+              <a:rPr b="1">
+                <a:solidFill>
+                  <a:schemeClr val="accent5"/>
+                </a:solidFill>
+                <a:latin typeface="Courier New"/>
+                <a:ea typeface="Courier New"/>
+                <a:cs typeface="Courier New"/>
+                <a:sym typeface="Courier New"/>
+              </a:rPr>
+              <a:t>, k=1,2</a:t>
+            </a:r>
+            <a:r>
+              <a:rPr b="1">
+                <a:latin typeface="Courier New"/>
+                <a:ea typeface="Courier New"/>
+                <a:cs typeface="Courier New"/>
+                <a:sym typeface="Courier New"/>
+              </a:rPr>
+              <a:t>,</a:t>
+            </a:r>
+            <a:endParaRPr b="1">
+              <a:latin typeface="Courier New"/>
+              <a:ea typeface="Courier New"/>
+              <a:cs typeface="Courier New"/>
+              <a:sym typeface="Courier New"/>
+            </a:endParaRPr>
+          </a:p>
+          <a:p>
+            <a:pPr lvl="2" marL="0" indent="457200">
+              <a:lnSpc>
+                <a:spcPct val="90000"/>
+              </a:lnSpc>
+              <a:spcBef>
+                <a:spcPts val="700"/>
+              </a:spcBef>
+              <a:defRPr sz="2700">
+                <a:latin typeface="+mn-lt"/>
+                <a:ea typeface="+mn-ea"/>
+                <a:cs typeface="+mn-cs"/>
+                <a:sym typeface="Gill Sans"/>
+              </a:defRPr>
+            </a:pPr>
+            <a:r>
+              <a:rPr b="1">
+                <a:solidFill>
+                  <a:schemeClr val="accent5"/>
+                </a:solidFill>
+                <a:latin typeface="Courier New"/>
+                <a:ea typeface="Courier New"/>
+                <a:cs typeface="Courier New"/>
+                <a:sym typeface="Courier New"/>
+              </a:rPr>
+              <a:t>T(1) = c</a:t>
+            </a:r>
+            <a:r>
+              <a:rPr>
+                <a:latin typeface="Courier New"/>
+                <a:ea typeface="Courier New"/>
+                <a:cs typeface="Courier New"/>
+                <a:sym typeface="Courier New"/>
+              </a:rPr>
+              <a:t>, </a:t>
+            </a:r>
+            <a:r>
+              <a:t>where, </a:t>
+            </a:r>
+            <a:r>
+              <a:rPr b="1">
+                <a:solidFill>
+                  <a:schemeClr val="accent5"/>
+                </a:solidFill>
+                <a:latin typeface="Courier New"/>
+                <a:ea typeface="Courier New"/>
+                <a:cs typeface="Courier New"/>
+                <a:sym typeface="Courier New"/>
+              </a:rPr>
+              <a:t>a≥1, b≥2, c&gt;0</a:t>
+            </a:r>
+            <a:r>
+              <a:rPr>
+                <a:latin typeface="Courier New"/>
+                <a:ea typeface="Courier New"/>
+                <a:cs typeface="Courier New"/>
+                <a:sym typeface="Courier New"/>
+              </a:rPr>
+              <a:t> </a:t>
+            </a:r>
+          </a:p>
+        </p:txBody>
+      </p:sp>
+      <p:sp>
+        <p:nvSpPr>
+          <p:cNvPr id="216" name="T(n)=2T(n/2) + n…"/>
+          <p:cNvSpPr txBox="1"/>
+          <p:nvPr/>
+        </p:nvSpPr>
+        <p:spPr>
+          <a:xfrm>
+            <a:off x="761999" y="3814716"/>
+            <a:ext cx="8952032" cy="2244471"/>
+          </a:xfrm>
+          <a:prstGeom prst="rect">
+            <a:avLst/>
+          </a:prstGeom>
+          <a:ln w="12700">
+            <a:miter lim="400000"/>
+          </a:ln>
+          <a:extLst>
+            <a:ext uri="{C572A759-6A51-4108-AA02-DFA0A04FC94B}">
+              <ma14:wrappingTextBoxFlag xmlns:ma14="http://schemas.microsoft.com/office/mac/drawingml/2011/main" val="1"/>
+            </a:ext>
+          </a:extLst>
+        </p:spPr>
+        <p:txBody>
+          <a:bodyPr lIns="50800" tIns="50800" rIns="50800" bIns="50800" anchor="ctr">
+            <a:spAutoFit/>
+          </a:bodyPr>
+          <a:lstStyle/>
+          <a:p>
+            <a:pPr lvl="1" marL="0" indent="228600">
+              <a:lnSpc>
+                <a:spcPct val="90000"/>
+              </a:lnSpc>
+              <a:defRPr sz="3000">
+                <a:latin typeface="Courier New"/>
+                <a:ea typeface="Courier New"/>
+                <a:cs typeface="Courier New"/>
+                <a:sym typeface="Courier New"/>
+              </a:defRPr>
+            </a:pPr>
+            <a:r>
+              <a:t>T(n)=2T(n/2) + n</a:t>
+            </a:r>
+          </a:p>
+          <a:p>
+            <a:pPr lvl="1" marL="0" indent="228600">
+              <a:lnSpc>
+                <a:spcPct val="90000"/>
+              </a:lnSpc>
+              <a:defRPr sz="2800">
+                <a:latin typeface="Courier New"/>
+                <a:ea typeface="Courier New"/>
+                <a:cs typeface="Courier New"/>
+                <a:sym typeface="Courier New"/>
+              </a:defRPr>
+            </a:pPr>
+            <a:r>
+              <a:t>a=2 (a≥1), b=2(b≥2), c=T(1)=0,</a:t>
+            </a:r>
+            <a:r>
+              <a:rPr>
+                <a:latin typeface="Gill Sans MT"/>
+                <a:ea typeface="Gill Sans MT"/>
+                <a:cs typeface="Gill Sans MT"/>
+                <a:sym typeface="Gill Sans MT"/>
+              </a:rPr>
+              <a:t>and</a:t>
+            </a:r>
+            <a:endParaRPr>
+              <a:latin typeface="Gill Sans MT"/>
+              <a:ea typeface="Gill Sans MT"/>
+              <a:cs typeface="Gill Sans MT"/>
+              <a:sym typeface="Gill Sans MT"/>
+            </a:endParaRPr>
+          </a:p>
+          <a:p>
+            <a:pPr lvl="1" marL="0" indent="228600">
+              <a:lnSpc>
+                <a:spcPct val="110000"/>
+              </a:lnSpc>
+              <a:defRPr sz="2800">
+                <a:latin typeface="Courier New"/>
+                <a:ea typeface="Courier New"/>
+                <a:cs typeface="Courier New"/>
+                <a:sym typeface="Courier New"/>
+              </a:defRPr>
+            </a:pPr>
+            <a:r>
+              <a:t>f(n)=n ∈Θ(n</a:t>
+            </a:r>
+            <a:r>
+              <a:rPr baseline="31999"/>
+              <a:t>d</a:t>
+            </a:r>
+            <a:r>
+              <a:t>) ⇒ f(n)∈Θ(n</a:t>
+            </a:r>
+            <a:r>
+              <a:rPr baseline="31999"/>
+              <a:t>1</a:t>
+            </a:r>
+            <a:r>
+              <a:t>) ⇒ d=1</a:t>
+            </a:r>
+          </a:p>
+          <a:p>
+            <a:pPr lvl="1" marL="0" indent="228600">
+              <a:lnSpc>
+                <a:spcPct val="110000"/>
+              </a:lnSpc>
+              <a:defRPr sz="2800">
+                <a:latin typeface="Gill Sans MT"/>
+                <a:ea typeface="Gill Sans MT"/>
+                <a:cs typeface="Gill Sans MT"/>
+                <a:sym typeface="Gill Sans MT"/>
+              </a:defRPr>
+            </a:pPr>
+            <a:r>
+              <a:t>Thus, </a:t>
+            </a:r>
+            <a:r>
+              <a:rPr>
+                <a:latin typeface="Courier New"/>
+                <a:ea typeface="Courier New"/>
+                <a:cs typeface="Courier New"/>
+                <a:sym typeface="Courier New"/>
+              </a:rPr>
+              <a:t>b</a:t>
+            </a:r>
+            <a:r>
+              <a:rPr baseline="31999">
+                <a:latin typeface="Courier New"/>
+                <a:ea typeface="Courier New"/>
+                <a:cs typeface="Courier New"/>
+                <a:sym typeface="Courier New"/>
+              </a:rPr>
+              <a:t>d</a:t>
+            </a:r>
+            <a:r>
+              <a:rPr>
+                <a:latin typeface="Courier New"/>
+                <a:ea typeface="Courier New"/>
+                <a:cs typeface="Courier New"/>
+                <a:sym typeface="Courier New"/>
+              </a:rPr>
+              <a:t>=b</a:t>
+            </a:r>
+            <a:r>
+              <a:rPr baseline="31999">
+                <a:latin typeface="Courier New"/>
+                <a:ea typeface="Courier New"/>
+                <a:cs typeface="Courier New"/>
+                <a:sym typeface="Courier New"/>
+              </a:rPr>
+              <a:t>1</a:t>
+            </a:r>
+            <a:r>
+              <a:rPr>
+                <a:latin typeface="Courier New"/>
+                <a:ea typeface="Courier New"/>
+                <a:cs typeface="Courier New"/>
+                <a:sym typeface="Courier New"/>
+              </a:rPr>
+              <a:t>=b ⇒a=b</a:t>
+            </a:r>
+            <a:r>
+              <a:rPr baseline="31999">
+                <a:latin typeface="Courier New"/>
+                <a:ea typeface="Courier New"/>
+                <a:cs typeface="Courier New"/>
+                <a:sym typeface="Courier New"/>
+              </a:rPr>
+              <a:t>1 </a:t>
+            </a:r>
+            <a:r>
+              <a:t>#2</a:t>
+            </a:r>
+            <a:r>
+              <a:rPr baseline="31999"/>
+              <a:t>nd</a:t>
+            </a:r>
+            <a:r>
+              <a:t> case in Master Theorem</a:t>
+            </a:r>
+          </a:p>
+          <a:p>
+            <a:pPr lvl="1" marL="0" indent="228600">
+              <a:defRPr sz="2800">
+                <a:latin typeface="Courier New"/>
+                <a:ea typeface="Courier New"/>
+                <a:cs typeface="Courier New"/>
+                <a:sym typeface="Courier New"/>
+              </a:defRPr>
+            </a:pPr>
+            <a:r>
+              <a:t>T(n)=Θ(n</a:t>
+            </a:r>
+            <a:r>
+              <a:rPr baseline="31999"/>
+              <a:t>d</a:t>
+            </a:r>
+            <a:r>
+              <a:t>log</a:t>
+            </a:r>
+            <a:r>
+              <a:rPr baseline="-5999"/>
+              <a:t>b</a:t>
+            </a:r>
+            <a:r>
+              <a:t>n) = Θ(n</a:t>
+            </a:r>
+            <a:r>
+              <a:rPr baseline="31999"/>
+              <a:t>1</a:t>
+            </a:r>
+            <a:r>
+              <a:t>log</a:t>
+            </a:r>
+            <a:r>
+              <a:rPr baseline="-5999"/>
+              <a:t>2</a:t>
+            </a:r>
+            <a:r>
+              <a:t>n) = Θ(nlog</a:t>
+            </a:r>
+            <a:r>
+              <a:rPr baseline="-5999"/>
+              <a:t>2</a:t>
+            </a:r>
+            <a:r>
+              <a:t>n)</a:t>
+            </a:r>
+          </a:p>
+        </p:txBody>
+      </p:sp>
     </p:spTree>
   </p:cSld>
   <p:clrMapOvr>
     <a:masterClrMapping/>
   </p:clrMapOvr>
   <p:transition xmlns:p14="http://schemas.microsoft.com/office/powerpoint/2010/main" spd="med" advClick="1"/>
+  <p:timing>
+    <p:tnLst>
+      <p:par>
+        <p:cTn id="1" nodeType="tmRoot" restart="never" dur="indefinite" fill="hold">
+          <p:childTnLst>
+            <p:seq concurrent="1" prevAc="none" nextAc="seek">
+              <p:cTn id="2" nodeType="mainSeq" dur="indefinite" fill="hold">
+                <p:childTnLst>
+                  <p:par>
+                    <p:cTn id="3" fill="hold">
+                      <p:stCondLst>
+                        <p:cond delay="indefinite"/>
+                      </p:stCondLst>
+                      <p:childTnLst>
+                        <p:par>
+                          <p:cTn id="4" fill="hold">
+                            <p:stCondLst>
+                              <p:cond delay="0"/>
+                            </p:stCondLst>
+                            <p:childTnLst>
+                              <p:par>
+                                <p:cTn id="5" presetClass="entr" nodeType="clickEffect" presetSubtype="0" presetID="1" grpId="1" fill="hold">
+                                  <p:stCondLst>
+                                    <p:cond delay="0"/>
+                                  </p:stCondLst>
+                                  <p:iterate type="el" backwards="0">
+                                    <p:tmAbs val="0"/>
+                                  </p:iterate>
+                                  <p:childTnLst>
+                                    <p:set>
+                                      <p:cBhvr>
+                                        <p:cTn id="6" fill="hold"/>
+                                        <p:tgtEl>
+                                          <p:spTgt spid="214"/>
+                                        </p:tgtEl>
+                                        <p:attrNameLst>
+                                          <p:attrName>style.visibility</p:attrName>
+                                        </p:attrNameLst>
+                                      </p:cBhvr>
+                                      <p:to>
+                                        <p:strVal val="visible"/>
+                                      </p:to>
+                                    </p:set>
+                                  </p:childTnLst>
+                                </p:cTn>
+                              </p:par>
+                            </p:childTnLst>
+                          </p:cTn>
+                        </p:par>
+                      </p:childTnLst>
+                    </p:cTn>
+                  </p:par>
+                  <p:par>
+                    <p:cTn id="7" fill="hold">
+                      <p:stCondLst>
+                        <p:cond delay="indefinite"/>
+                      </p:stCondLst>
+                      <p:childTnLst>
+                        <p:par>
+                          <p:cTn id="8" fill="hold">
+                            <p:stCondLst>
+                              <p:cond delay="0"/>
+                            </p:stCondLst>
+                            <p:childTnLst>
+                              <p:par>
+                                <p:cTn id="9" presetClass="entr" nodeType="clickEffect" presetSubtype="0" presetID="1" grpId="2" fill="hold">
+                                  <p:stCondLst>
+                                    <p:cond delay="0"/>
+                                  </p:stCondLst>
+                                  <p:iterate type="el" backwards="0">
+                                    <p:tmAbs val="0"/>
+                                  </p:iterate>
+                                  <p:childTnLst>
+                                    <p:set>
+                                      <p:cBhvr>
+                                        <p:cTn id="10" fill="hold"/>
+                                        <p:tgtEl>
+                                          <p:spTgt spid="216">
+                                            <p:bg/>
+                                          </p:spTgt>
+                                        </p:tgtEl>
+                                        <p:attrNameLst>
+                                          <p:attrName>style.visibility</p:attrName>
+                                        </p:attrNameLst>
+                                      </p:cBhvr>
+                                      <p:to>
+                                        <p:strVal val="visible"/>
+                                      </p:to>
+                                    </p:set>
+                                  </p:childTnLst>
+                                </p:cTn>
+                              </p:par>
+                              <p:par>
+                                <p:cTn id="11" presetClass="entr" nodeType="withEffect" presetSubtype="0" presetID="1" grpId="2" fill="hold">
+                                  <p:stCondLst>
+                                    <p:cond delay="0"/>
+                                  </p:stCondLst>
+                                  <p:iterate type="el" backwards="0">
+                                    <p:tmAbs val="0"/>
+                                  </p:iterate>
+                                  <p:childTnLst>
+                                    <p:set>
+                                      <p:cBhvr>
+                                        <p:cTn id="12" fill="hold"/>
+                                        <p:tgtEl>
+                                          <p:spTgt spid="216">
+                                            <p:txEl>
+                                              <p:pRg st="0" end="0"/>
+                                            </p:txEl>
+                                          </p:spTgt>
+                                        </p:tgtEl>
+                                        <p:attrNameLst>
+                                          <p:attrName>style.visibility</p:attrName>
+                                        </p:attrNameLst>
+                                      </p:cBhvr>
+                                      <p:to>
+                                        <p:strVal val="visible"/>
+                                      </p:to>
+                                    </p:set>
+                                  </p:childTnLst>
+                                </p:cTn>
+                              </p:par>
+                            </p:childTnLst>
+                          </p:cTn>
+                        </p:par>
+                      </p:childTnLst>
+                    </p:cTn>
+                  </p:par>
+                  <p:par>
+                    <p:cTn id="13" fill="hold">
+                      <p:stCondLst>
+                        <p:cond delay="indefinite"/>
+                      </p:stCondLst>
+                      <p:childTnLst>
+                        <p:par>
+                          <p:cTn id="14" fill="hold">
+                            <p:stCondLst>
+                              <p:cond delay="0"/>
+                            </p:stCondLst>
+                            <p:childTnLst>
+                              <p:par>
+                                <p:cTn id="15" presetClass="entr" nodeType="clickEffect" presetSubtype="0" presetID="1" grpId="2" fill="hold">
+                                  <p:stCondLst>
+                                    <p:cond delay="0"/>
+                                  </p:stCondLst>
+                                  <p:iterate type="el" backwards="0">
+                                    <p:tmAbs val="0"/>
+                                  </p:iterate>
+                                  <p:childTnLst>
+                                    <p:set>
+                                      <p:cBhvr>
+                                        <p:cTn id="16" fill="hold"/>
+                                        <p:tgtEl>
+                                          <p:spTgt spid="216">
+                                            <p:txEl>
+                                              <p:pRg st="1" end="1"/>
+                                            </p:txEl>
+                                          </p:spTgt>
+                                        </p:tgtEl>
+                                        <p:attrNameLst>
+                                          <p:attrName>style.visibility</p:attrName>
+                                        </p:attrNameLst>
+                                      </p:cBhvr>
+                                      <p:to>
+                                        <p:strVal val="visible"/>
+                                      </p:to>
+                                    </p:set>
+                                  </p:childTnLst>
+                                </p:cTn>
+                              </p:par>
+                            </p:childTnLst>
+                          </p:cTn>
+                        </p:par>
+                      </p:childTnLst>
+                    </p:cTn>
+                  </p:par>
+                  <p:par>
+                    <p:cTn id="17" fill="hold">
+                      <p:stCondLst>
+                        <p:cond delay="indefinite"/>
+                      </p:stCondLst>
+                      <p:childTnLst>
+                        <p:par>
+                          <p:cTn id="18" fill="hold">
+                            <p:stCondLst>
+                              <p:cond delay="0"/>
+                            </p:stCondLst>
+                            <p:childTnLst>
+                              <p:par>
+                                <p:cTn id="19" presetClass="entr" nodeType="clickEffect" presetSubtype="0" presetID="1" grpId="2" fill="hold">
+                                  <p:stCondLst>
+                                    <p:cond delay="0"/>
+                                  </p:stCondLst>
+                                  <p:iterate type="el" backwards="0">
+                                    <p:tmAbs val="0"/>
+                                  </p:iterate>
+                                  <p:childTnLst>
+                                    <p:set>
+                                      <p:cBhvr>
+                                        <p:cTn id="20" fill="hold"/>
+                                        <p:tgtEl>
+                                          <p:spTgt spid="216">
+                                            <p:txEl>
+                                              <p:pRg st="2" end="2"/>
+                                            </p:txEl>
+                                          </p:spTgt>
+                                        </p:tgtEl>
+                                        <p:attrNameLst>
+                                          <p:attrName>style.visibility</p:attrName>
+                                        </p:attrNameLst>
+                                      </p:cBhvr>
+                                      <p:to>
+                                        <p:strVal val="visible"/>
+                                      </p:to>
+                                    </p:set>
+                                  </p:childTnLst>
+                                </p:cTn>
+                              </p:par>
+                            </p:childTnLst>
+                          </p:cTn>
+                        </p:par>
+                      </p:childTnLst>
+                    </p:cTn>
+                  </p:par>
+                  <p:par>
+                    <p:cTn id="21" fill="hold">
+                      <p:stCondLst>
+                        <p:cond delay="indefinite"/>
+                      </p:stCondLst>
+                      <p:childTnLst>
+                        <p:par>
+                          <p:cTn id="22" fill="hold">
+                            <p:stCondLst>
+                              <p:cond delay="0"/>
+                            </p:stCondLst>
+                            <p:childTnLst>
+                              <p:par>
+                                <p:cTn id="23" presetClass="entr" nodeType="clickEffect" presetSubtype="0" presetID="1" grpId="2" fill="hold">
+                                  <p:stCondLst>
+                                    <p:cond delay="0"/>
+                                  </p:stCondLst>
+                                  <p:iterate type="el" backwards="0">
+                                    <p:tmAbs val="0"/>
+                                  </p:iterate>
+                                  <p:childTnLst>
+                                    <p:set>
+                                      <p:cBhvr>
+                                        <p:cTn id="24" fill="hold"/>
+                                        <p:tgtEl>
+                                          <p:spTgt spid="216">
+                                            <p:txEl>
+                                              <p:pRg st="3" end="3"/>
+                                            </p:txEl>
+                                          </p:spTgt>
+                                        </p:tgtEl>
+                                        <p:attrNameLst>
+                                          <p:attrName>style.visibility</p:attrName>
+                                        </p:attrNameLst>
+                                      </p:cBhvr>
+                                      <p:to>
+                                        <p:strVal val="visible"/>
+                                      </p:to>
+                                    </p:set>
+                                  </p:childTnLst>
+                                </p:cTn>
+                              </p:par>
+                            </p:childTnLst>
+                          </p:cTn>
+                        </p:par>
+                      </p:childTnLst>
+                    </p:cTn>
+                  </p:par>
+                  <p:par>
+                    <p:cTn id="25" fill="hold">
+                      <p:stCondLst>
+                        <p:cond delay="indefinite"/>
+                      </p:stCondLst>
+                      <p:childTnLst>
+                        <p:par>
+                          <p:cTn id="26" fill="hold">
+                            <p:stCondLst>
+                              <p:cond delay="0"/>
+                            </p:stCondLst>
+                            <p:childTnLst>
+                              <p:par>
+                                <p:cTn id="27" presetClass="entr" nodeType="clickEffect" presetSubtype="0" presetID="1" grpId="2" fill="hold">
+                                  <p:stCondLst>
+                                    <p:cond delay="0"/>
+                                  </p:stCondLst>
+                                  <p:iterate type="el" backwards="0">
+                                    <p:tmAbs val="0"/>
+                                  </p:iterate>
+                                  <p:childTnLst>
+                                    <p:set>
+                                      <p:cBhvr>
+                                        <p:cTn id="28" fill="hold"/>
+                                        <p:tgtEl>
+                                          <p:spTgt spid="216">
+                                            <p:txEl>
+                                              <p:pRg st="4" end="4"/>
+                                            </p:txEl>
+                                          </p:spTgt>
+                                        </p:tgtEl>
+                                        <p:attrNameLst>
+                                          <p:attrName>style.visibility</p:attrName>
+                                        </p:attrNameLst>
+                                      </p:cBhvr>
+                                      <p:to>
+                                        <p:strVal val="visible"/>
+                                      </p:to>
+                                    </p:set>
+                                  </p:childTnLst>
+                                </p:cTn>
+                              </p:par>
+                            </p:childTnLst>
+                          </p:cTn>
+                        </p:par>
+                      </p:childTnLst>
+                    </p:cTn>
+                  </p:par>
+                </p:childTnLst>
+              </p:cTn>
+              <p:prevCondLst>
+                <p:cond evt="onPrev">
+                  <p:tgtEl>
+                    <p:sldTgt/>
+                  </p:tgtEl>
+                </p:cond>
+              </p:prevCondLst>
+              <p:nextCondLst>
+                <p:cond evt="onNext">
+                  <p:tgtEl>
+                    <p:sldTgt/>
+                  </p:tgtEl>
+                </p:cond>
+              </p:nextCondLst>
+            </p:seq>
+          </p:childTnLst>
+        </p:cTn>
+      </p:par>
+    </p:tnLst>
+    <p:bldLst>
+      <p:bldP build="whole" bldLvl="1" animBg="1" rev="0" advAuto="0" spid="214" grpId="1"/>
+      <p:bldP build="p" bldLvl="5" animBg="1" rev="0" advAuto="0" spid="216" grpId="2"/>
+    </p:bldLst>
+  </p:timing>
 </p:sld>
 </file>
 
@@ -3771,7 +5200,7 @@
       </p:grpSpPr>
       <p:sp>
         <p:nvSpPr>
-          <p:cNvPr id="216" name="MergeSort (Inplace)"/>
+          <p:cNvPr id="218" name="Mergesort Shortcomings"/>
           <p:cNvSpPr txBox="1"/>
           <p:nvPr>
             <p:ph type="title"/>
@@ -3788,23 +5217,23 @@
           <a:p>
             <a:pPr/>
             <a:r>
-              <a:t>MergeSort (Inplace)</a:t>
+              <a:t>Mergesort Shortcomings</a:t>
             </a:r>
           </a:p>
         </p:txBody>
       </p:sp>
       <p:sp>
         <p:nvSpPr>
-          <p:cNvPr id="217" name="If we need to merge in place, what is time  and space complexity…"/>
+          <p:cNvPr id="219" name="Creates a new array i.e. requires additional O(n) space…"/>
           <p:cNvSpPr txBox="1"/>
           <p:nvPr>
-            <p:ph type="body" sz="half" idx="1"/>
+            <p:ph type="body" idx="1"/>
           </p:nvPr>
         </p:nvSpPr>
         <p:spPr>
           <a:xfrm>
             <a:off x="887784" y="938113"/>
-            <a:ext cx="8798390" cy="2042832"/>
+            <a:ext cx="8886794" cy="5891610"/>
           </a:xfrm>
           <a:prstGeom prst="rect">
             <a:avLst/>
@@ -3816,68 +5245,66 @@
           <a:p>
             <a:pPr/>
             <a:r>
-              <a:t>If we need to merge in place, what is time  and space complexity</a:t>
+              <a:t>Creates a new array i.e. requires additional O(n) space</a:t>
             </a:r>
           </a:p>
           <a:p>
             <a:pPr lvl="1"/>
             <a:r>
-              <a:t>Space: </a:t>
-            </a:r>
-            <a:r>
-              <a:rPr>
-                <a:latin typeface="Courier New"/>
-                <a:ea typeface="Courier New"/>
-                <a:cs typeface="Courier New"/>
-                <a:sym typeface="Courier New"/>
-              </a:rPr>
-              <a:t>O(1)</a:t>
-            </a:r>
-            <a:endParaRPr>
-              <a:latin typeface="Courier New"/>
-              <a:ea typeface="Courier New"/>
-              <a:cs typeface="Courier New"/>
-              <a:sym typeface="Courier New"/>
-            </a:endParaRPr>
+              <a:t>No obvious way to merge in place in linear time.</a:t>
+            </a:r>
+          </a:p>
+          <a:p>
+            <a:pPr/>
+            <a:r>
+              <a:t>It is inherently recursive. </a:t>
+            </a:r>
           </a:p>
           <a:p>
             <a:pPr lvl="1"/>
             <a:r>
-              <a:t>Time: </a:t>
-            </a:r>
-            <a:r>
-              <a:rPr>
-                <a:latin typeface="Courier New"/>
-                <a:ea typeface="Courier New"/>
-                <a:cs typeface="Courier New"/>
-                <a:sym typeface="Courier New"/>
-              </a:rPr>
-              <a:t>O(n</a:t>
-            </a:r>
-            <a:r>
-              <a:rPr baseline="31999">
-                <a:latin typeface="Courier New"/>
-                <a:ea typeface="Courier New"/>
-                <a:cs typeface="Courier New"/>
-                <a:sym typeface="Courier New"/>
-              </a:rPr>
-              <a:t>2</a:t>
-            </a:r>
-            <a:r>
-              <a:rPr>
-                <a:latin typeface="Courier New"/>
-                <a:ea typeface="Courier New"/>
-                <a:cs typeface="Courier New"/>
-                <a:sym typeface="Courier New"/>
-              </a:rPr>
-              <a:t>)</a:t>
+              <a:t>Recursive implemenation requires function invocation and return, a costly operation.</a:t>
+            </a:r>
+          </a:p>
+          <a:p>
+            <a:pPr/>
+            <a:r>
+              <a:t>Thus, Generally, not used in pratice.</a:t>
+            </a:r>
+          </a:p>
+          <a:p>
+            <a:pPr/>
+            <a:r>
+              <a:t>Alternative approaches</a:t>
+            </a:r>
+          </a:p>
+          <a:p>
+            <a:pPr lvl="1"/>
+            <a:r>
+              <a:t>Can we ensure that left part is always less than the rigth part.</a:t>
+            </a:r>
+          </a:p>
+          <a:p>
+            <a:pPr lvl="2"/>
+            <a:r>
+              <a:t>Thus, no need to merge the two.</a:t>
+            </a:r>
+          </a:p>
+          <a:p>
+            <a:pPr lvl="2"/>
+            <a:r>
+              <a:t>Approach taken by </a:t>
+            </a:r>
+            <a:r>
+              <a:rPr b="1"/>
+              <a:t>QuickSort.</a:t>
             </a:r>
           </a:p>
         </p:txBody>
       </p:sp>
       <p:sp>
         <p:nvSpPr>
-          <p:cNvPr id="218" name="Slide Number"/>
+          <p:cNvPr id="220" name="Slide Number"/>
           <p:cNvSpPr txBox="1"/>
           <p:nvPr>
             <p:ph type="sldNum" sz="quarter" idx="2"/>
@@ -3904,7 +5331,7 @@
       </p:sp>
       <p:sp>
         <p:nvSpPr>
-          <p:cNvPr id="219" name="DAA/Divide and Conquer"/>
+          <p:cNvPr id="221" name="DAA/Divide and Conquer"/>
           <p:cNvSpPr txBox="1"/>
           <p:nvPr/>
         </p:nvSpPr>
@@ -3944,7 +5371,7 @@
       </p:sp>
       <p:sp>
         <p:nvSpPr>
-          <p:cNvPr id="220" name="RPR/"/>
+          <p:cNvPr id="222" name="RPR/"/>
           <p:cNvSpPr txBox="1"/>
           <p:nvPr/>
         </p:nvSpPr>
@@ -3982,16 +5409,255 @@
           </a:p>
         </p:txBody>
       </p:sp>
+    </p:spTree>
+  </p:cSld>
+  <p:clrMapOvr>
+    <a:masterClrMapping/>
+  </p:clrMapOvr>
+  <p:transition xmlns:p14="http://schemas.microsoft.com/office/powerpoint/2010/main" spd="med" advClick="1"/>
+</p:sld>
+</file>
+
+<file path=ppt/slides/slide13.xml><?xml version="1.0" encoding="utf-8"?>
+<p:sld xmlns:a="http://schemas.openxmlformats.org/drawingml/2006/main" xmlns:r="http://schemas.openxmlformats.org/officeDocument/2006/relationships" xmlns:p="http://schemas.openxmlformats.org/presentationml/2006/main" xmlns:m="http://schemas.openxmlformats.org/officeDocument/2006/math" xmlns:a14="http://schemas.microsoft.com/office/drawing/2010/main" showMasterSp="1" showMasterPhAnim="1">
+  <p:cSld>
+    <p:spTree>
+      <p:nvGrpSpPr>
+        <p:cNvPr id="1" name=""/>
+        <p:cNvGrpSpPr/>
+        <p:nvPr/>
+      </p:nvGrpSpPr>
+      <p:grpSpPr>
+        <a:xfrm>
+          <a:off x="0" y="0"/>
+          <a:ext cx="0" cy="0"/>
+          <a:chOff x="0" y="0"/>
+          <a:chExt cx="0" cy="0"/>
+        </a:xfrm>
+      </p:grpSpPr>
       <p:sp>
         <p:nvSpPr>
-          <p:cNvPr id="221" name="3"/>
+          <p:cNvPr id="224" name="MergeSort (Inplace)"/>
+          <p:cNvSpPr txBox="1"/>
+          <p:nvPr>
+            <p:ph type="title"/>
+          </p:nvPr>
+        </p:nvSpPr>
+        <p:spPr>
+          <a:prstGeom prst="rect">
+            <a:avLst/>
+          </a:prstGeom>
+        </p:spPr>
+        <p:txBody>
+          <a:bodyPr/>
+          <a:lstStyle/>
+          <a:p>
+            <a:pPr/>
+            <a:r>
+              <a:t>MergeSort (Inplace)</a:t>
+            </a:r>
+          </a:p>
+        </p:txBody>
+      </p:sp>
+      <p:sp>
+        <p:nvSpPr>
+          <p:cNvPr id="225" name="If we need to merge in place, what is time  and space complexity…"/>
+          <p:cNvSpPr txBox="1"/>
+          <p:nvPr>
+            <p:ph type="body" sz="half" idx="1"/>
+          </p:nvPr>
+        </p:nvSpPr>
+        <p:spPr>
+          <a:xfrm>
+            <a:off x="887784" y="938113"/>
+            <a:ext cx="8798390" cy="2042832"/>
+          </a:xfrm>
+          <a:prstGeom prst="rect">
+            <a:avLst/>
+          </a:prstGeom>
+        </p:spPr>
+        <p:txBody>
+          <a:bodyPr/>
+          <a:lstStyle/>
+          <a:p>
+            <a:pPr/>
+            <a:r>
+              <a:t>If we need to merge in place, what is time  and space complexity</a:t>
+            </a:r>
+          </a:p>
+          <a:p>
+            <a:pPr lvl="1"/>
+            <a:r>
+              <a:t>Space: </a:t>
+            </a:r>
+            <a:r>
+              <a:rPr>
+                <a:latin typeface="Courier New"/>
+                <a:ea typeface="Courier New"/>
+                <a:cs typeface="Courier New"/>
+                <a:sym typeface="Courier New"/>
+              </a:rPr>
+              <a:t>O(1)</a:t>
+            </a:r>
+            <a:endParaRPr>
+              <a:latin typeface="Courier New"/>
+              <a:ea typeface="Courier New"/>
+              <a:cs typeface="Courier New"/>
+              <a:sym typeface="Courier New"/>
+            </a:endParaRPr>
+          </a:p>
+          <a:p>
+            <a:pPr lvl="1"/>
+            <a:r>
+              <a:t>Time: </a:t>
+            </a:r>
+            <a:r>
+              <a:rPr>
+                <a:latin typeface="Courier New"/>
+                <a:ea typeface="Courier New"/>
+                <a:cs typeface="Courier New"/>
+                <a:sym typeface="Courier New"/>
+              </a:rPr>
+              <a:t>O(n</a:t>
+            </a:r>
+            <a:r>
+              <a:rPr baseline="31999">
+                <a:latin typeface="Courier New"/>
+                <a:ea typeface="Courier New"/>
+                <a:cs typeface="Courier New"/>
+                <a:sym typeface="Courier New"/>
+              </a:rPr>
+              <a:t>2</a:t>
+            </a:r>
+            <a:r>
+              <a:rPr>
+                <a:latin typeface="Courier New"/>
+                <a:ea typeface="Courier New"/>
+                <a:cs typeface="Courier New"/>
+                <a:sym typeface="Courier New"/>
+              </a:rPr>
+              <a:t>)</a:t>
+            </a:r>
+          </a:p>
+        </p:txBody>
+      </p:sp>
+      <p:sp>
+        <p:nvSpPr>
+          <p:cNvPr id="226" name="Slide Number"/>
+          <p:cNvSpPr txBox="1"/>
+          <p:nvPr>
+            <p:ph type="sldNum" sz="quarter" idx="2"/>
+          </p:nvPr>
+        </p:nvSpPr>
+        <p:spPr>
+          <a:prstGeom prst="rect">
+            <a:avLst/>
+          </a:prstGeom>
+          <a:extLst>
+            <a:ext uri="{C572A759-6A51-4108-AA02-DFA0A04FC94B}">
+              <ma14:wrappingTextBoxFlag xmlns:ma14="http://schemas.microsoft.com/office/mac/drawingml/2011/main" val="1"/>
+            </a:ext>
+          </a:extLst>
+        </p:spPr>
+        <p:txBody>
+          <a:bodyPr/>
+          <a:lstStyle/>
+          <a:p>
+            <a:pPr/>
+            <a:fld id="{86CB4B4D-7CA3-9044-876B-883B54F8677D}" type="slidenum"/>
+          </a:p>
+        </p:txBody>
+      </p:sp>
+      <p:sp>
+        <p:nvSpPr>
+          <p:cNvPr id="227" name="DAA/Divide and Conquer"/>
+          <p:cNvSpPr txBox="1"/>
+          <p:nvPr/>
+        </p:nvSpPr>
+        <p:spPr>
+          <a:xfrm>
+            <a:off x="423212" y="6963885"/>
+            <a:ext cx="3371712" cy="431552"/>
+          </a:xfrm>
+          <a:prstGeom prst="rect">
+            <a:avLst/>
+          </a:prstGeom>
+          <a:ln w="12700">
+            <a:miter lim="400000"/>
+          </a:ln>
+          <a:extLst>
+            <a:ext uri="{C572A759-6A51-4108-AA02-DFA0A04FC94B}">
+              <ma14:wrappingTextBoxFlag xmlns:ma14="http://schemas.microsoft.com/office/mac/drawingml/2011/main" val="1"/>
+            </a:ext>
+          </a:extLst>
+        </p:spPr>
+        <p:txBody>
+          <a:bodyPr wrap="none" lIns="50800" tIns="50800" rIns="50800" bIns="50800" anchor="ctr">
+            <a:spAutoFit/>
+          </a:bodyPr>
+          <a:lstStyle>
+            <a:lvl1pPr>
+              <a:defRPr sz="2400"/>
+            </a:lvl1pPr>
+          </a:lstStyle>
+          <a:p>
+            <a:pPr/>
+            <a:r>
+              <a:t>DAA/Divide and Conquer</a:t>
+            </a:r>
+          </a:p>
+        </p:txBody>
+      </p:sp>
+      <p:sp>
+        <p:nvSpPr>
+          <p:cNvPr id="228" name="RPR/"/>
+          <p:cNvSpPr txBox="1"/>
+          <p:nvPr/>
+        </p:nvSpPr>
+        <p:spPr>
+          <a:xfrm>
+            <a:off x="7535212" y="6988206"/>
+            <a:ext cx="705605" cy="382910"/>
+          </a:xfrm>
+          <a:prstGeom prst="rect">
+            <a:avLst/>
+          </a:prstGeom>
+          <a:ln w="12700">
+            <a:miter lim="400000"/>
+          </a:ln>
+          <a:extLst>
+            <a:ext uri="{C572A759-6A51-4108-AA02-DFA0A04FC94B}">
+              <ma14:wrappingTextBoxFlag xmlns:ma14="http://schemas.microsoft.com/office/mac/drawingml/2011/main" val="1"/>
+            </a:ext>
+          </a:extLst>
+        </p:spPr>
+        <p:txBody>
+          <a:bodyPr wrap="none" lIns="50800" tIns="50800" rIns="50800" bIns="50800" anchor="ctr">
+            <a:spAutoFit/>
+          </a:bodyPr>
+          <a:lstStyle>
+            <a:lvl1pPr>
+              <a:defRPr sz="2000"/>
+            </a:lvl1pPr>
+          </a:lstStyle>
+          <a:p>
+            <a:pPr/>
+            <a:r>
+              <a:t>RPR/</a:t>
+            </a:r>
+          </a:p>
+        </p:txBody>
+      </p:sp>
+      <p:sp>
+        <p:nvSpPr>
+          <p:cNvPr id="229" name="3"/>
           <p:cNvSpPr/>
           <p:nvPr/>
         </p:nvSpPr>
         <p:spPr>
           <a:xfrm>
-            <a:off x="1378573" y="3936788"/>
-            <a:ext cx="696080" cy="661893"/>
+            <a:off x="1378573" y="3936789"/>
+            <a:ext cx="696080" cy="661892"/>
           </a:xfrm>
           <a:prstGeom prst="ellipse">
             <a:avLst/>
@@ -4024,7 +5690,7 @@
       </p:sp>
       <p:sp>
         <p:nvSpPr>
-          <p:cNvPr id="222" name="4"/>
+          <p:cNvPr id="230" name="4"/>
           <p:cNvSpPr/>
           <p:nvPr/>
         </p:nvSpPr>
@@ -4064,7 +5730,7 @@
       </p:sp>
       <p:sp>
         <p:nvSpPr>
-          <p:cNvPr id="223" name="5"/>
+          <p:cNvPr id="231" name="5"/>
           <p:cNvSpPr/>
           <p:nvPr/>
         </p:nvSpPr>
@@ -4104,7 +5770,7 @@
       </p:sp>
       <p:sp>
         <p:nvSpPr>
-          <p:cNvPr id="224" name="19"/>
+          <p:cNvPr id="232" name="19"/>
           <p:cNvSpPr/>
           <p:nvPr/>
         </p:nvSpPr>
@@ -4144,7 +5810,7 @@
       </p:sp>
       <p:sp>
         <p:nvSpPr>
-          <p:cNvPr id="225" name="6"/>
+          <p:cNvPr id="233" name="6"/>
           <p:cNvSpPr/>
           <p:nvPr/>
         </p:nvSpPr>
@@ -4184,7 +5850,7 @@
       </p:sp>
       <p:grpSp>
         <p:nvGrpSpPr>
-          <p:cNvPr id="229" name="Group"/>
+          <p:cNvPr id="237" name="Group"/>
           <p:cNvGrpSpPr/>
           <p:nvPr/>
         </p:nvGrpSpPr>
@@ -4198,7 +5864,7 @@
         </p:grpSpPr>
         <p:sp>
           <p:nvSpPr>
-            <p:cNvPr id="226" name="20"/>
+            <p:cNvPr id="234" name="20"/>
             <p:cNvSpPr/>
             <p:nvPr/>
           </p:nvSpPr>
@@ -4244,7 +5910,7 @@
         </p:sp>
         <p:sp>
           <p:nvSpPr>
-            <p:cNvPr id="227" name="10"/>
+            <p:cNvPr id="235" name="10"/>
             <p:cNvSpPr/>
             <p:nvPr/>
           </p:nvSpPr>
@@ -4290,7 +5956,7 @@
         </p:sp>
         <p:sp>
           <p:nvSpPr>
-            <p:cNvPr id="228" name="15"/>
+            <p:cNvPr id="236" name="15"/>
             <p:cNvSpPr/>
             <p:nvPr/>
           </p:nvSpPr>
@@ -4337,7 +6003,7 @@
       </p:grpSp>
       <p:sp>
         <p:nvSpPr>
-          <p:cNvPr id="230" name="S1"/>
+          <p:cNvPr id="238" name="S1"/>
           <p:cNvSpPr txBox="1"/>
           <p:nvPr/>
         </p:nvSpPr>
@@ -4377,7 +6043,7 @@
       </p:sp>
       <p:grpSp>
         <p:nvGrpSpPr>
-          <p:cNvPr id="234" name="Group"/>
+          <p:cNvPr id="242" name="Group"/>
           <p:cNvGrpSpPr/>
           <p:nvPr/>
         </p:nvGrpSpPr>
@@ -4391,7 +6057,7 @@
         </p:grpSpPr>
         <p:sp>
           <p:nvSpPr>
-            <p:cNvPr id="231" name="S2"/>
+            <p:cNvPr id="239" name="S2"/>
             <p:cNvSpPr txBox="1"/>
             <p:nvPr/>
           </p:nvSpPr>
@@ -4434,7 +6100,7 @@
         </p:sp>
         <p:sp>
           <p:nvSpPr>
-            <p:cNvPr id="232" name="3"/>
+            <p:cNvPr id="240" name="3"/>
             <p:cNvSpPr/>
             <p:nvPr/>
           </p:nvSpPr>
@@ -4480,7 +6146,7 @@
         </p:sp>
         <p:sp>
           <p:nvSpPr>
-            <p:cNvPr id="233" name="4"/>
+            <p:cNvPr id="241" name="4"/>
             <p:cNvSpPr/>
             <p:nvPr/>
           </p:nvSpPr>
@@ -4527,7 +6193,7 @@
       </p:grpSp>
       <p:sp>
         <p:nvSpPr>
-          <p:cNvPr id="235" name="5"/>
+          <p:cNvPr id="243" name="5"/>
           <p:cNvSpPr/>
           <p:nvPr/>
         </p:nvSpPr>
@@ -4567,7 +6233,7 @@
       </p:sp>
       <p:sp>
         <p:nvSpPr>
-          <p:cNvPr id="236" name="6"/>
+          <p:cNvPr id="244" name="6"/>
           <p:cNvSpPr/>
           <p:nvPr/>
         </p:nvSpPr>
@@ -4607,7 +6273,7 @@
       </p:sp>
       <p:sp>
         <p:nvSpPr>
-          <p:cNvPr id="237" name="10"/>
+          <p:cNvPr id="245" name="10"/>
           <p:cNvSpPr/>
           <p:nvPr/>
         </p:nvSpPr>
@@ -4647,14 +6313,14 @@
       </p:sp>
       <p:sp>
         <p:nvSpPr>
-          <p:cNvPr id="238" name="19"/>
+          <p:cNvPr id="246" name="19"/>
           <p:cNvSpPr/>
           <p:nvPr/>
         </p:nvSpPr>
         <p:spPr>
           <a:xfrm>
-            <a:off x="7838249" y="4668515"/>
-            <a:ext cx="696081" cy="661893"/>
+            <a:off x="7838250" y="4668515"/>
+            <a:ext cx="696080" cy="661893"/>
           </a:xfrm>
           <a:prstGeom prst="ellipse">
             <a:avLst/>
@@ -4687,7 +6353,7 @@
       </p:sp>
       <p:grpSp>
         <p:nvGrpSpPr>
-          <p:cNvPr id="241" name="Group"/>
+          <p:cNvPr id="249" name="Group"/>
           <p:cNvGrpSpPr/>
           <p:nvPr/>
         </p:nvGrpSpPr>
@@ -4701,7 +6367,7 @@
         </p:grpSpPr>
         <p:sp>
           <p:nvSpPr>
-            <p:cNvPr id="239" name="20"/>
+            <p:cNvPr id="247" name="20"/>
             <p:cNvSpPr/>
             <p:nvPr/>
           </p:nvSpPr>
@@ -4747,7 +6413,7 @@
         </p:sp>
         <p:sp>
           <p:nvSpPr>
-            <p:cNvPr id="240" name="15"/>
+            <p:cNvPr id="248" name="15"/>
             <p:cNvSpPr/>
             <p:nvPr/>
           </p:nvSpPr>
@@ -4794,7 +6460,7 @@
       </p:grpSp>
       <p:sp>
         <p:nvSpPr>
-          <p:cNvPr id="242" name="20"/>
+          <p:cNvPr id="250" name="20"/>
           <p:cNvSpPr/>
           <p:nvPr/>
         </p:nvSpPr>
@@ -4834,14 +6500,14 @@
       </p:sp>
       <p:sp>
         <p:nvSpPr>
-          <p:cNvPr id="243" name="6"/>
+          <p:cNvPr id="251" name="6"/>
           <p:cNvSpPr/>
           <p:nvPr/>
         </p:nvSpPr>
         <p:spPr>
           <a:xfrm>
-            <a:off x="5492131" y="5422973"/>
-            <a:ext cx="696080" cy="661893"/>
+            <a:off x="5492131" y="5422974"/>
+            <a:ext cx="696080" cy="661892"/>
           </a:xfrm>
           <a:prstGeom prst="ellipse">
             <a:avLst/>
@@ -4874,14 +6540,14 @@
       </p:sp>
       <p:sp>
         <p:nvSpPr>
-          <p:cNvPr id="244" name="10"/>
+          <p:cNvPr id="252" name="10"/>
           <p:cNvSpPr/>
           <p:nvPr/>
         </p:nvSpPr>
         <p:spPr>
           <a:xfrm>
-            <a:off x="6272162" y="5422973"/>
-            <a:ext cx="696080" cy="661893"/>
+            <a:off x="6272162" y="5422974"/>
+            <a:ext cx="696080" cy="661892"/>
           </a:xfrm>
           <a:prstGeom prst="ellipse">
             <a:avLst/>
@@ -4914,14 +6580,14 @@
       </p:sp>
       <p:sp>
         <p:nvSpPr>
-          <p:cNvPr id="245" name="19"/>
+          <p:cNvPr id="253" name="19"/>
           <p:cNvSpPr/>
           <p:nvPr/>
         </p:nvSpPr>
         <p:spPr>
           <a:xfrm>
-            <a:off x="7832222" y="5422973"/>
-            <a:ext cx="696080" cy="661893"/>
+            <a:off x="7832222" y="5422974"/>
+            <a:ext cx="696080" cy="661892"/>
           </a:xfrm>
           <a:prstGeom prst="ellipse">
             <a:avLst/>
@@ -4954,7 +6620,7 @@
       </p:sp>
       <p:grpSp>
         <p:nvGrpSpPr>
-          <p:cNvPr id="250" name="Group"/>
+          <p:cNvPr id="258" name="Group"/>
           <p:cNvGrpSpPr/>
           <p:nvPr/>
         </p:nvGrpSpPr>
@@ -4968,7 +6634,7 @@
         </p:grpSpPr>
         <p:sp>
           <p:nvSpPr>
-            <p:cNvPr id="246" name="S3"/>
+            <p:cNvPr id="254" name="S3"/>
             <p:cNvSpPr txBox="1"/>
             <p:nvPr/>
           </p:nvSpPr>
@@ -5011,7 +6677,7 @@
         </p:sp>
         <p:sp>
           <p:nvSpPr>
-            <p:cNvPr id="247" name="3"/>
+            <p:cNvPr id="255" name="3"/>
             <p:cNvSpPr/>
             <p:nvPr/>
           </p:nvSpPr>
@@ -5057,7 +6723,7 @@
         </p:sp>
         <p:sp>
           <p:nvSpPr>
-            <p:cNvPr id="248" name="4"/>
+            <p:cNvPr id="256" name="4"/>
             <p:cNvSpPr/>
             <p:nvPr/>
           </p:nvSpPr>
@@ -5103,7 +6769,7 @@
         </p:sp>
         <p:sp>
           <p:nvSpPr>
-            <p:cNvPr id="249" name="5"/>
+            <p:cNvPr id="257" name="5"/>
             <p:cNvSpPr/>
             <p:nvPr/>
           </p:nvSpPr>
@@ -5150,14 +6816,14 @@
       </p:grpSp>
       <p:sp>
         <p:nvSpPr>
-          <p:cNvPr id="251" name="15"/>
+          <p:cNvPr id="259" name="15"/>
           <p:cNvSpPr/>
           <p:nvPr/>
         </p:nvSpPr>
         <p:spPr>
           <a:xfrm>
-            <a:off x="7064248" y="5422973"/>
-            <a:ext cx="696080" cy="661893"/>
+            <a:off x="7064247" y="5422974"/>
+            <a:ext cx="696080" cy="661892"/>
           </a:xfrm>
           <a:prstGeom prst="ellipse">
             <a:avLst/>
@@ -5190,14 +6856,14 @@
       </p:sp>
       <p:sp>
         <p:nvSpPr>
-          <p:cNvPr id="252" name="20"/>
+          <p:cNvPr id="260" name="20"/>
           <p:cNvSpPr/>
           <p:nvPr/>
         </p:nvSpPr>
         <p:spPr>
           <a:xfrm>
-            <a:off x="7844278" y="6135844"/>
-            <a:ext cx="696080" cy="661893"/>
+            <a:off x="7844277" y="6135844"/>
+            <a:ext cx="696080" cy="661892"/>
           </a:xfrm>
           <a:prstGeom prst="ellipse">
             <a:avLst/>
@@ -5230,14 +6896,14 @@
       </p:sp>
       <p:sp>
         <p:nvSpPr>
-          <p:cNvPr id="253" name="10"/>
+          <p:cNvPr id="261" name="10"/>
           <p:cNvSpPr/>
           <p:nvPr/>
         </p:nvSpPr>
         <p:spPr>
           <a:xfrm>
             <a:off x="5487559" y="6135844"/>
-            <a:ext cx="696080" cy="661893"/>
+            <a:ext cx="696080" cy="661892"/>
           </a:xfrm>
           <a:prstGeom prst="ellipse">
             <a:avLst/>
@@ -5270,14 +6936,14 @@
       </p:sp>
       <p:sp>
         <p:nvSpPr>
-          <p:cNvPr id="254" name="19"/>
+          <p:cNvPr id="262" name="19"/>
           <p:cNvSpPr/>
           <p:nvPr/>
         </p:nvSpPr>
         <p:spPr>
           <a:xfrm>
             <a:off x="7047619" y="6135844"/>
-            <a:ext cx="696080" cy="661893"/>
+            <a:ext cx="696080" cy="661892"/>
           </a:xfrm>
           <a:prstGeom prst="ellipse">
             <a:avLst/>
@@ -5310,7 +6976,7 @@
       </p:sp>
       <p:grpSp>
         <p:nvGrpSpPr>
-          <p:cNvPr id="260" name="Group"/>
+          <p:cNvPr id="268" name="Group"/>
           <p:cNvGrpSpPr/>
           <p:nvPr/>
         </p:nvGrpSpPr>
@@ -5324,7 +6990,7 @@
         </p:grpSpPr>
         <p:sp>
           <p:nvSpPr>
-            <p:cNvPr id="255" name="S4"/>
+            <p:cNvPr id="263" name="S4"/>
             <p:cNvSpPr txBox="1"/>
             <p:nvPr/>
           </p:nvSpPr>
@@ -5367,7 +7033,7 @@
         </p:sp>
         <p:sp>
           <p:nvSpPr>
-            <p:cNvPr id="256" name="3"/>
+            <p:cNvPr id="264" name="3"/>
             <p:cNvSpPr/>
             <p:nvPr/>
           </p:nvSpPr>
@@ -5413,7 +7079,7 @@
         </p:sp>
         <p:sp>
           <p:nvSpPr>
-            <p:cNvPr id="257" name="6"/>
+            <p:cNvPr id="265" name="6"/>
             <p:cNvSpPr/>
             <p:nvPr/>
           </p:nvSpPr>
@@ -5459,7 +7125,7 @@
         </p:sp>
         <p:sp>
           <p:nvSpPr>
-            <p:cNvPr id="258" name="4"/>
+            <p:cNvPr id="266" name="4"/>
             <p:cNvSpPr/>
             <p:nvPr/>
           </p:nvSpPr>
@@ -5505,7 +7171,7 @@
         </p:sp>
         <p:sp>
           <p:nvSpPr>
-            <p:cNvPr id="259" name="5"/>
+            <p:cNvPr id="267" name="5"/>
             <p:cNvSpPr/>
             <p:nvPr/>
           </p:nvSpPr>
@@ -5552,14 +7218,14 @@
       </p:grpSp>
       <p:sp>
         <p:nvSpPr>
-          <p:cNvPr id="261" name="15"/>
+          <p:cNvPr id="269" name="15"/>
           <p:cNvSpPr/>
           <p:nvPr/>
         </p:nvSpPr>
         <p:spPr>
           <a:xfrm>
             <a:off x="6279644" y="6135844"/>
-            <a:ext cx="696080" cy="661893"/>
+            <a:ext cx="696081" cy="661892"/>
           </a:xfrm>
           <a:prstGeom prst="ellipse">
             <a:avLst/>
@@ -5592,21 +7258,21 @@
       </p:sp>
       <p:grpSp>
         <p:nvGrpSpPr>
-          <p:cNvPr id="271" name="Group"/>
+          <p:cNvPr id="279" name="Group"/>
           <p:cNvGrpSpPr/>
           <p:nvPr/>
         </p:nvGrpSpPr>
         <p:grpSpPr>
           <a:xfrm>
             <a:off x="1395202" y="3018294"/>
-            <a:ext cx="8565193" cy="691665"/>
+            <a:ext cx="8565192" cy="691665"/>
             <a:chOff x="0" y="0"/>
-            <a:chExt cx="8565192" cy="691664"/>
+            <a:chExt cx="8565191" cy="691664"/>
           </a:xfrm>
         </p:grpSpPr>
         <p:sp>
           <p:nvSpPr>
-            <p:cNvPr id="262" name="6"/>
+            <p:cNvPr id="270" name="6"/>
             <p:cNvSpPr/>
             <p:nvPr/>
           </p:nvSpPr>
@@ -5652,7 +7318,7 @@
         </p:sp>
         <p:sp>
           <p:nvSpPr>
-            <p:cNvPr id="263" name="20"/>
+            <p:cNvPr id="271" name="20"/>
             <p:cNvSpPr/>
             <p:nvPr/>
           </p:nvSpPr>
@@ -5698,7 +7364,7 @@
         </p:sp>
         <p:sp>
           <p:nvSpPr>
-            <p:cNvPr id="264" name="10"/>
+            <p:cNvPr id="272" name="10"/>
             <p:cNvSpPr/>
             <p:nvPr/>
           </p:nvSpPr>
@@ -5744,7 +7410,7 @@
         </p:sp>
         <p:sp>
           <p:nvSpPr>
-            <p:cNvPr id="265" name="3"/>
+            <p:cNvPr id="273" name="3"/>
             <p:cNvSpPr/>
             <p:nvPr/>
           </p:nvSpPr>
@@ -5790,7 +7456,7 @@
         </p:sp>
         <p:sp>
           <p:nvSpPr>
-            <p:cNvPr id="266" name="4"/>
+            <p:cNvPr id="274" name="4"/>
             <p:cNvSpPr/>
             <p:nvPr/>
           </p:nvSpPr>
@@ -5836,7 +7502,7 @@
         </p:sp>
         <p:sp>
           <p:nvSpPr>
-            <p:cNvPr id="267" name="5"/>
+            <p:cNvPr id="275" name="5"/>
             <p:cNvSpPr/>
             <p:nvPr/>
           </p:nvSpPr>
@@ -5882,7 +7548,7 @@
         </p:sp>
         <p:sp>
           <p:nvSpPr>
-            <p:cNvPr id="268" name="19"/>
+            <p:cNvPr id="276" name="19"/>
             <p:cNvSpPr/>
             <p:nvPr/>
           </p:nvSpPr>
@@ -5928,7 +7594,7 @@
         </p:sp>
         <p:sp>
           <p:nvSpPr>
-            <p:cNvPr id="269" name="15"/>
+            <p:cNvPr id="277" name="15"/>
             <p:cNvSpPr/>
             <p:nvPr/>
           </p:nvSpPr>
@@ -5974,13 +7640,13 @@
         </p:sp>
         <p:sp>
           <p:nvSpPr>
-            <p:cNvPr id="270" name="Moves"/>
+            <p:cNvPr id="278" name="Moves"/>
             <p:cNvSpPr txBox="1"/>
             <p:nvPr/>
           </p:nvSpPr>
           <p:spPr>
             <a:xfrm>
-              <a:off x="7442249" y="114271"/>
+              <a:off x="7442248" y="114271"/>
               <a:ext cx="1122944" cy="492895"/>
             </a:xfrm>
             <a:prstGeom prst="rect">
@@ -6018,7 +7684,7 @@
       </p:grpSp>
       <p:sp>
         <p:nvSpPr>
-          <p:cNvPr id="272" name="4"/>
+          <p:cNvPr id="280" name="4"/>
           <p:cNvSpPr txBox="1"/>
           <p:nvPr/>
         </p:nvSpPr>
@@ -6058,7 +7724,7 @@
       </p:sp>
       <p:sp>
         <p:nvSpPr>
-          <p:cNvPr id="273" name="4"/>
+          <p:cNvPr id="281" name="4"/>
           <p:cNvSpPr txBox="1"/>
           <p:nvPr/>
         </p:nvSpPr>
@@ -6098,7 +7764,7 @@
       </p:sp>
       <p:sp>
         <p:nvSpPr>
-          <p:cNvPr id="274" name="4"/>
+          <p:cNvPr id="282" name="4"/>
           <p:cNvSpPr txBox="1"/>
           <p:nvPr/>
         </p:nvSpPr>
@@ -6138,7 +7804,7 @@
       </p:sp>
       <p:sp>
         <p:nvSpPr>
-          <p:cNvPr id="275" name="5"/>
+          <p:cNvPr id="283" name="5"/>
           <p:cNvSpPr txBox="1"/>
           <p:nvPr/>
         </p:nvSpPr>
@@ -6215,7 +7881,7 @@
                                       <p:cBhvr>
                                         <p:cTn id="6" fill="hold"/>
                                         <p:tgtEl>
-                                          <p:spTgt spid="217">
+                                          <p:spTgt spid="225">
                                             <p:bg/>
                                           </p:spTgt>
                                         </p:tgtEl>
@@ -6243,7 +7909,7 @@
                                       <p:cBhvr>
                                         <p:cTn id="8" fill="hold"/>
                                         <p:tgtEl>
-                                          <p:spTgt spid="217">
+                                          <p:spTgt spid="225">
                                             <p:txEl>
                                               <p:pRg st="0" end="0"/>
                                             </p:txEl>
@@ -6291,7 +7957,7 @@
                                       <p:cBhvr>
                                         <p:cTn id="12" fill="hold"/>
                                         <p:tgtEl>
-                                          <p:spTgt spid="217">
+                                          <p:spTgt spid="225">
                                             <p:txEl>
                                               <p:pRg st="1" end="1"/>
                                             </p:txEl>
@@ -6339,7 +8005,7 @@
                                       <p:cBhvr>
                                         <p:cTn id="16" fill="hold"/>
                                         <p:tgtEl>
-                                          <p:spTgt spid="217">
+                                          <p:spTgt spid="225">
                                             <p:txEl>
                                               <p:pRg st="2" end="2"/>
                                             </p:txEl>
@@ -6387,7 +8053,7 @@
                                       <p:cBhvr>
                                         <p:cTn id="20" fill="hold"/>
                                         <p:tgtEl>
-                                          <p:spTgt spid="271"/>
+                                          <p:spTgt spid="279"/>
                                         </p:tgtEl>
                                         <p:attrNameLst>
                                           <p:attrName>style.visibility</p:attrName>
@@ -6431,7 +8097,7 @@
                                       <p:cBhvr>
                                         <p:cTn id="24" fill="hold"/>
                                         <p:tgtEl>
-                                          <p:spTgt spid="230"/>
+                                          <p:spTgt spid="238"/>
                                         </p:tgtEl>
                                         <p:attrNameLst>
                                           <p:attrName>style.visibility</p:attrName>
@@ -6475,7 +8141,7 @@
                                       <p:cBhvr>
                                         <p:cTn id="28" fill="hold"/>
                                         <p:tgtEl>
-                                          <p:spTgt spid="221"/>
+                                          <p:spTgt spid="229"/>
                                         </p:tgtEl>
                                         <p:attrNameLst>
                                           <p:attrName>style.visibility</p:attrName>
@@ -6519,7 +8185,7 @@
                                       <p:cBhvr>
                                         <p:cTn id="32" fill="hold"/>
                                         <p:tgtEl>
-                                          <p:spTgt spid="222"/>
+                                          <p:spTgt spid="230"/>
                                         </p:tgtEl>
                                         <p:attrNameLst>
                                           <p:attrName>style.visibility</p:attrName>
@@ -6563,7 +8229,7 @@
                                       <p:cBhvr>
                                         <p:cTn id="36" fill="hold"/>
                                         <p:tgtEl>
-                                          <p:spTgt spid="223"/>
+                                          <p:spTgt spid="231"/>
                                         </p:tgtEl>
                                         <p:attrNameLst>
                                           <p:attrName>style.visibility</p:attrName>
@@ -6607,7 +8273,7 @@
                                       <p:cBhvr>
                                         <p:cTn id="40" fill="hold"/>
                                         <p:tgtEl>
-                                          <p:spTgt spid="225"/>
+                                          <p:spTgt spid="233"/>
                                         </p:tgtEl>
                                         <p:attrNameLst>
                                           <p:attrName>style.visibility</p:attrName>
@@ -6651,7 +8317,7 @@
                                       <p:cBhvr>
                                         <p:cTn id="44" fill="hold"/>
                                         <p:tgtEl>
-                                          <p:spTgt spid="229"/>
+                                          <p:spTgt spid="237"/>
                                         </p:tgtEl>
                                         <p:attrNameLst>
                                           <p:attrName>style.visibility</p:attrName>
@@ -6695,7 +8361,7 @@
                                       <p:cBhvr>
                                         <p:cTn id="48" fill="hold"/>
                                         <p:tgtEl>
-                                          <p:spTgt spid="224"/>
+                                          <p:spTgt spid="232"/>
                                         </p:tgtEl>
                                         <p:attrNameLst>
                                           <p:attrName>style.visibility</p:attrName>
@@ -6739,7 +8405,7 @@
                                       <p:cBhvr>
                                         <p:cTn id="52" fill="hold"/>
                                         <p:tgtEl>
-                                          <p:spTgt spid="272"/>
+                                          <p:spTgt spid="280"/>
                                         </p:tgtEl>
                                         <p:attrNameLst>
                                           <p:attrName>style.visibility</p:attrName>
@@ -6783,7 +8449,7 @@
                                       <p:cBhvr>
                                         <p:cTn id="56" fill="hold"/>
                                         <p:tgtEl>
-                                          <p:spTgt spid="234"/>
+                                          <p:spTgt spid="242"/>
                                         </p:tgtEl>
                                         <p:attrNameLst>
                                           <p:attrName>style.visibility</p:attrName>
@@ -6827,7 +8493,7 @@
                                       <p:cBhvr>
                                         <p:cTn id="60" fill="hold"/>
                                         <p:tgtEl>
-                                          <p:spTgt spid="235"/>
+                                          <p:spTgt spid="243"/>
                                         </p:tgtEl>
                                         <p:attrNameLst>
                                           <p:attrName>style.visibility</p:attrName>
@@ -6871,7 +8537,7 @@
                                       <p:cBhvr>
                                         <p:cTn id="64" fill="hold"/>
                                         <p:tgtEl>
-                                          <p:spTgt spid="236"/>
+                                          <p:spTgt spid="244"/>
                                         </p:tgtEl>
                                         <p:attrNameLst>
                                           <p:attrName>style.visibility</p:attrName>
@@ -6915,7 +8581,7 @@
                                       <p:cBhvr>
                                         <p:cTn id="68" fill="hold"/>
                                         <p:tgtEl>
-                                          <p:spTgt spid="237"/>
+                                          <p:spTgt spid="245"/>
                                         </p:tgtEl>
                                         <p:attrNameLst>
                                           <p:attrName>style.visibility</p:attrName>
@@ -6959,7 +8625,7 @@
                                       <p:cBhvr>
                                         <p:cTn id="72" fill="hold"/>
                                         <p:tgtEl>
-                                          <p:spTgt spid="241"/>
+                                          <p:spTgt spid="249"/>
                                         </p:tgtEl>
                                         <p:attrNameLst>
                                           <p:attrName>style.visibility</p:attrName>
@@ -7003,7 +8669,7 @@
                                       <p:cBhvr>
                                         <p:cTn id="76" fill="hold"/>
                                         <p:tgtEl>
-                                          <p:spTgt spid="238"/>
+                                          <p:spTgt spid="246"/>
                                         </p:tgtEl>
                                         <p:attrNameLst>
                                           <p:attrName>style.visibility</p:attrName>
@@ -7047,7 +8713,7 @@
                                       <p:cBhvr>
                                         <p:cTn id="80" fill="hold"/>
                                         <p:tgtEl>
-                                          <p:spTgt spid="273"/>
+                                          <p:spTgt spid="281"/>
                                         </p:tgtEl>
                                         <p:attrNameLst>
                                           <p:attrName>style.visibility</p:attrName>
@@ -7091,7 +8757,7 @@
                                       <p:cBhvr>
                                         <p:cTn id="84" fill="hold"/>
                                         <p:tgtEl>
-                                          <p:spTgt spid="250"/>
+                                          <p:spTgt spid="258"/>
                                         </p:tgtEl>
                                         <p:attrNameLst>
                                           <p:attrName>style.visibility</p:attrName>
@@ -7135,7 +8801,7 @@
                                       <p:cBhvr>
                                         <p:cTn id="88" fill="hold"/>
                                         <p:tgtEl>
-                                          <p:spTgt spid="243"/>
+                                          <p:spTgt spid="251"/>
                                         </p:tgtEl>
                                         <p:attrNameLst>
                                           <p:attrName>style.visibility</p:attrName>
@@ -7179,7 +8845,7 @@
                                       <p:cBhvr>
                                         <p:cTn id="92" fill="hold"/>
                                         <p:tgtEl>
-                                          <p:spTgt spid="244"/>
+                                          <p:spTgt spid="252"/>
                                         </p:tgtEl>
                                         <p:attrNameLst>
                                           <p:attrName>style.visibility</p:attrName>
@@ -7223,7 +8889,7 @@
                                       <p:cBhvr>
                                         <p:cTn id="96" fill="hold"/>
                                         <p:tgtEl>
-                                          <p:spTgt spid="251"/>
+                                          <p:spTgt spid="259"/>
                                         </p:tgtEl>
                                         <p:attrNameLst>
                                           <p:attrName>style.visibility</p:attrName>
@@ -7267,7 +8933,7 @@
                                       <p:cBhvr>
                                         <p:cTn id="100" fill="hold"/>
                                         <p:tgtEl>
-                                          <p:spTgt spid="242"/>
+                                          <p:spTgt spid="250"/>
                                         </p:tgtEl>
                                         <p:attrNameLst>
                                           <p:attrName>style.visibility</p:attrName>
@@ -7311,7 +8977,7 @@
                                       <p:cBhvr>
                                         <p:cTn id="104" fill="hold"/>
                                         <p:tgtEl>
-                                          <p:spTgt spid="245"/>
+                                          <p:spTgt spid="253"/>
                                         </p:tgtEl>
                                         <p:attrNameLst>
                                           <p:attrName>style.visibility</p:attrName>
@@ -7355,7 +9021,7 @@
                                       <p:cBhvr>
                                         <p:cTn id="108" fill="hold"/>
                                         <p:tgtEl>
-                                          <p:spTgt spid="274"/>
+                                          <p:spTgt spid="282"/>
                                         </p:tgtEl>
                                         <p:attrNameLst>
                                           <p:attrName>style.visibility</p:attrName>
@@ -7369,7 +9035,7 @@
                                       <p:cBhvr>
                                         <p:cTn id="109" dur="1000" fill="hold"/>
                                         <p:tgtEl>
-                                          <p:spTgt spid="274"/>
+                                          <p:spTgt spid="282"/>
                                         </p:tgtEl>
                                         <p:attrNameLst>
                                           <p:attrName>ppt_w</p:attrName>
@@ -7392,7 +9058,7 @@
                                       <p:cBhvr>
                                         <p:cTn id="110" dur="1000" fill="hold"/>
                                         <p:tgtEl>
-                                          <p:spTgt spid="274"/>
+                                          <p:spTgt spid="282"/>
                                         </p:tgtEl>
                                         <p:attrNameLst>
                                           <p:attrName>ppt_h</p:attrName>
@@ -7415,7 +9081,7 @@
                                       <p:cBhvr>
                                         <p:cTn id="111" dur="1000" fill="hold"/>
                                         <p:tgtEl>
-                                          <p:spTgt spid="274"/>
+                                          <p:spTgt spid="282"/>
                                         </p:tgtEl>
                                         <p:attrNameLst>
                                           <p:attrName>ppt_x</p:attrName>
@@ -7438,7 +9104,7 @@
                                       <p:cBhvr>
                                         <p:cTn id="112" dur="1000" fill="hold"/>
                                         <p:tgtEl>
-                                          <p:spTgt spid="274"/>
+                                          <p:spTgt spid="282"/>
                                         </p:tgtEl>
                                         <p:attrNameLst>
                                           <p:attrName>ppt_y</p:attrName>
@@ -7491,7 +9157,7 @@
                                       <p:cBhvr>
                                         <p:cTn id="116" fill="hold"/>
                                         <p:tgtEl>
-                                          <p:spTgt spid="260"/>
+                                          <p:spTgt spid="268"/>
                                         </p:tgtEl>
                                         <p:attrNameLst>
                                           <p:attrName>style.visibility</p:attrName>
@@ -7535,7 +9201,7 @@
                                       <p:cBhvr>
                                         <p:cTn id="120" fill="hold"/>
                                         <p:tgtEl>
-                                          <p:spTgt spid="253"/>
+                                          <p:spTgt spid="261"/>
                                         </p:tgtEl>
                                         <p:attrNameLst>
                                           <p:attrName>style.visibility</p:attrName>
@@ -7579,7 +9245,7 @@
                                       <p:cBhvr>
                                         <p:cTn id="124" fill="hold"/>
                                         <p:tgtEl>
-                                          <p:spTgt spid="261"/>
+                                          <p:spTgt spid="269"/>
                                         </p:tgtEl>
                                         <p:attrNameLst>
                                           <p:attrName>style.visibility</p:attrName>
@@ -7623,7 +9289,7 @@
                                       <p:cBhvr>
                                         <p:cTn id="128" fill="hold"/>
                                         <p:tgtEl>
-                                          <p:spTgt spid="254"/>
+                                          <p:spTgt spid="262"/>
                                         </p:tgtEl>
                                         <p:attrNameLst>
                                           <p:attrName>style.visibility</p:attrName>
@@ -7667,7 +9333,7 @@
                                       <p:cBhvr>
                                         <p:cTn id="132" fill="hold"/>
                                         <p:tgtEl>
-                                          <p:spTgt spid="252"/>
+                                          <p:spTgt spid="260"/>
                                         </p:tgtEl>
                                         <p:attrNameLst>
                                           <p:attrName>style.visibility</p:attrName>
@@ -7711,7 +9377,7 @@
                                       <p:cBhvr>
                                         <p:cTn id="136" fill="hold"/>
                                         <p:tgtEl>
-                                          <p:spTgt spid="275"/>
+                                          <p:spTgt spid="283"/>
                                         </p:tgtEl>
                                         <p:attrNameLst>
                                           <p:attrName>style.visibility</p:attrName>
@@ -7752,42 +9418,42 @@
       </p:par>
     </p:tnLst>
     <p:bldLst>
-      <p:bldP build="whole" bldLvl="1" animBg="1" rev="0" advAuto="0" spid="272" grpId="10"/>
-      <p:bldP build="whole" bldLvl="1" animBg="1" rev="0" advAuto="0" spid="245" grpId="23"/>
-      <p:bldP build="p" bldLvl="5" animBg="1" rev="0" advAuto="0" spid="217" grpId="1"/>
-      <p:bldP build="whole" bldLvl="1" animBg="1" rev="0" advAuto="0" spid="250" grpId="18"/>
-      <p:bldP build="whole" bldLvl="1" animBg="1" rev="0" advAuto="0" spid="275" grpId="30"/>
-      <p:bldP build="whole" bldLvl="1" animBg="1" rev="0" advAuto="0" spid="230" grpId="3"/>
-      <p:bldP build="whole" bldLvl="1" animBg="1" rev="0" advAuto="0" spid="238" grpId="16"/>
-      <p:bldP build="whole" bldLvl="1" animBg="1" rev="0" advAuto="0" spid="236" grpId="13"/>
-      <p:bldP build="whole" bldLvl="1" animBg="1" rev="0" advAuto="0" spid="237" grpId="14"/>
-      <p:bldP build="whole" bldLvl="1" animBg="1" rev="0" advAuto="0" spid="224" grpId="9"/>
-      <p:bldP build="whole" bldLvl="1" animBg="1" rev="0" advAuto="0" spid="241" grpId="15"/>
-      <p:bldP build="whole" bldLvl="1" animBg="1" rev="0" advAuto="0" spid="261" grpId="27"/>
-      <p:bldP build="whole" bldLvl="1" animBg="1" rev="0" advAuto="0" spid="244" grpId="20"/>
-      <p:bldP build="whole" bldLvl="1" animBg="1" rev="0" advAuto="0" spid="222" grpId="5"/>
-      <p:bldP build="whole" bldLvl="1" animBg="1" rev="0" advAuto="0" spid="260" grpId="25"/>
-      <p:bldP build="whole" bldLvl="1" animBg="1" rev="0" advAuto="0" spid="221" grpId="4"/>
-      <p:bldP build="whole" bldLvl="1" animBg="1" rev="0" advAuto="0" spid="242" grpId="22"/>
-      <p:bldP build="whole" bldLvl="1" animBg="1" rev="0" advAuto="0" spid="223" grpId="6"/>
-      <p:bldP build="whole" bldLvl="1" animBg="1" rev="0" advAuto="0" spid="254" grpId="28"/>
-      <p:bldP build="whole" bldLvl="1" animBg="1" rev="0" advAuto="0" spid="234" grpId="11"/>
-      <p:bldP build="whole" bldLvl="1" animBg="1" rev="0" advAuto="0" spid="229" grpId="8"/>
-      <p:bldP build="whole" bldLvl="1" animBg="1" rev="0" advAuto="0" spid="243" grpId="19"/>
-      <p:bldP build="whole" bldLvl="1" animBg="1" rev="0" advAuto="0" spid="253" grpId="26"/>
-      <p:bldP build="whole" bldLvl="1" animBg="1" rev="0" advAuto="0" spid="273" grpId="17"/>
-      <p:bldP build="whole" bldLvl="1" animBg="1" rev="0" advAuto="0" spid="251" grpId="21"/>
-      <p:bldP build="whole" bldLvl="1" animBg="1" rev="0" advAuto="0" spid="235" grpId="12"/>
-      <p:bldP build="whole" bldLvl="1" animBg="1" rev="0" advAuto="0" spid="274" grpId="24"/>
-      <p:bldP build="whole" bldLvl="1" animBg="1" rev="0" advAuto="0" spid="225" grpId="7"/>
-      <p:bldP build="whole" bldLvl="1" animBg="1" rev="0" advAuto="0" spid="252" grpId="29"/>
-      <p:bldP build="whole" bldLvl="1" animBg="1" rev="0" advAuto="0" spid="271" grpId="2"/>
+      <p:bldP build="whole" bldLvl="1" animBg="1" rev="0" advAuto="0" spid="231" grpId="6"/>
+      <p:bldP build="whole" bldLvl="1" animBg="1" rev="0" advAuto="0" spid="237" grpId="8"/>
+      <p:bldP build="whole" bldLvl="1" animBg="1" rev="0" advAuto="0" spid="246" grpId="16"/>
+      <p:bldP build="whole" bldLvl="1" animBg="1" rev="0" advAuto="0" spid="252" grpId="20"/>
+      <p:bldP build="whole" bldLvl="1" animBg="1" rev="0" advAuto="0" spid="243" grpId="12"/>
+      <p:bldP build="whole" bldLvl="1" animBg="1" rev="0" advAuto="0" spid="250" grpId="22"/>
+      <p:bldP build="whole" bldLvl="1" animBg="1" rev="0" advAuto="0" spid="268" grpId="25"/>
+      <p:bldP build="whole" bldLvl="1" animBg="1" rev="0" advAuto="0" spid="260" grpId="29"/>
+      <p:bldP build="whole" bldLvl="1" animBg="1" rev="0" advAuto="0" spid="281" grpId="17"/>
+      <p:bldP build="whole" bldLvl="1" animBg="1" rev="0" advAuto="0" spid="258" grpId="18"/>
+      <p:bldP build="whole" bldLvl="1" animBg="1" rev="0" advAuto="0" spid="269" grpId="27"/>
+      <p:bldP build="whole" bldLvl="1" animBg="1" rev="0" advAuto="0" spid="261" grpId="26"/>
+      <p:bldP build="whole" bldLvl="1" animBg="1" rev="0" advAuto="0" spid="230" grpId="5"/>
+      <p:bldP build="whole" bldLvl="1" animBg="1" rev="0" advAuto="0" spid="251" grpId="19"/>
+      <p:bldP build="whole" bldLvl="1" animBg="1" rev="0" advAuto="0" spid="245" grpId="14"/>
+      <p:bldP build="whole" bldLvl="1" animBg="1" rev="0" advAuto="0" spid="244" grpId="13"/>
+      <p:bldP build="whole" bldLvl="1" animBg="1" rev="0" advAuto="0" spid="233" grpId="7"/>
+      <p:bldP build="whole" bldLvl="1" animBg="1" rev="0" advAuto="0" spid="229" grpId="4"/>
+      <p:bldP build="whole" bldLvl="1" animBg="1" rev="0" advAuto="0" spid="280" grpId="10"/>
+      <p:bldP build="whole" bldLvl="1" animBg="1" rev="0" advAuto="0" spid="262" grpId="28"/>
+      <p:bldP build="whole" bldLvl="1" animBg="1" rev="0" advAuto="0" spid="283" grpId="30"/>
+      <p:bldP build="whole" bldLvl="1" animBg="1" rev="0" advAuto="0" spid="232" grpId="9"/>
+      <p:bldP build="whole" bldLvl="1" animBg="1" rev="0" advAuto="0" spid="279" grpId="2"/>
+      <p:bldP build="whole" bldLvl="1" animBg="1" rev="0" advAuto="0" spid="282" grpId="24"/>
+      <p:bldP build="whole" bldLvl="1" animBg="1" rev="0" advAuto="0" spid="242" grpId="11"/>
+      <p:bldP build="whole" bldLvl="1" animBg="1" rev="0" advAuto="0" spid="249" grpId="15"/>
+      <p:bldP build="whole" bldLvl="1" animBg="1" rev="0" advAuto="0" spid="238" grpId="3"/>
+      <p:bldP build="whole" bldLvl="1" animBg="1" rev="0" advAuto="0" spid="259" grpId="21"/>
+      <p:bldP build="whole" bldLvl="1" animBg="1" rev="0" advAuto="0" spid="253" grpId="23"/>
+      <p:bldP build="p" bldLvl="5" animBg="1" rev="0" advAuto="0" spid="225" grpId="1"/>
     </p:bldLst>
   </p:timing>
 </p:sld>
 </file>
 
-<file path=ppt/slides/slide13.xml><?xml version="1.0" encoding="utf-8"?>
+<file path=ppt/slides/slide14.xml><?xml version="1.0" encoding="utf-8"?>
 <p:sld xmlns:a="http://schemas.openxmlformats.org/drawingml/2006/main" xmlns:r="http://schemas.openxmlformats.org/officeDocument/2006/relationships" xmlns:p="http://schemas.openxmlformats.org/presentationml/2006/main" xmlns:m="http://schemas.openxmlformats.org/officeDocument/2006/math" xmlns:a14="http://schemas.microsoft.com/office/drawing/2010/main" showMasterSp="1" showMasterPhAnim="1">
   <p:cSld>
     <p:spTree>
@@ -7806,7 +9472,7 @@
       </p:grpSpPr>
       <p:sp>
         <p:nvSpPr>
-          <p:cNvPr id="277" name="3-way MergeSort"/>
+          <p:cNvPr id="285" name="3-way MergeSort"/>
           <p:cNvSpPr txBox="1"/>
           <p:nvPr>
             <p:ph type="title"/>
@@ -7830,7 +9496,7 @@
       </p:sp>
       <p:sp>
         <p:nvSpPr>
-          <p:cNvPr id="278" name="Divide into 3 parts…"/>
+          <p:cNvPr id="286" name="Divide into 3 parts…"/>
           <p:cNvSpPr txBox="1"/>
           <p:nvPr>
             <p:ph type="body" idx="1"/>
@@ -7930,7 +9596,7 @@
       </p:sp>
       <p:sp>
         <p:nvSpPr>
-          <p:cNvPr id="279" name="Slide Number"/>
+          <p:cNvPr id="287" name="Slide Number"/>
           <p:cNvSpPr txBox="1"/>
           <p:nvPr>
             <p:ph type="sldNum" sz="quarter" idx="2"/>
@@ -7957,7 +9623,7 @@
       </p:sp>
       <p:sp>
         <p:nvSpPr>
-          <p:cNvPr id="280" name="DAA/Divide and Conquer"/>
+          <p:cNvPr id="288" name="DAA/Divide and Conquer"/>
           <p:cNvSpPr txBox="1"/>
           <p:nvPr/>
         </p:nvSpPr>
@@ -7997,7 +9663,7 @@
       </p:sp>
       <p:sp>
         <p:nvSpPr>
-          <p:cNvPr id="281" name="RPR/"/>
+          <p:cNvPr id="289" name="RPR/"/>
           <p:cNvSpPr txBox="1"/>
           <p:nvPr/>
         </p:nvSpPr>
@@ -8074,7 +9740,7 @@
                                       <p:cBhvr>
                                         <p:cTn id="6" fill="hold"/>
                                         <p:tgtEl>
-                                          <p:spTgt spid="278">
+                                          <p:spTgt spid="286">
                                             <p:bg/>
                                           </p:spTgt>
                                         </p:tgtEl>
@@ -8102,7 +9768,7 @@
                                       <p:cBhvr>
                                         <p:cTn id="8" fill="hold"/>
                                         <p:tgtEl>
-                                          <p:spTgt spid="278">
+                                          <p:spTgt spid="286">
                                             <p:txEl>
                                               <p:pRg st="0" end="0"/>
                                             </p:txEl>
@@ -8150,7 +9816,7 @@
                                       <p:cBhvr>
                                         <p:cTn id="12" fill="hold"/>
                                         <p:tgtEl>
-                                          <p:spTgt spid="278">
+                                          <p:spTgt spid="286">
                                             <p:txEl>
                                               <p:pRg st="1" end="1"/>
                                             </p:txEl>
@@ -8198,7 +9864,7 @@
                                       <p:cBhvr>
                                         <p:cTn id="16" fill="hold"/>
                                         <p:tgtEl>
-                                          <p:spTgt spid="278">
+                                          <p:spTgt spid="286">
                                             <p:txEl>
                                               <p:pRg st="2" end="2"/>
                                             </p:txEl>
@@ -8246,7 +9912,7 @@
                                       <p:cBhvr>
                                         <p:cTn id="20" fill="hold"/>
                                         <p:tgtEl>
-                                          <p:spTgt spid="278">
+                                          <p:spTgt spid="286">
                                             <p:txEl>
                                               <p:pRg st="3" end="3"/>
                                             </p:txEl>
@@ -8294,7 +9960,7 @@
                                       <p:cBhvr>
                                         <p:cTn id="24" fill="hold"/>
                                         <p:tgtEl>
-                                          <p:spTgt spid="278">
+                                          <p:spTgt spid="286">
                                             <p:txEl>
                                               <p:pRg st="4" end="4"/>
                                             </p:txEl>
@@ -8342,7 +10008,7 @@
                                       <p:cBhvr>
                                         <p:cTn id="28" fill="hold"/>
                                         <p:tgtEl>
-                                          <p:spTgt spid="278">
+                                          <p:spTgt spid="286">
                                             <p:txEl>
                                               <p:pRg st="5" end="5"/>
                                             </p:txEl>
@@ -8390,7 +10056,7 @@
                                       <p:cBhvr>
                                         <p:cTn id="32" fill="hold"/>
                                         <p:tgtEl>
-                                          <p:spTgt spid="278">
+                                          <p:spTgt spid="286">
                                             <p:txEl>
                                               <p:pRg st="6" end="6"/>
                                             </p:txEl>
@@ -8438,7 +10104,7 @@
                                       <p:cBhvr>
                                         <p:cTn id="36" fill="hold"/>
                                         <p:tgtEl>
-                                          <p:spTgt spid="278">
+                                          <p:spTgt spid="286">
                                             <p:txEl>
                                               <p:pRg st="7" end="7"/>
                                             </p:txEl>
@@ -8483,13 +10149,13 @@
       </p:par>
     </p:tnLst>
     <p:bldLst>
-      <p:bldP build="p" bldLvl="5" animBg="1" rev="0" advAuto="0" spid="278" grpId="1"/>
+      <p:bldP build="p" bldLvl="5" animBg="1" rev="0" advAuto="0" spid="286" grpId="1"/>
     </p:bldLst>
   </p:timing>
 </p:sld>
 </file>
 
-<file path=ppt/slides/slide14.xml><?xml version="1.0" encoding="utf-8"?>
+<file path=ppt/slides/slide15.xml><?xml version="1.0" encoding="utf-8"?>
 <p:sld xmlns:a="http://schemas.openxmlformats.org/drawingml/2006/main" xmlns:r="http://schemas.openxmlformats.org/officeDocument/2006/relationships" xmlns:p="http://schemas.openxmlformats.org/presentationml/2006/main" xmlns:m="http://schemas.openxmlformats.org/officeDocument/2006/math" xmlns:a14="http://schemas.microsoft.com/office/drawing/2010/main" showMasterSp="1" showMasterPhAnim="1">
   <p:cSld>
     <p:spTree>
@@ -8508,7 +10174,7 @@
       </p:grpSpPr>
       <p:sp>
         <p:nvSpPr>
-          <p:cNvPr id="283" name="Summary"/>
+          <p:cNvPr id="291" name="Summary"/>
           <p:cNvSpPr txBox="1"/>
           <p:nvPr>
             <p:ph type="title"/>
@@ -8532,7 +10198,7 @@
       </p:sp>
       <p:sp>
         <p:nvSpPr>
-          <p:cNvPr id="284" name="Mergesort…"/>
+          <p:cNvPr id="292" name="Mergesort…"/>
           <p:cNvSpPr txBox="1"/>
           <p:nvPr>
             <p:ph type="body" idx="1"/>
@@ -8568,7 +10234,7 @@
       </p:sp>
       <p:sp>
         <p:nvSpPr>
-          <p:cNvPr id="285" name="Slide Number"/>
+          <p:cNvPr id="293" name="Slide Number"/>
           <p:cNvSpPr txBox="1"/>
           <p:nvPr>
             <p:ph type="sldNum" sz="quarter" idx="2"/>
@@ -8595,7 +10261,7 @@
       </p:sp>
       <p:sp>
         <p:nvSpPr>
-          <p:cNvPr id="286" name="DAA/Divide and Conquer"/>
+          <p:cNvPr id="294" name="DAA/Divide and Conquer"/>
           <p:cNvSpPr txBox="1"/>
           <p:nvPr/>
         </p:nvSpPr>
@@ -8635,7 +10301,7 @@
       </p:sp>
       <p:sp>
         <p:nvSpPr>
-          <p:cNvPr id="287" name="RPR/"/>
+          <p:cNvPr id="295" name="RPR/"/>
           <p:cNvSpPr txBox="1"/>
           <p:nvPr/>
         </p:nvSpPr>
@@ -8725,7 +10391,7 @@
       </p:sp>
       <p:sp>
         <p:nvSpPr>
-          <p:cNvPr id="48" name="Text book 1: Levitin (Mergesort)"/>
+          <p:cNvPr id="48" name="Text book 1: Levitin (Mergesort)…"/>
           <p:cNvSpPr txBox="1"/>
           <p:nvPr>
             <p:ph type="body" idx="1"/>
@@ -8759,6 +10425,44 @@
             </a:r>
             <a:r>
               <a:t>: Levitin (Mergesort)</a:t>
+            </a:r>
+          </a:p>
+          <a:p>
+            <a:pPr/>
+            <a:r>
+              <a:t>NPTel - DAA (Prof Madhavan Mukund)</a:t>
+            </a:r>
+          </a:p>
+          <a:p>
+            <a:pPr lvl="1">
+              <a:defRPr>
+                <a:latin typeface="Courier New"/>
+                <a:ea typeface="Courier New"/>
+                <a:cs typeface="Courier New"/>
+                <a:sym typeface="Courier New"/>
+              </a:defRPr>
+            </a:pPr>
+            <a:r>
+              <a:rPr u="sng">
+                <a:hlinkClick r:id="rId2" invalidUrl="" action="" tgtFrame="" tooltip="" history="1" highlightClick="0" endSnd="0"/>
+              </a:rPr>
+              <a:t>https://onlinecourses.nptel.ac.in/noc20_cs27/unit?unit=12&amp;lesson=16</a:t>
+            </a:r>
+          </a:p>
+          <a:p>
+            <a:pPr lvl="1">
+              <a:defRPr>
+                <a:latin typeface="Courier New"/>
+                <a:ea typeface="Courier New"/>
+                <a:cs typeface="Courier New"/>
+                <a:sym typeface="Courier New"/>
+              </a:defRPr>
+            </a:pPr>
+            <a:r>
+              <a:rPr u="sng">
+                <a:hlinkClick r:id="rId3" invalidUrl="" action="" tgtFrame="" tooltip="" history="1" highlightClick="0" endSnd="0"/>
+              </a:rPr>
+              <a:t>https://onlinecourses.nptel.ac.in/noc20_cs27/unit?unit=12&amp;lesson=17</a:t>
             </a:r>
           </a:p>
         </p:txBody>
@@ -8999,6 +10703,150 @@
                                           <p:spTgt spid="48">
                                             <p:txEl>
                                               <p:pRg st="1" end="1"/>
+                                            </p:txEl>
+                                          </p:spTgt>
+                                        </p:tgtEl>
+                                        <p:attrNameLst>
+                                          <p:attrName>style.visibility</p:attrName>
+                                        </p:attrNameLst>
+                                      </p:cBhvr>
+                                      <p:to>
+                                        <p:strVal val="visible"/>
+                                      </p:to>
+                                    </p:set>
+                                  </p:childTnLst>
+                                </p:cTn>
+                              </p:par>
+                            </p:childTnLst>
+                          </p:cTn>
+                        </p:par>
+                      </p:childTnLst>
+                    </p:cTn>
+                  </p:par>
+                  <p:par>
+                    <p:cTn id="13" fill="hold">
+                      <p:stCondLst>
+                        <p:cond delay="indefinite"/>
+                      </p:stCondLst>
+                      <p:childTnLst>
+                        <p:par>
+                          <p:cTn id="14" fill="hold">
+                            <p:stCondLst>
+                              <p:cond delay="0"/>
+                            </p:stCondLst>
+                            <p:childTnLst>
+                              <p:par>
+                                <p:cTn id="15" presetClass="entr" nodeType="clickEffect" presetSubtype="0" presetID="1" grpId="1" fill="hold">
+                                  <p:stCondLst>
+                                    <p:cond delay="0"/>
+                                  </p:stCondLst>
+                                  <p:iterate type="el" backwards="0">
+                                    <p:tmAbs val="0"/>
+                                  </p:iterate>
+                                  <p:childTnLst>
+                                    <p:set>
+                                      <p:cBhvr>
+                                        <p:cTn id="16" fill="hold"/>
+                                        <p:tgtEl>
+                                          <p:spTgt spid="48">
+                                            <p:txEl>
+                                              <p:pRg st="2" end="2"/>
+                                            </p:txEl>
+                                          </p:spTgt>
+                                        </p:tgtEl>
+                                        <p:attrNameLst>
+                                          <p:attrName>style.visibility</p:attrName>
+                                        </p:attrNameLst>
+                                      </p:cBhvr>
+                                      <p:to>
+                                        <p:strVal val="visible"/>
+                                      </p:to>
+                                    </p:set>
+                                  </p:childTnLst>
+                                </p:cTn>
+                              </p:par>
+                            </p:childTnLst>
+                          </p:cTn>
+                        </p:par>
+                      </p:childTnLst>
+                    </p:cTn>
+                  </p:par>
+                  <p:par>
+                    <p:cTn id="17" fill="hold">
+                      <p:stCondLst>
+                        <p:cond delay="indefinite"/>
+                      </p:stCondLst>
+                      <p:childTnLst>
+                        <p:par>
+                          <p:cTn id="18" fill="hold">
+                            <p:stCondLst>
+                              <p:cond delay="0"/>
+                            </p:stCondLst>
+                            <p:childTnLst>
+                              <p:par>
+                                <p:cTn id="19" presetClass="entr" nodeType="clickEffect" presetSubtype="0" presetID="1" grpId="1" fill="hold">
+                                  <p:stCondLst>
+                                    <p:cond delay="0"/>
+                                  </p:stCondLst>
+                                  <p:iterate type="el" backwards="0">
+                                    <p:tmAbs val="0"/>
+                                  </p:iterate>
+                                  <p:childTnLst>
+                                    <p:set>
+                                      <p:cBhvr>
+                                        <p:cTn id="20" fill="hold"/>
+                                        <p:tgtEl>
+                                          <p:spTgt spid="48">
+                                            <p:txEl>
+                                              <p:pRg st="3" end="3"/>
+                                            </p:txEl>
+                                          </p:spTgt>
+                                        </p:tgtEl>
+                                        <p:attrNameLst>
+                                          <p:attrName>style.visibility</p:attrName>
+                                        </p:attrNameLst>
+                                      </p:cBhvr>
+                                      <p:to>
+                                        <p:strVal val="visible"/>
+                                      </p:to>
+                                    </p:set>
+                                  </p:childTnLst>
+                                </p:cTn>
+                              </p:par>
+                            </p:childTnLst>
+                          </p:cTn>
+                        </p:par>
+                      </p:childTnLst>
+                    </p:cTn>
+                  </p:par>
+                  <p:par>
+                    <p:cTn id="21" fill="hold">
+                      <p:stCondLst>
+                        <p:cond delay="indefinite"/>
+                      </p:stCondLst>
+                      <p:childTnLst>
+                        <p:par>
+                          <p:cTn id="22" fill="hold">
+                            <p:stCondLst>
+                              <p:cond delay="0"/>
+                            </p:stCondLst>
+                            <p:childTnLst>
+                              <p:par>
+                                <p:cTn id="23" presetClass="entr" nodeType="clickEffect" presetSubtype="0" presetID="1" grpId="1" fill="hold">
+                                  <p:stCondLst>
+                                    <p:cond delay="0"/>
+                                  </p:stCondLst>
+                                  <p:iterate type="el" backwards="0">
+                                    <p:tmAbs val="0"/>
+                                  </p:iterate>
+                                  <p:childTnLst>
+                                    <p:set>
+                                      <p:cBhvr>
+                                        <p:cTn id="24" fill="hold"/>
+                                        <p:tgtEl>
+                                          <p:spTgt spid="48">
+                                            <p:txEl>
+                                              <p:pRg st="4" end="4"/>
                                             </p:txEl>
                                           </p:spTgt>
                                         </p:tgtEl>
@@ -16835,53 +18683,53 @@
       </p:par>
     </p:tnLst>
     <p:bldLst>
+      <p:bldP build="whole" bldLvl="1" animBg="1" rev="0" advAuto="0" spid="124" grpId="22"/>
+      <p:bldP build="whole" bldLvl="1" animBg="1" rev="0" advAuto="0" spid="129" grpId="30"/>
+      <p:bldP build="whole" bldLvl="1" animBg="1" rev="0" advAuto="0" spid="104" grpId="6"/>
+      <p:bldP build="whole" bldLvl="1" animBg="1" rev="0" advAuto="0" spid="107" grpId="8"/>
+      <p:bldP build="whole" bldLvl="1" animBg="1" rev="0" advAuto="0" spid="138" grpId="34"/>
+      <p:bldP build="whole" bldLvl="1" animBg="1" rev="0" advAuto="0" spid="184" grpId="38"/>
+      <p:bldP build="whole" bldLvl="1" animBg="1" rev="0" advAuto="0" spid="111" grpId="10"/>
+      <p:bldP build="whole" bldLvl="1" animBg="1" rev="0" advAuto="0" spid="88" grpId="1"/>
+      <p:bldP build="whole" bldLvl="1" animBg="1" rev="0" advAuto="0" spid="87" grpId="2"/>
+      <p:bldP build="whole" bldLvl="1" animBg="1" rev="0" advAuto="0" spid="147" grpId="37"/>
+      <p:bldP build="whole" bldLvl="1" animBg="1" rev="0" advAuto="0" spid="101" grpId="5"/>
+      <p:bldP build="whole" bldLvl="1" animBg="1" rev="0" advAuto="0" spid="153" grpId="40"/>
+      <p:bldP build="whole" bldLvl="1" animBg="1" rev="0" advAuto="0" spid="165" grpId="48"/>
+      <p:bldP build="whole" bldLvl="1" animBg="1" rev="0" advAuto="0" spid="141" grpId="35"/>
+      <p:bldP build="whole" bldLvl="1" animBg="1" rev="0" advAuto="0" spid="150" grpId="52"/>
+      <p:bldP build="whole" bldLvl="1" animBg="1" rev="0" advAuto="0" spid="94" grpId="3"/>
+      <p:bldP build="whole" bldLvl="1" animBg="1" rev="0" advAuto="0" spid="171" grpId="32"/>
+      <p:bldP build="whole" bldLvl="1" animBg="1" rev="0" advAuto="0" spid="95" grpId="4"/>
+      <p:bldP build="whole" bldLvl="1" animBg="1" rev="0" advAuto="0" spid="110" grpId="9"/>
+      <p:bldP build="whole" bldLvl="1" animBg="1" rev="0" advAuto="0" spid="183" grpId="39"/>
+      <p:bldP build="whole" bldLvl="1" animBg="1" rev="0" advAuto="0" spid="176" grpId="13"/>
+      <p:bldP build="whole" bldLvl="1" animBg="1" rev="0" advAuto="0" spid="174" grpId="54"/>
+      <p:bldP build="whole" bldLvl="1" animBg="1" rev="0" advAuto="0" spid="178" grpId="18"/>
+      <p:bldP build="whole" bldLvl="1" animBg="1" rev="0" advAuto="0" spid="97" grpId="7"/>
+      <p:bldP build="whole" bldLvl="1" animBg="1" rev="0" advAuto="0" spid="126" grpId="29"/>
+      <p:bldP build="whole" bldLvl="1" animBg="1" rev="0" advAuto="0" spid="175" grpId="11"/>
+      <p:bldP build="whole" bldLvl="1" animBg="1" rev="0" advAuto="0" spid="122" grpId="19"/>
+      <p:bldP build="whole" bldLvl="1" animBg="1" rev="0" advAuto="0" spid="181" grpId="26"/>
+      <p:bldP build="whole" bldLvl="1" animBg="1" rev="0" advAuto="0" spid="121" grpId="17"/>
+      <p:bldP build="whole" bldLvl="1" animBg="1" rev="0" advAuto="0" spid="156" grpId="42"/>
+      <p:bldP build="whole" bldLvl="1" animBg="1" rev="0" advAuto="0" spid="162" grpId="46"/>
+      <p:bldP build="whole" bldLvl="1" animBg="1" rev="0" advAuto="0" spid="168" grpId="50"/>
+      <p:bldP build="whole" bldLvl="1" animBg="1" rev="0" advAuto="0" spid="135" grpId="31"/>
+      <p:bldP build="whole" bldLvl="1" animBg="1" rev="0" advAuto="0" spid="115" grpId="20"/>
+      <p:bldP build="whole" bldLvl="1" animBg="1" rev="0" advAuto="0" spid="117" grpId="25"/>
+      <p:bldP build="whole" bldLvl="1" animBg="1" rev="0" advAuto="0" spid="182" grpId="28"/>
+      <p:bldP build="whole" bldLvl="1" animBg="1" rev="0" advAuto="0" spid="177" grpId="16"/>
+      <p:bldP build="whole" bldLvl="1" animBg="1" rev="0" advAuto="0" spid="120" grpId="12"/>
+      <p:bldP build="whole" bldLvl="1" animBg="1" rev="0" advAuto="0" spid="159" grpId="44"/>
+      <p:bldP build="whole" bldLvl="1" animBg="1" rev="0" advAuto="0" spid="180" grpId="23"/>
+      <p:bldP build="whole" bldLvl="1" animBg="1" rev="0" advAuto="0" spid="123" grpId="24"/>
       <p:bldP build="whole" bldLvl="1" animBg="1" rev="0" advAuto="0" spid="119" grpId="14"/>
-      <p:bldP build="whole" bldLvl="1" animBg="1" rev="0" advAuto="0" spid="123" grpId="24"/>
+      <p:bldP build="whole" bldLvl="1" animBg="1" rev="0" advAuto="0" spid="113" grpId="15"/>
+      <p:bldP build="whole" bldLvl="1" animBg="1" rev="0" advAuto="0" spid="125" grpId="27"/>
+      <p:bldP build="whole" bldLvl="1" animBg="1" rev="0" advAuto="0" spid="144" grpId="36"/>
+      <p:bldP build="whole" bldLvl="1" animBg="1" rev="0" advAuto="0" spid="179" grpId="21"/>
       <p:bldP build="whole" bldLvl="1" animBg="1" rev="0" advAuto="0" spid="132" grpId="33"/>
-      <p:bldP build="whole" bldLvl="1" animBg="1" rev="0" advAuto="0" spid="104" grpId="6"/>
-      <p:bldP build="whole" bldLvl="1" animBg="1" rev="0" advAuto="0" spid="180" grpId="23"/>
-      <p:bldP build="whole" bldLvl="1" animBg="1" rev="0" advAuto="0" spid="150" grpId="52"/>
-      <p:bldP build="whole" bldLvl="1" animBg="1" rev="0" advAuto="0" spid="126" grpId="29"/>
-      <p:bldP build="whole" bldLvl="1" animBg="1" rev="0" advAuto="0" spid="168" grpId="50"/>
-      <p:bldP build="whole" bldLvl="1" animBg="1" rev="0" advAuto="0" spid="113" grpId="15"/>
-      <p:bldP build="whole" bldLvl="1" animBg="1" rev="0" advAuto="0" spid="171" grpId="32"/>
-      <p:bldP build="whole" bldLvl="1" animBg="1" rev="0" advAuto="0" spid="122" grpId="19"/>
-      <p:bldP build="whole" bldLvl="1" animBg="1" rev="0" advAuto="0" spid="175" grpId="11"/>
-      <p:bldP build="whole" bldLvl="1" animBg="1" rev="0" advAuto="0" spid="159" grpId="44"/>
-      <p:bldP build="whole" bldLvl="1" animBg="1" rev="0" advAuto="0" spid="115" grpId="20"/>
-      <p:bldP build="whole" bldLvl="1" animBg="1" rev="0" advAuto="0" spid="88" grpId="1"/>
-      <p:bldP build="whole" bldLvl="1" animBg="1" rev="0" advAuto="0" spid="97" grpId="7"/>
-      <p:bldP build="whole" bldLvl="1" animBg="1" rev="0" advAuto="0" spid="94" grpId="3"/>
-      <p:bldP build="whole" bldLvl="1" animBg="1" rev="0" advAuto="0" spid="181" grpId="26"/>
-      <p:bldP build="whole" bldLvl="1" animBg="1" rev="0" advAuto="0" spid="129" grpId="30"/>
-      <p:bldP build="whole" bldLvl="1" animBg="1" rev="0" advAuto="0" spid="121" grpId="17"/>
-      <p:bldP build="whole" bldLvl="1" animBg="1" rev="0" advAuto="0" spid="111" grpId="10"/>
-      <p:bldP build="whole" bldLvl="1" animBg="1" rev="0" advAuto="0" spid="147" grpId="37"/>
-      <p:bldP build="whole" bldLvl="1" animBg="1" rev="0" advAuto="0" spid="183" grpId="39"/>
-      <p:bldP build="whole" bldLvl="1" animBg="1" rev="0" advAuto="0" spid="156" grpId="42"/>
-      <p:bldP build="whole" bldLvl="1" animBg="1" rev="0" advAuto="0" spid="135" grpId="31"/>
-      <p:bldP build="whole" bldLvl="1" animBg="1" rev="0" advAuto="0" spid="117" grpId="25"/>
-      <p:bldP build="whole" bldLvl="1" animBg="1" rev="0" advAuto="0" spid="120" grpId="12"/>
-      <p:bldP build="whole" bldLvl="1" animBg="1" rev="0" advAuto="0" spid="95" grpId="4"/>
-      <p:bldP build="whole" bldLvl="1" animBg="1" rev="0" advAuto="0" spid="144" grpId="36"/>
-      <p:bldP build="whole" bldLvl="1" animBg="1" rev="0" advAuto="0" spid="182" grpId="28"/>
-      <p:bldP build="whole" bldLvl="1" animBg="1" rev="0" advAuto="0" spid="101" grpId="5"/>
-      <p:bldP build="whole" bldLvl="1" animBg="1" rev="0" advAuto="0" spid="138" grpId="34"/>
-      <p:bldP build="whole" bldLvl="1" animBg="1" rev="0" advAuto="0" spid="165" grpId="48"/>
-      <p:bldP build="whole" bldLvl="1" animBg="1" rev="0" advAuto="0" spid="174" grpId="54"/>
-      <p:bldP build="whole" bldLvl="1" animBg="1" rev="0" advAuto="0" spid="162" grpId="46"/>
-      <p:bldP build="whole" bldLvl="1" animBg="1" rev="0" advAuto="0" spid="176" grpId="13"/>
-      <p:bldP build="whole" bldLvl="1" animBg="1" rev="0" advAuto="0" spid="107" grpId="8"/>
-      <p:bldP build="whole" bldLvl="1" animBg="1" rev="0" advAuto="0" spid="110" grpId="9"/>
-      <p:bldP build="whole" bldLvl="1" animBg="1" rev="0" advAuto="0" spid="87" grpId="2"/>
-      <p:bldP build="whole" bldLvl="1" animBg="1" rev="0" advAuto="0" spid="125" grpId="27"/>
-      <p:bldP build="whole" bldLvl="1" animBg="1" rev="0" advAuto="0" spid="141" grpId="35"/>
-      <p:bldP build="whole" bldLvl="1" animBg="1" rev="0" advAuto="0" spid="177" grpId="16"/>
-      <p:bldP build="whole" bldLvl="1" animBg="1" rev="0" advAuto="0" spid="184" grpId="38"/>
-      <p:bldP build="whole" bldLvl="1" animBg="1" rev="0" advAuto="0" spid="153" grpId="40"/>
-      <p:bldP build="whole" bldLvl="1" animBg="1" rev="0" advAuto="0" spid="124" grpId="22"/>
-      <p:bldP build="whole" bldLvl="1" animBg="1" rev="0" advAuto="0" spid="178" grpId="18"/>
-      <p:bldP build="whole" bldLvl="1" animBg="1" rev="0" advAuto="0" spid="179" grpId="21"/>
     </p:bldLst>
   </p:timing>
 </p:sld>

--- a/Slides/2020-Even-DAA-L11-Divide-Conquer-MergeSort.pptx
+++ b/Slides/2020-Even-DAA-L11-Divide-Conquer-MergeSort.pptx
@@ -23,6 +23,8 @@
     <p:sldId id="268" r:id="rId20"/>
     <p:sldId id="269" r:id="rId21"/>
     <p:sldId id="270" r:id="rId22"/>
+    <p:sldId id="271" r:id="rId23"/>
+    <p:sldId id="272" r:id="rId24"/>
   </p:sldIdLst>
   <p:sldSz cx="10160000" cy="7620000"/>
   <p:notesSz cx="6858000" cy="9144000"/>
@@ -4648,7 +4650,7 @@
               </a:defRPr>
             </a:pPr>
             <a:r>
-              <a:t>a=2 (a≥1), b=2(b≥2), c=T(1)=0,</a:t>
+              <a:t>a=2 (a≥1), b=2(b≥2), c=T(1)=1,</a:t>
             </a:r>
             <a:r>
               <a:rPr>
@@ -5174,8 +5176,8 @@
       </p:par>
     </p:tnLst>
     <p:bldLst>
+      <p:bldP build="p" bldLvl="5" animBg="1" rev="0" advAuto="0" spid="216" grpId="2"/>
       <p:bldP build="whole" bldLvl="1" animBg="1" rev="0" advAuto="0" spid="214" grpId="1"/>
-      <p:bldP build="p" bldLvl="5" animBg="1" rev="0" advAuto="0" spid="216" grpId="2"/>
     </p:bldLst>
   </p:timing>
 </p:sld>
@@ -9418,36 +9420,36 @@
       </p:par>
     </p:tnLst>
     <p:bldLst>
+      <p:bldP build="whole" bldLvl="1" animBg="1" rev="0" advAuto="0" spid="229" grpId="4"/>
+      <p:bldP build="whole" bldLvl="1" animBg="1" rev="0" advAuto="0" spid="268" grpId="25"/>
+      <p:bldP build="whole" bldLvl="1" animBg="1" rev="0" advAuto="0" spid="262" grpId="28"/>
+      <p:bldP build="whole" bldLvl="1" animBg="1" rev="0" advAuto="0" spid="249" grpId="15"/>
+      <p:bldP build="whole" bldLvl="1" animBg="1" rev="0" advAuto="0" spid="261" grpId="26"/>
+      <p:bldP build="whole" bldLvl="1" animBg="1" rev="0" advAuto="0" spid="252" grpId="20"/>
+      <p:bldP build="whole" bldLvl="1" animBg="1" rev="0" advAuto="0" spid="259" grpId="21"/>
+      <p:bldP build="p" bldLvl="5" animBg="1" rev="0" advAuto="0" spid="225" grpId="1"/>
+      <p:bldP build="whole" bldLvl="1" animBg="1" rev="0" advAuto="0" spid="251" grpId="19"/>
+      <p:bldP build="whole" bldLvl="1" animBg="1" rev="0" advAuto="0" spid="283" grpId="30"/>
+      <p:bldP build="whole" bldLvl="1" animBg="1" rev="0" advAuto="0" spid="260" grpId="29"/>
+      <p:bldP build="whole" bldLvl="1" animBg="1" rev="0" advAuto="0" spid="233" grpId="7"/>
+      <p:bldP build="whole" bldLvl="1" animBg="1" rev="0" advAuto="0" spid="280" grpId="10"/>
+      <p:bldP build="whole" bldLvl="1" animBg="1" rev="0" advAuto="0" spid="250" grpId="22"/>
+      <p:bldP build="whole" bldLvl="1" animBg="1" rev="0" advAuto="0" spid="269" grpId="27"/>
+      <p:bldP build="whole" bldLvl="1" animBg="1" rev="0" advAuto="0" spid="281" grpId="17"/>
+      <p:bldP build="whole" bldLvl="1" animBg="1" rev="0" advAuto="0" spid="230" grpId="5"/>
+      <p:bldP build="whole" bldLvl="1" animBg="1" rev="0" advAuto="0" spid="232" grpId="9"/>
+      <p:bldP build="whole" bldLvl="1" animBg="1" rev="0" advAuto="0" spid="238" grpId="3"/>
+      <p:bldP build="whole" bldLvl="1" animBg="1" rev="0" advAuto="0" spid="246" grpId="16"/>
+      <p:bldP build="whole" bldLvl="1" animBg="1" rev="0" advAuto="0" spid="245" grpId="14"/>
       <p:bldP build="whole" bldLvl="1" animBg="1" rev="0" advAuto="0" spid="231" grpId="6"/>
+      <p:bldP build="whole" bldLvl="1" animBg="1" rev="0" advAuto="0" spid="244" grpId="13"/>
+      <p:bldP build="whole" bldLvl="1" animBg="1" rev="0" advAuto="0" spid="242" grpId="11"/>
       <p:bldP build="whole" bldLvl="1" animBg="1" rev="0" advAuto="0" spid="237" grpId="8"/>
-      <p:bldP build="whole" bldLvl="1" animBg="1" rev="0" advAuto="0" spid="246" grpId="16"/>
-      <p:bldP build="whole" bldLvl="1" animBg="1" rev="0" advAuto="0" spid="252" grpId="20"/>
       <p:bldP build="whole" bldLvl="1" animBg="1" rev="0" advAuto="0" spid="243" grpId="12"/>
-      <p:bldP build="whole" bldLvl="1" animBg="1" rev="0" advAuto="0" spid="250" grpId="22"/>
-      <p:bldP build="whole" bldLvl="1" animBg="1" rev="0" advAuto="0" spid="268" grpId="25"/>
-      <p:bldP build="whole" bldLvl="1" animBg="1" rev="0" advAuto="0" spid="260" grpId="29"/>
-      <p:bldP build="whole" bldLvl="1" animBg="1" rev="0" advAuto="0" spid="281" grpId="17"/>
+      <p:bldP build="whole" bldLvl="1" animBg="1" rev="0" advAuto="0" spid="253" grpId="23"/>
       <p:bldP build="whole" bldLvl="1" animBg="1" rev="0" advAuto="0" spid="258" grpId="18"/>
-      <p:bldP build="whole" bldLvl="1" animBg="1" rev="0" advAuto="0" spid="269" grpId="27"/>
-      <p:bldP build="whole" bldLvl="1" animBg="1" rev="0" advAuto="0" spid="261" grpId="26"/>
-      <p:bldP build="whole" bldLvl="1" animBg="1" rev="0" advAuto="0" spid="230" grpId="5"/>
-      <p:bldP build="whole" bldLvl="1" animBg="1" rev="0" advAuto="0" spid="251" grpId="19"/>
-      <p:bldP build="whole" bldLvl="1" animBg="1" rev="0" advAuto="0" spid="245" grpId="14"/>
-      <p:bldP build="whole" bldLvl="1" animBg="1" rev="0" advAuto="0" spid="244" grpId="13"/>
-      <p:bldP build="whole" bldLvl="1" animBg="1" rev="0" advAuto="0" spid="233" grpId="7"/>
-      <p:bldP build="whole" bldLvl="1" animBg="1" rev="0" advAuto="0" spid="229" grpId="4"/>
-      <p:bldP build="whole" bldLvl="1" animBg="1" rev="0" advAuto="0" spid="280" grpId="10"/>
-      <p:bldP build="whole" bldLvl="1" animBg="1" rev="0" advAuto="0" spid="262" grpId="28"/>
-      <p:bldP build="whole" bldLvl="1" animBg="1" rev="0" advAuto="0" spid="283" grpId="30"/>
-      <p:bldP build="whole" bldLvl="1" animBg="1" rev="0" advAuto="0" spid="232" grpId="9"/>
+      <p:bldP build="whole" bldLvl="1" animBg="1" rev="0" advAuto="0" spid="282" grpId="24"/>
       <p:bldP build="whole" bldLvl="1" animBg="1" rev="0" advAuto="0" spid="279" grpId="2"/>
-      <p:bldP build="whole" bldLvl="1" animBg="1" rev="0" advAuto="0" spid="282" grpId="24"/>
-      <p:bldP build="whole" bldLvl="1" animBg="1" rev="0" advAuto="0" spid="242" grpId="11"/>
-      <p:bldP build="whole" bldLvl="1" animBg="1" rev="0" advAuto="0" spid="249" grpId="15"/>
-      <p:bldP build="whole" bldLvl="1" animBg="1" rev="0" advAuto="0" spid="238" grpId="3"/>
-      <p:bldP build="whole" bldLvl="1" animBg="1" rev="0" advAuto="0" spid="259" grpId="21"/>
-      <p:bldP build="whole" bldLvl="1" animBg="1" rev="0" advAuto="0" spid="253" grpId="23"/>
-      <p:bldP build="p" bldLvl="5" animBg="1" rev="0" advAuto="0" spid="225" grpId="1"/>
     </p:bldLst>
   </p:timing>
 </p:sld>
@@ -10302,6 +10304,845 @@
       <p:sp>
         <p:nvSpPr>
           <p:cNvPr id="295" name="RPR/"/>
+          <p:cNvSpPr txBox="1"/>
+          <p:nvPr/>
+        </p:nvSpPr>
+        <p:spPr>
+          <a:xfrm>
+            <a:off x="7535212" y="6988206"/>
+            <a:ext cx="705605" cy="382910"/>
+          </a:xfrm>
+          <a:prstGeom prst="rect">
+            <a:avLst/>
+          </a:prstGeom>
+          <a:ln w="12700">
+            <a:miter lim="400000"/>
+          </a:ln>
+          <a:extLst>
+            <a:ext uri="{C572A759-6A51-4108-AA02-DFA0A04FC94B}">
+              <ma14:wrappingTextBoxFlag xmlns:ma14="http://schemas.microsoft.com/office/mac/drawingml/2011/main" val="1"/>
+            </a:ext>
+          </a:extLst>
+        </p:spPr>
+        <p:txBody>
+          <a:bodyPr wrap="none" lIns="50800" tIns="50800" rIns="50800" bIns="50800" anchor="ctr">
+            <a:spAutoFit/>
+          </a:bodyPr>
+          <a:lstStyle>
+            <a:lvl1pPr>
+              <a:defRPr sz="2000"/>
+            </a:lvl1pPr>
+          </a:lstStyle>
+          <a:p>
+            <a:pPr/>
+            <a:r>
+              <a:t>RPR/</a:t>
+            </a:r>
+          </a:p>
+        </p:txBody>
+      </p:sp>
+    </p:spTree>
+  </p:cSld>
+  <p:clrMapOvr>
+    <a:masterClrMapping/>
+  </p:clrMapOvr>
+  <p:transition xmlns:p14="http://schemas.microsoft.com/office/powerpoint/2010/main" spd="med" advClick="1"/>
+</p:sld>
+</file>
+
+<file path=ppt/slides/slide16.xml><?xml version="1.0" encoding="utf-8"?>
+<p:sld xmlns:a="http://schemas.openxmlformats.org/drawingml/2006/main" xmlns:r="http://schemas.openxmlformats.org/officeDocument/2006/relationships" xmlns:p="http://schemas.openxmlformats.org/presentationml/2006/main" xmlns:m="http://schemas.openxmlformats.org/officeDocument/2006/math" xmlns:a14="http://schemas.microsoft.com/office/drawing/2010/main" showMasterSp="1" showMasterPhAnim="1">
+  <p:cSld>
+    <p:spTree>
+      <p:nvGrpSpPr>
+        <p:cNvPr id="1" name=""/>
+        <p:cNvGrpSpPr/>
+        <p:nvPr/>
+      </p:nvGrpSpPr>
+      <p:grpSpPr>
+        <a:xfrm>
+          <a:off x="0" y="0"/>
+          <a:ext cx="0" cy="0"/>
+          <a:chOff x="0" y="0"/>
+          <a:chExt cx="0" cy="0"/>
+        </a:xfrm>
+      </p:grpSpPr>
+      <p:sp>
+        <p:nvSpPr>
+          <p:cNvPr id="297" name="Count Inversions"/>
+          <p:cNvSpPr txBox="1"/>
+          <p:nvPr>
+            <p:ph type="title"/>
+          </p:nvPr>
+        </p:nvSpPr>
+        <p:spPr>
+          <a:prstGeom prst="rect">
+            <a:avLst/>
+          </a:prstGeom>
+        </p:spPr>
+        <p:txBody>
+          <a:bodyPr/>
+          <a:lstStyle/>
+          <a:p>
+            <a:pPr/>
+            <a:r>
+              <a:t>Count Inversions</a:t>
+            </a:r>
+          </a:p>
+        </p:txBody>
+      </p:sp>
+      <p:sp>
+        <p:nvSpPr>
+          <p:cNvPr id="298" name="Applications of Mergesort…"/>
+          <p:cNvSpPr txBox="1"/>
+          <p:nvPr>
+            <p:ph type="body" idx="1"/>
+          </p:nvPr>
+        </p:nvSpPr>
+        <p:spPr>
+          <a:prstGeom prst="rect">
+            <a:avLst/>
+          </a:prstGeom>
+        </p:spPr>
+        <p:txBody>
+          <a:bodyPr/>
+          <a:lstStyle/>
+          <a:p>
+            <a:pPr>
+              <a:spcBef>
+                <a:spcPts val="100"/>
+              </a:spcBef>
+            </a:pPr>
+            <a:r>
+              <a:t>Applications of Mergesort</a:t>
+            </a:r>
+          </a:p>
+          <a:p>
+            <a:pPr>
+              <a:spcBef>
+                <a:spcPts val="100"/>
+              </a:spcBef>
+            </a:pPr>
+            <a:r>
+              <a:t>An inversion is defined as </a:t>
+            </a:r>
+            <a:r>
+              <a:rPr>
+                <a:latin typeface="Courier New"/>
+                <a:ea typeface="Courier New"/>
+                <a:cs typeface="Courier New"/>
+                <a:sym typeface="Courier New"/>
+              </a:rPr>
+              <a:t>A[i]&gt;A[j]</a:t>
+            </a:r>
+            <a:r>
+              <a:t> if </a:t>
+            </a:r>
+            <a:r>
+              <a:rPr>
+                <a:latin typeface="Courier New"/>
+                <a:ea typeface="Courier New"/>
+                <a:cs typeface="Courier New"/>
+                <a:sym typeface="Courier New"/>
+              </a:rPr>
+              <a:t>i&lt;j</a:t>
+            </a:r>
+            <a:r>
+              <a:t>.</a:t>
+            </a:r>
+          </a:p>
+          <a:p>
+            <a:pPr>
+              <a:spcBef>
+                <a:spcPts val="100"/>
+              </a:spcBef>
+            </a:pPr>
+            <a:r>
+              <a:t>Consider the array</a:t>
+            </a:r>
+          </a:p>
+          <a:p>
+            <a:pPr lvl="1" marL="0" indent="228600">
+              <a:spcBef>
+                <a:spcPts val="100"/>
+              </a:spcBef>
+              <a:buSzTx/>
+              <a:buNone/>
+              <a:defRPr>
+                <a:latin typeface="Courier New"/>
+                <a:ea typeface="Courier New"/>
+                <a:cs typeface="Courier New"/>
+                <a:sym typeface="Courier New"/>
+              </a:defRPr>
+            </a:pPr>
+            <a:r>
+              <a:t>24, 9, 31, 2, 13, 36, 28, 7</a:t>
+            </a:r>
+          </a:p>
+          <a:p>
+            <a:pPr>
+              <a:spcBef>
+                <a:spcPts val="100"/>
+              </a:spcBef>
+            </a:pPr>
+            <a:r>
+              <a:t>Inversions are</a:t>
+            </a:r>
+          </a:p>
+          <a:p>
+            <a:pPr lvl="3" marL="0" indent="685800">
+              <a:spcBef>
+                <a:spcPts val="100"/>
+              </a:spcBef>
+              <a:buSzTx/>
+              <a:buNone/>
+              <a:defRPr sz="3000">
+                <a:latin typeface="Courier New"/>
+                <a:ea typeface="Courier New"/>
+                <a:cs typeface="Courier New"/>
+                <a:sym typeface="Courier New"/>
+              </a:defRPr>
+            </a:pPr>
+            <a:r>
+              <a:t>24-2, 24-2, 24-13, 24-7</a:t>
+            </a:r>
+          </a:p>
+          <a:p>
+            <a:pPr lvl="3" marL="0" indent="685800">
+              <a:spcBef>
+                <a:spcPts val="100"/>
+              </a:spcBef>
+              <a:buSzTx/>
+              <a:buNone/>
+              <a:defRPr sz="3000">
+                <a:latin typeface="Courier New"/>
+                <a:ea typeface="Courier New"/>
+                <a:cs typeface="Courier New"/>
+                <a:sym typeface="Courier New"/>
+              </a:defRPr>
+            </a:pPr>
+            <a:r>
+              <a:t>9-2, 9-7</a:t>
+            </a:r>
+          </a:p>
+          <a:p>
+            <a:pPr lvl="3" marL="0" indent="685800">
+              <a:spcBef>
+                <a:spcPts val="100"/>
+              </a:spcBef>
+              <a:buSzTx/>
+              <a:buNone/>
+              <a:defRPr sz="3000">
+                <a:latin typeface="Courier New"/>
+                <a:ea typeface="Courier New"/>
+                <a:cs typeface="Courier New"/>
+                <a:sym typeface="Courier New"/>
+              </a:defRPr>
+            </a:pPr>
+            <a:r>
+              <a:t>31-2, 31-13, 31-28, 31-7</a:t>
+            </a:r>
+          </a:p>
+          <a:p>
+            <a:pPr lvl="3" marL="0" indent="685800">
+              <a:spcBef>
+                <a:spcPts val="100"/>
+              </a:spcBef>
+              <a:buSzTx/>
+              <a:buNone/>
+              <a:defRPr sz="3000">
+                <a:latin typeface="Courier New"/>
+                <a:ea typeface="Courier New"/>
+                <a:cs typeface="Courier New"/>
+                <a:sym typeface="Courier New"/>
+              </a:defRPr>
+            </a:pPr>
+            <a:r>
+              <a:t>13-7</a:t>
+            </a:r>
+          </a:p>
+          <a:p>
+            <a:pPr lvl="3" marL="0" indent="685800">
+              <a:spcBef>
+                <a:spcPts val="100"/>
+              </a:spcBef>
+              <a:buSzTx/>
+              <a:buNone/>
+              <a:defRPr sz="3000">
+                <a:latin typeface="Courier New"/>
+                <a:ea typeface="Courier New"/>
+                <a:cs typeface="Courier New"/>
+                <a:sym typeface="Courier New"/>
+              </a:defRPr>
+            </a:pPr>
+            <a:r>
+              <a:t>36-28, 36-7</a:t>
+            </a:r>
+          </a:p>
+          <a:p>
+            <a:pPr lvl="3" marL="0" indent="685800">
+              <a:spcBef>
+                <a:spcPts val="100"/>
+              </a:spcBef>
+              <a:buSzTx/>
+              <a:buNone/>
+              <a:defRPr sz="3000">
+                <a:latin typeface="Courier New"/>
+                <a:ea typeface="Courier New"/>
+                <a:cs typeface="Courier New"/>
+                <a:sym typeface="Courier New"/>
+              </a:defRPr>
+            </a:pPr>
+            <a:r>
+              <a:t>28-7</a:t>
+            </a:r>
+          </a:p>
+          <a:p>
+            <a:pPr marL="361156" indent="-321468">
+              <a:spcBef>
+                <a:spcPts val="100"/>
+              </a:spcBef>
+              <a:defRPr sz="3000">
+                <a:latin typeface="Gill Sans MT"/>
+                <a:ea typeface="Gill Sans MT"/>
+                <a:cs typeface="Gill Sans MT"/>
+                <a:sym typeface="Gill Sans MT"/>
+              </a:defRPr>
+            </a:pPr>
+            <a:r>
+              <a:t>Total inversions: </a:t>
+            </a:r>
+            <a:r>
+              <a:rPr>
+                <a:latin typeface="Courier New"/>
+                <a:ea typeface="Courier New"/>
+                <a:cs typeface="Courier New"/>
+                <a:sym typeface="Courier New"/>
+              </a:rPr>
+              <a:t>14</a:t>
+            </a:r>
+          </a:p>
+          <a:p>
+            <a:pPr marL="361156" indent="-321468">
+              <a:spcBef>
+                <a:spcPts val="100"/>
+              </a:spcBef>
+              <a:defRPr sz="3000">
+                <a:latin typeface="Gill Sans MT"/>
+                <a:ea typeface="Gill Sans MT"/>
+                <a:cs typeface="Gill Sans MT"/>
+                <a:sym typeface="Gill Sans MT"/>
+              </a:defRPr>
+            </a:pPr>
+            <a:r>
+              <a:t>Use Merge and count approach (Divide &amp; Conq)</a:t>
+            </a:r>
+          </a:p>
+        </p:txBody>
+      </p:sp>
+      <p:sp>
+        <p:nvSpPr>
+          <p:cNvPr id="299" name="Slide Number"/>
+          <p:cNvSpPr txBox="1"/>
+          <p:nvPr>
+            <p:ph type="sldNum" sz="quarter" idx="2"/>
+          </p:nvPr>
+        </p:nvSpPr>
+        <p:spPr>
+          <a:prstGeom prst="rect">
+            <a:avLst/>
+          </a:prstGeom>
+          <a:extLst>
+            <a:ext uri="{C572A759-6A51-4108-AA02-DFA0A04FC94B}">
+              <ma14:wrappingTextBoxFlag xmlns:ma14="http://schemas.microsoft.com/office/mac/drawingml/2011/main" val="1"/>
+            </a:ext>
+          </a:extLst>
+        </p:spPr>
+        <p:txBody>
+          <a:bodyPr/>
+          <a:lstStyle/>
+          <a:p>
+            <a:pPr/>
+            <a:fld id="{86CB4B4D-7CA3-9044-876B-883B54F8677D}" type="slidenum"/>
+          </a:p>
+        </p:txBody>
+      </p:sp>
+      <p:sp>
+        <p:nvSpPr>
+          <p:cNvPr id="300" name="DAA/Divide and Conquer"/>
+          <p:cNvSpPr txBox="1"/>
+          <p:nvPr/>
+        </p:nvSpPr>
+        <p:spPr>
+          <a:xfrm>
+            <a:off x="423212" y="6963885"/>
+            <a:ext cx="3371712" cy="431552"/>
+          </a:xfrm>
+          <a:prstGeom prst="rect">
+            <a:avLst/>
+          </a:prstGeom>
+          <a:ln w="12700">
+            <a:miter lim="400000"/>
+          </a:ln>
+          <a:extLst>
+            <a:ext uri="{C572A759-6A51-4108-AA02-DFA0A04FC94B}">
+              <ma14:wrappingTextBoxFlag xmlns:ma14="http://schemas.microsoft.com/office/mac/drawingml/2011/main" val="1"/>
+            </a:ext>
+          </a:extLst>
+        </p:spPr>
+        <p:txBody>
+          <a:bodyPr wrap="none" lIns="50800" tIns="50800" rIns="50800" bIns="50800" anchor="ctr">
+            <a:spAutoFit/>
+          </a:bodyPr>
+          <a:lstStyle>
+            <a:lvl1pPr>
+              <a:defRPr sz="2400"/>
+            </a:lvl1pPr>
+          </a:lstStyle>
+          <a:p>
+            <a:pPr/>
+            <a:r>
+              <a:t>DAA/Divide and Conquer</a:t>
+            </a:r>
+          </a:p>
+        </p:txBody>
+      </p:sp>
+      <p:sp>
+        <p:nvSpPr>
+          <p:cNvPr id="301" name="RPR/"/>
+          <p:cNvSpPr txBox="1"/>
+          <p:nvPr/>
+        </p:nvSpPr>
+        <p:spPr>
+          <a:xfrm>
+            <a:off x="7535212" y="6988206"/>
+            <a:ext cx="705605" cy="382910"/>
+          </a:xfrm>
+          <a:prstGeom prst="rect">
+            <a:avLst/>
+          </a:prstGeom>
+          <a:ln w="12700">
+            <a:miter lim="400000"/>
+          </a:ln>
+          <a:extLst>
+            <a:ext uri="{C572A759-6A51-4108-AA02-DFA0A04FC94B}">
+              <ma14:wrappingTextBoxFlag xmlns:ma14="http://schemas.microsoft.com/office/mac/drawingml/2011/main" val="1"/>
+            </a:ext>
+          </a:extLst>
+        </p:spPr>
+        <p:txBody>
+          <a:bodyPr wrap="none" lIns="50800" tIns="50800" rIns="50800" bIns="50800" anchor="ctr">
+            <a:spAutoFit/>
+          </a:bodyPr>
+          <a:lstStyle>
+            <a:lvl1pPr>
+              <a:defRPr sz="2000"/>
+            </a:lvl1pPr>
+          </a:lstStyle>
+          <a:p>
+            <a:pPr/>
+            <a:r>
+              <a:t>RPR/</a:t>
+            </a:r>
+          </a:p>
+        </p:txBody>
+      </p:sp>
+    </p:spTree>
+  </p:cSld>
+  <p:clrMapOvr>
+    <a:masterClrMapping/>
+  </p:clrMapOvr>
+  <p:transition xmlns:p14="http://schemas.microsoft.com/office/powerpoint/2010/main" spd="med" advClick="1"/>
+</p:sld>
+</file>
+
+<file path=ppt/slides/slide17.xml><?xml version="1.0" encoding="utf-8"?>
+<p:sld xmlns:a="http://schemas.openxmlformats.org/drawingml/2006/main" xmlns:r="http://schemas.openxmlformats.org/officeDocument/2006/relationships" xmlns:p="http://schemas.openxmlformats.org/presentationml/2006/main" xmlns:m="http://schemas.openxmlformats.org/officeDocument/2006/math" xmlns:a14="http://schemas.microsoft.com/office/drawing/2010/main" showMasterSp="1" showMasterPhAnim="1">
+  <p:cSld>
+    <p:spTree>
+      <p:nvGrpSpPr>
+        <p:cNvPr id="1" name=""/>
+        <p:cNvGrpSpPr/>
+        <p:nvPr/>
+      </p:nvGrpSpPr>
+      <p:grpSpPr>
+        <a:xfrm>
+          <a:off x="0" y="0"/>
+          <a:ext cx="0" cy="0"/>
+          <a:chOff x="0" y="0"/>
+          <a:chExt cx="0" cy="0"/>
+        </a:xfrm>
+      </p:grpSpPr>
+      <p:sp>
+        <p:nvSpPr>
+          <p:cNvPr id="303" name="Count Inversions"/>
+          <p:cNvSpPr txBox="1"/>
+          <p:nvPr>
+            <p:ph type="title"/>
+          </p:nvPr>
+        </p:nvSpPr>
+        <p:spPr>
+          <a:prstGeom prst="rect">
+            <a:avLst/>
+          </a:prstGeom>
+        </p:spPr>
+        <p:txBody>
+          <a:bodyPr/>
+          <a:lstStyle/>
+          <a:p>
+            <a:pPr/>
+            <a:r>
+              <a:t>Count Inversions</a:t>
+            </a:r>
+          </a:p>
+        </p:txBody>
+      </p:sp>
+      <p:sp>
+        <p:nvSpPr>
+          <p:cNvPr id="304" name="Consider the array…"/>
+          <p:cNvSpPr txBox="1"/>
+          <p:nvPr>
+            <p:ph type="body" idx="1"/>
+          </p:nvPr>
+        </p:nvSpPr>
+        <p:spPr>
+          <a:xfrm>
+            <a:off x="887784" y="938113"/>
+            <a:ext cx="8964025" cy="5891610"/>
+          </a:xfrm>
+          <a:prstGeom prst="rect">
+            <a:avLst/>
+          </a:prstGeom>
+        </p:spPr>
+        <p:txBody>
+          <a:bodyPr/>
+          <a:lstStyle/>
+          <a:p>
+            <a:pPr>
+              <a:spcBef>
+                <a:spcPts val="100"/>
+              </a:spcBef>
+            </a:pPr>
+            <a:r>
+              <a:t>Consider the array</a:t>
+            </a:r>
+          </a:p>
+          <a:p>
+            <a:pPr lvl="1" marL="0" indent="228600">
+              <a:spcBef>
+                <a:spcPts val="100"/>
+              </a:spcBef>
+              <a:buSzTx/>
+              <a:buNone/>
+              <a:defRPr>
+                <a:latin typeface="Courier New"/>
+                <a:ea typeface="Courier New"/>
+                <a:cs typeface="Courier New"/>
+                <a:sym typeface="Courier New"/>
+              </a:defRPr>
+            </a:pPr>
+            <a:r>
+              <a:t>24, 9, 31, 2, 13, 36, 28, 7</a:t>
+            </a:r>
+          </a:p>
+          <a:p>
+            <a:pPr>
+              <a:spcBef>
+                <a:spcPts val="100"/>
+              </a:spcBef>
+            </a:pPr>
+            <a:r>
+              <a:t>Inversions in Left half: </a:t>
+            </a:r>
+            <a:r>
+              <a:rPr>
+                <a:latin typeface="Courier New"/>
+                <a:ea typeface="Courier New"/>
+                <a:cs typeface="Courier New"/>
+                <a:sym typeface="Courier New"/>
+              </a:rPr>
+              <a:t>24, 9, 31, 2</a:t>
+            </a:r>
+            <a:endParaRPr>
+              <a:latin typeface="Courier New"/>
+              <a:ea typeface="Courier New"/>
+              <a:cs typeface="Courier New"/>
+              <a:sym typeface="Courier New"/>
+            </a:endParaRPr>
+          </a:p>
+          <a:p>
+            <a:pPr lvl="2" marL="0" indent="457200">
+              <a:spcBef>
+                <a:spcPts val="100"/>
+              </a:spcBef>
+              <a:buSzTx/>
+              <a:buNone/>
+              <a:defRPr sz="3200">
+                <a:latin typeface="Courier New"/>
+                <a:ea typeface="Courier New"/>
+                <a:cs typeface="Courier New"/>
+                <a:sym typeface="Courier New"/>
+              </a:defRPr>
+            </a:pPr>
+            <a:r>
+              <a:t>(4): </a:t>
+            </a:r>
+            <a:r>
+              <a:t>24-31, 24-2, 9-2, 31-2</a:t>
+            </a:r>
+          </a:p>
+          <a:p>
+            <a:pPr lvl="2" marL="0" indent="457200">
+              <a:spcBef>
+                <a:spcPts val="100"/>
+              </a:spcBef>
+              <a:buSzTx/>
+              <a:buNone/>
+              <a:defRPr sz="3200">
+                <a:latin typeface="Courier New"/>
+                <a:ea typeface="Courier New"/>
+                <a:cs typeface="Courier New"/>
+                <a:sym typeface="Courier New"/>
+              </a:defRPr>
+            </a:pPr>
+            <a:r>
+              <a:rPr>
+                <a:latin typeface="Gill Sans MT"/>
+                <a:ea typeface="Gill Sans MT"/>
+                <a:cs typeface="Gill Sans MT"/>
+                <a:sym typeface="Gill Sans MT"/>
+              </a:rPr>
+              <a:t>Sorted subarray: </a:t>
+            </a:r>
+            <a:r>
+              <a:t>2, 9, 24, 31</a:t>
+            </a:r>
+          </a:p>
+          <a:p>
+            <a:pPr>
+              <a:spcBef>
+                <a:spcPts val="100"/>
+              </a:spcBef>
+            </a:pPr>
+            <a:r>
+              <a:t>Inversions in Right half: </a:t>
+            </a:r>
+            <a:r>
+              <a:rPr>
+                <a:latin typeface="Courier New"/>
+                <a:ea typeface="Courier New"/>
+                <a:cs typeface="Courier New"/>
+                <a:sym typeface="Courier New"/>
+              </a:rPr>
+              <a:t>13, 36, 28, 7</a:t>
+            </a:r>
+          </a:p>
+          <a:p>
+            <a:pPr lvl="2" marL="0" indent="457200">
+              <a:spcBef>
+                <a:spcPts val="100"/>
+              </a:spcBef>
+              <a:buSzTx/>
+              <a:buNone/>
+              <a:defRPr sz="3000">
+                <a:latin typeface="Courier New"/>
+                <a:ea typeface="Courier New"/>
+                <a:cs typeface="Courier New"/>
+                <a:sym typeface="Courier New"/>
+              </a:defRPr>
+            </a:pPr>
+            <a:r>
+              <a:t>(4): 13-7, 36-28, 36-7, 28-7</a:t>
+            </a:r>
+          </a:p>
+          <a:p>
+            <a:pPr lvl="2" marL="0" indent="457200">
+              <a:spcBef>
+                <a:spcPts val="100"/>
+              </a:spcBef>
+              <a:buSzTx/>
+              <a:buNone/>
+              <a:defRPr sz="3200">
+                <a:latin typeface="Courier New"/>
+                <a:ea typeface="Courier New"/>
+                <a:cs typeface="Courier New"/>
+                <a:sym typeface="Courier New"/>
+              </a:defRPr>
+            </a:pPr>
+            <a:r>
+              <a:rPr>
+                <a:latin typeface="Gill Sans MT"/>
+                <a:ea typeface="Gill Sans MT"/>
+                <a:cs typeface="Gill Sans MT"/>
+                <a:sym typeface="Gill Sans MT"/>
+              </a:rPr>
+              <a:t>Sorted subarray: </a:t>
+            </a:r>
+            <a:r>
+              <a:t>7, 13, 28, 36</a:t>
+            </a:r>
+          </a:p>
+          <a:p>
+            <a:pPr>
+              <a:spcBef>
+                <a:spcPts val="100"/>
+              </a:spcBef>
+            </a:pPr>
+            <a:r>
+              <a:t>Inversions from left half to right half</a:t>
+            </a:r>
+          </a:p>
+          <a:p>
+            <a:pPr lvl="2" marL="0" indent="457200">
+              <a:spcBef>
+                <a:spcPts val="100"/>
+              </a:spcBef>
+              <a:buSzTx/>
+              <a:buNone/>
+              <a:defRPr sz="3200">
+                <a:latin typeface="Courier New"/>
+                <a:ea typeface="Courier New"/>
+                <a:cs typeface="Courier New"/>
+                <a:sym typeface="Courier New"/>
+              </a:defRPr>
+            </a:pPr>
+            <a:r>
+              <a:t>2,9,24,31 —— 7,13,28,36</a:t>
+            </a:r>
+          </a:p>
+          <a:p>
+            <a:pPr lvl="1" marL="0" indent="228600">
+              <a:spcBef>
+                <a:spcPts val="100"/>
+              </a:spcBef>
+              <a:buSzTx/>
+              <a:buNone/>
+              <a:defRPr>
+                <a:latin typeface="Courier New"/>
+                <a:ea typeface="Courier New"/>
+                <a:cs typeface="Courier New"/>
+                <a:sym typeface="Courier New"/>
+              </a:defRPr>
+            </a:pPr>
+            <a:r>
+              <a:t>(6): 9-7,24-7,24-13,31-7,31-13,31-28</a:t>
+            </a:r>
+          </a:p>
+          <a:p>
+            <a:pPr lvl="2" marL="0" indent="457200">
+              <a:spcBef>
+                <a:spcPts val="100"/>
+              </a:spcBef>
+              <a:buSzTx/>
+              <a:buNone/>
+              <a:defRPr sz="3000">
+                <a:latin typeface="Courier New"/>
+                <a:ea typeface="Courier New"/>
+                <a:cs typeface="Courier New"/>
+                <a:sym typeface="Courier New"/>
+              </a:defRPr>
+            </a:pPr>
+            <a:r>
+              <a:rPr>
+                <a:latin typeface="Gill Sans MT"/>
+                <a:ea typeface="Gill Sans MT"/>
+                <a:cs typeface="Gill Sans MT"/>
+                <a:sym typeface="Gill Sans MT"/>
+              </a:rPr>
+              <a:t>Total inversions: </a:t>
+            </a:r>
+            <a:r>
+              <a:t>4+4+6=14</a:t>
+            </a:r>
+          </a:p>
+          <a:p>
+            <a:pPr marL="361156" indent="-321468">
+              <a:spcBef>
+                <a:spcPts val="100"/>
+              </a:spcBef>
+              <a:defRPr sz="3000">
+                <a:latin typeface="Gill Sans MT"/>
+                <a:ea typeface="Gill Sans MT"/>
+                <a:cs typeface="Gill Sans MT"/>
+                <a:sym typeface="Gill Sans MT"/>
+              </a:defRPr>
+            </a:pPr>
+            <a:r>
+              <a:t>Use Merge and count approach (Divide &amp; Conq)</a:t>
+            </a:r>
+          </a:p>
+        </p:txBody>
+      </p:sp>
+      <p:sp>
+        <p:nvSpPr>
+          <p:cNvPr id="305" name="Slide Number"/>
+          <p:cNvSpPr txBox="1"/>
+          <p:nvPr>
+            <p:ph type="sldNum" sz="quarter" idx="2"/>
+          </p:nvPr>
+        </p:nvSpPr>
+        <p:spPr>
+          <a:prstGeom prst="rect">
+            <a:avLst/>
+          </a:prstGeom>
+          <a:extLst>
+            <a:ext uri="{C572A759-6A51-4108-AA02-DFA0A04FC94B}">
+              <ma14:wrappingTextBoxFlag xmlns:ma14="http://schemas.microsoft.com/office/mac/drawingml/2011/main" val="1"/>
+            </a:ext>
+          </a:extLst>
+        </p:spPr>
+        <p:txBody>
+          <a:bodyPr/>
+          <a:lstStyle/>
+          <a:p>
+            <a:pPr/>
+            <a:fld id="{86CB4B4D-7CA3-9044-876B-883B54F8677D}" type="slidenum"/>
+          </a:p>
+        </p:txBody>
+      </p:sp>
+      <p:sp>
+        <p:nvSpPr>
+          <p:cNvPr id="306" name="DAA/Divide and Conquer"/>
+          <p:cNvSpPr txBox="1"/>
+          <p:nvPr/>
+        </p:nvSpPr>
+        <p:spPr>
+          <a:xfrm>
+            <a:off x="423212" y="6963885"/>
+            <a:ext cx="3371712" cy="431552"/>
+          </a:xfrm>
+          <a:prstGeom prst="rect">
+            <a:avLst/>
+          </a:prstGeom>
+          <a:ln w="12700">
+            <a:miter lim="400000"/>
+          </a:ln>
+          <a:extLst>
+            <a:ext uri="{C572A759-6A51-4108-AA02-DFA0A04FC94B}">
+              <ma14:wrappingTextBoxFlag xmlns:ma14="http://schemas.microsoft.com/office/mac/drawingml/2011/main" val="1"/>
+            </a:ext>
+          </a:extLst>
+        </p:spPr>
+        <p:txBody>
+          <a:bodyPr wrap="none" lIns="50800" tIns="50800" rIns="50800" bIns="50800" anchor="ctr">
+            <a:spAutoFit/>
+          </a:bodyPr>
+          <a:lstStyle>
+            <a:lvl1pPr>
+              <a:defRPr sz="2400"/>
+            </a:lvl1pPr>
+          </a:lstStyle>
+          <a:p>
+            <a:pPr/>
+            <a:r>
+              <a:t>DAA/Divide and Conquer</a:t>
+            </a:r>
+          </a:p>
+        </p:txBody>
+      </p:sp>
+      <p:sp>
+        <p:nvSpPr>
+          <p:cNvPr id="307" name="RPR/"/>
           <p:cNvSpPr txBox="1"/>
           <p:nvPr/>
         </p:nvSpPr>
@@ -18683,53 +19524,53 @@
       </p:par>
     </p:tnLst>
     <p:bldLst>
+      <p:bldP build="whole" bldLvl="1" animBg="1" rev="0" advAuto="0" spid="162" grpId="46"/>
+      <p:bldP build="whole" bldLvl="1" animBg="1" rev="0" advAuto="0" spid="110" grpId="9"/>
+      <p:bldP build="whole" bldLvl="1" animBg="1" rev="0" advAuto="0" spid="168" grpId="50"/>
+      <p:bldP build="whole" bldLvl="1" animBg="1" rev="0" advAuto="0" spid="174" grpId="54"/>
+      <p:bldP build="whole" bldLvl="1" animBg="1" rev="0" advAuto="0" spid="120" grpId="12"/>
+      <p:bldP build="whole" bldLvl="1" animBg="1" rev="0" advAuto="0" spid="132" grpId="33"/>
+      <p:bldP build="whole" bldLvl="1" animBg="1" rev="0" advAuto="0" spid="176" grpId="13"/>
+      <p:bldP build="whole" bldLvl="1" animBg="1" rev="0" advAuto="0" spid="141" grpId="35"/>
+      <p:bldP build="whole" bldLvl="1" animBg="1" rev="0" advAuto="0" spid="87" grpId="2"/>
+      <p:bldP build="whole" bldLvl="1" animBg="1" rev="0" advAuto="0" spid="125" grpId="27"/>
+      <p:bldP build="whole" bldLvl="1" animBg="1" rev="0" advAuto="0" spid="150" grpId="52"/>
+      <p:bldP build="whole" bldLvl="1" animBg="1" rev="0" advAuto="0" spid="126" grpId="29"/>
+      <p:bldP build="whole" bldLvl="1" animBg="1" rev="0" advAuto="0" spid="180" grpId="23"/>
+      <p:bldP build="whole" bldLvl="1" animBg="1" rev="0" advAuto="0" spid="121" grpId="17"/>
+      <p:bldP build="whole" bldLvl="1" animBg="1" rev="0" advAuto="0" spid="183" grpId="39"/>
+      <p:bldP build="whole" bldLvl="1" animBg="1" rev="0" advAuto="0" spid="156" grpId="42"/>
+      <p:bldP build="whole" bldLvl="1" animBg="1" rev="0" advAuto="0" spid="129" grpId="30"/>
+      <p:bldP build="whole" bldLvl="1" animBg="1" rev="0" advAuto="0" spid="177" grpId="16"/>
+      <p:bldP build="whole" bldLvl="1" animBg="1" rev="0" advAuto="0" spid="113" grpId="15"/>
+      <p:bldP build="whole" bldLvl="1" animBg="1" rev="0" advAuto="0" spid="144" grpId="36"/>
+      <p:bldP build="whole" bldLvl="1" animBg="1" rev="0" advAuto="0" spid="184" grpId="38"/>
+      <p:bldP build="whole" bldLvl="1" animBg="1" rev="0" advAuto="0" spid="153" grpId="40"/>
+      <p:bldP build="whole" bldLvl="1" animBg="1" rev="0" advAuto="0" spid="115" grpId="20"/>
+      <p:bldP build="whole" bldLvl="1" animBg="1" rev="0" advAuto="0" spid="181" grpId="26"/>
+      <p:bldP build="whole" bldLvl="1" animBg="1" rev="0" advAuto="0" spid="101" grpId="5"/>
+      <p:bldP build="whole" bldLvl="1" animBg="1" rev="0" advAuto="0" spid="88" grpId="1"/>
+      <p:bldP build="whole" bldLvl="1" animBg="1" rev="0" advAuto="0" spid="94" grpId="3"/>
+      <p:bldP build="whole" bldLvl="1" animBg="1" rev="0" advAuto="0" spid="138" grpId="34"/>
+      <p:bldP build="whole" bldLvl="1" animBg="1" rev="0" advAuto="0" spid="117" grpId="25"/>
+      <p:bldP build="whole" bldLvl="1" animBg="1" rev="0" advAuto="0" spid="159" grpId="44"/>
+      <p:bldP build="whole" bldLvl="1" animBg="1" rev="0" advAuto="0" spid="111" grpId="10"/>
+      <p:bldP build="whole" bldLvl="1" animBg="1" rev="0" advAuto="0" spid="178" grpId="18"/>
+      <p:bldP build="whole" bldLvl="1" animBg="1" rev="0" advAuto="0" spid="122" grpId="19"/>
+      <p:bldP build="whole" bldLvl="1" animBg="1" rev="0" advAuto="0" spid="135" grpId="31"/>
+      <p:bldP build="whole" bldLvl="1" animBg="1" rev="0" advAuto="0" spid="171" grpId="32"/>
+      <p:bldP build="whole" bldLvl="1" animBg="1" rev="0" advAuto="0" spid="123" grpId="24"/>
+      <p:bldP build="whole" bldLvl="1" animBg="1" rev="0" advAuto="0" spid="95" grpId="4"/>
       <p:bldP build="whole" bldLvl="1" animBg="1" rev="0" advAuto="0" spid="124" grpId="22"/>
-      <p:bldP build="whole" bldLvl="1" animBg="1" rev="0" advAuto="0" spid="129" grpId="30"/>
+      <p:bldP build="whole" bldLvl="1" animBg="1" rev="0" advAuto="0" spid="175" grpId="11"/>
+      <p:bldP build="whole" bldLvl="1" animBg="1" rev="0" advAuto="0" spid="182" grpId="28"/>
+      <p:bldP build="whole" bldLvl="1" animBg="1" rev="0" advAuto="0" spid="119" grpId="14"/>
+      <p:bldP build="whole" bldLvl="1" animBg="1" rev="0" advAuto="0" spid="97" grpId="7"/>
+      <p:bldP build="whole" bldLvl="1" animBg="1" rev="0" advAuto="0" spid="147" grpId="37"/>
+      <p:bldP build="whole" bldLvl="1" animBg="1" rev="0" advAuto="0" spid="107" grpId="8"/>
       <p:bldP build="whole" bldLvl="1" animBg="1" rev="0" advAuto="0" spid="104" grpId="6"/>
-      <p:bldP build="whole" bldLvl="1" animBg="1" rev="0" advAuto="0" spid="107" grpId="8"/>
-      <p:bldP build="whole" bldLvl="1" animBg="1" rev="0" advAuto="0" spid="138" grpId="34"/>
-      <p:bldP build="whole" bldLvl="1" animBg="1" rev="0" advAuto="0" spid="184" grpId="38"/>
-      <p:bldP build="whole" bldLvl="1" animBg="1" rev="0" advAuto="0" spid="111" grpId="10"/>
-      <p:bldP build="whole" bldLvl="1" animBg="1" rev="0" advAuto="0" spid="88" grpId="1"/>
-      <p:bldP build="whole" bldLvl="1" animBg="1" rev="0" advAuto="0" spid="87" grpId="2"/>
-      <p:bldP build="whole" bldLvl="1" animBg="1" rev="0" advAuto="0" spid="147" grpId="37"/>
-      <p:bldP build="whole" bldLvl="1" animBg="1" rev="0" advAuto="0" spid="101" grpId="5"/>
-      <p:bldP build="whole" bldLvl="1" animBg="1" rev="0" advAuto="0" spid="153" grpId="40"/>
+      <p:bldP build="whole" bldLvl="1" animBg="1" rev="0" advAuto="0" spid="179" grpId="21"/>
       <p:bldP build="whole" bldLvl="1" animBg="1" rev="0" advAuto="0" spid="165" grpId="48"/>
-      <p:bldP build="whole" bldLvl="1" animBg="1" rev="0" advAuto="0" spid="141" grpId="35"/>
-      <p:bldP build="whole" bldLvl="1" animBg="1" rev="0" advAuto="0" spid="150" grpId="52"/>
-      <p:bldP build="whole" bldLvl="1" animBg="1" rev="0" advAuto="0" spid="94" grpId="3"/>
-      <p:bldP build="whole" bldLvl="1" animBg="1" rev="0" advAuto="0" spid="171" grpId="32"/>
-      <p:bldP build="whole" bldLvl="1" animBg="1" rev="0" advAuto="0" spid="95" grpId="4"/>
-      <p:bldP build="whole" bldLvl="1" animBg="1" rev="0" advAuto="0" spid="110" grpId="9"/>
-      <p:bldP build="whole" bldLvl="1" animBg="1" rev="0" advAuto="0" spid="183" grpId="39"/>
-      <p:bldP build="whole" bldLvl="1" animBg="1" rev="0" advAuto="0" spid="176" grpId="13"/>
-      <p:bldP build="whole" bldLvl="1" animBg="1" rev="0" advAuto="0" spid="174" grpId="54"/>
-      <p:bldP build="whole" bldLvl="1" animBg="1" rev="0" advAuto="0" spid="178" grpId="18"/>
-      <p:bldP build="whole" bldLvl="1" animBg="1" rev="0" advAuto="0" spid="97" grpId="7"/>
-      <p:bldP build="whole" bldLvl="1" animBg="1" rev="0" advAuto="0" spid="126" grpId="29"/>
-      <p:bldP build="whole" bldLvl="1" animBg="1" rev="0" advAuto="0" spid="175" grpId="11"/>
-      <p:bldP build="whole" bldLvl="1" animBg="1" rev="0" advAuto="0" spid="122" grpId="19"/>
-      <p:bldP build="whole" bldLvl="1" animBg="1" rev="0" advAuto="0" spid="181" grpId="26"/>
-      <p:bldP build="whole" bldLvl="1" animBg="1" rev="0" advAuto="0" spid="121" grpId="17"/>
-      <p:bldP build="whole" bldLvl="1" animBg="1" rev="0" advAuto="0" spid="156" grpId="42"/>
-      <p:bldP build="whole" bldLvl="1" animBg="1" rev="0" advAuto="0" spid="162" grpId="46"/>
-      <p:bldP build="whole" bldLvl="1" animBg="1" rev="0" advAuto="0" spid="168" grpId="50"/>
-      <p:bldP build="whole" bldLvl="1" animBg="1" rev="0" advAuto="0" spid="135" grpId="31"/>
-      <p:bldP build="whole" bldLvl="1" animBg="1" rev="0" advAuto="0" spid="115" grpId="20"/>
-      <p:bldP build="whole" bldLvl="1" animBg="1" rev="0" advAuto="0" spid="117" grpId="25"/>
-      <p:bldP build="whole" bldLvl="1" animBg="1" rev="0" advAuto="0" spid="182" grpId="28"/>
-      <p:bldP build="whole" bldLvl="1" animBg="1" rev="0" advAuto="0" spid="177" grpId="16"/>
-      <p:bldP build="whole" bldLvl="1" animBg="1" rev="0" advAuto="0" spid="120" grpId="12"/>
-      <p:bldP build="whole" bldLvl="1" animBg="1" rev="0" advAuto="0" spid="159" grpId="44"/>
-      <p:bldP build="whole" bldLvl="1" animBg="1" rev="0" advAuto="0" spid="180" grpId="23"/>
-      <p:bldP build="whole" bldLvl="1" animBg="1" rev="0" advAuto="0" spid="123" grpId="24"/>
-      <p:bldP build="whole" bldLvl="1" animBg="1" rev="0" advAuto="0" spid="119" grpId="14"/>
-      <p:bldP build="whole" bldLvl="1" animBg="1" rev="0" advAuto="0" spid="113" grpId="15"/>
-      <p:bldP build="whole" bldLvl="1" animBg="1" rev="0" advAuto="0" spid="125" grpId="27"/>
-      <p:bldP build="whole" bldLvl="1" animBg="1" rev="0" advAuto="0" spid="144" grpId="36"/>
-      <p:bldP build="whole" bldLvl="1" animBg="1" rev="0" advAuto="0" spid="179" grpId="21"/>
-      <p:bldP build="whole" bldLvl="1" animBg="1" rev="0" advAuto="0" spid="132" grpId="33"/>
     </p:bldLst>
   </p:timing>
 </p:sld>
